--- a/spring12/slidesS12/gcdlinear.pptx
+++ b/spring12/slidesS12/gcdlinear.pptx
@@ -1172,6 +1172,96 @@
       </p:grpSpPr>
       <p:sp>
         <p:nvSpPr>
+          <p:cNvPr id="2" name="Slide Image Placeholder 1"/>
+          <p:cNvSpPr>
+            <a:spLocks noGrp="1" noRot="1" noChangeAspect="1"/>
+          </p:cNvSpPr>
+          <p:nvPr>
+            <p:ph type="sldImg"/>
+          </p:nvPr>
+        </p:nvSpPr>
+        <p:spPr/>
+      </p:sp>
+      <p:sp>
+        <p:nvSpPr>
+          <p:cNvPr id="3" name="Notes Placeholder 2"/>
+          <p:cNvSpPr>
+            <a:spLocks noGrp="1"/>
+          </p:cNvSpPr>
+          <p:nvPr>
+            <p:ph type="body" idx="1"/>
+          </p:nvPr>
+        </p:nvSpPr>
+        <p:spPr/>
+        <p:txBody>
+          <a:bodyPr/>
+          <a:lstStyle/>
+          <a:p>
+            <a:endParaRPr lang="en-US"/>
+          </a:p>
+        </p:txBody>
+      </p:sp>
+      <p:sp>
+        <p:nvSpPr>
+          <p:cNvPr id="4" name="Slide Number Placeholder 3"/>
+          <p:cNvSpPr>
+            <a:spLocks noGrp="1"/>
+          </p:cNvSpPr>
+          <p:nvPr>
+            <p:ph type="sldNum" sz="quarter" idx="10"/>
+          </p:nvPr>
+        </p:nvSpPr>
+        <p:spPr/>
+        <p:txBody>
+          <a:bodyPr/>
+          <a:lstStyle/>
+          <a:p>
+            <a:pPr>
+              <a:defRPr/>
+            </a:pPr>
+            <a:fld id="{1953B675-4226-4AF9-9E43-532C9224C074}" type="slidenum">
+              <a:rPr lang="en-US" smtClean="0"/>
+              <a:pPr>
+                <a:defRPr/>
+              </a:pPr>
+              <a:t>12</a:t>
+            </a:fld>
+            <a:endParaRPr lang="en-US"/>
+          </a:p>
+        </p:txBody>
+      </p:sp>
+    </p:spTree>
+    <p:extLst>
+      <p:ext uri="{BB962C8B-B14F-4D97-AF65-F5344CB8AC3E}">
+        <p14:creationId xmlns:p14="http://schemas.microsoft.com/office/powerpoint/2010/main" val="1305485790"/>
+      </p:ext>
+    </p:extLst>
+  </p:cSld>
+  <p:clrMapOvr>
+    <a:masterClrMapping/>
+  </p:clrMapOvr>
+</p:notes>
+</file>
+
+<file path=ppt/notesSlides/notesSlide13.xml><?xml version="1.0" encoding="utf-8"?>
+<p:notes xmlns:a="http://schemas.openxmlformats.org/drawingml/2006/main" xmlns:r="http://schemas.openxmlformats.org/officeDocument/2006/relationships" xmlns:p="http://schemas.openxmlformats.org/presentationml/2006/main">
+  <p:cSld>
+    <p:spTree>
+      <p:nvGrpSpPr>
+        <p:cNvPr id="1" name=""/>
+        <p:cNvGrpSpPr/>
+        <p:nvPr/>
+      </p:nvGrpSpPr>
+      <p:grpSpPr>
+        <a:xfrm>
+          <a:off x="0" y="0"/>
+          <a:ext cx="0" cy="0"/>
+          <a:chOff x="0" y="0"/>
+          <a:chExt cx="0" cy="0"/>
+        </a:xfrm>
+      </p:grpSpPr>
+      <p:sp>
+        <p:nvSpPr>
           <p:cNvPr id="65538" name="Rectangle 7"/>
           <p:cNvSpPr>
             <a:spLocks noGrp="1" noChangeArrowheads="1"/>
@@ -1247,7 +1337,7 @@
 </p:notes>
 </file>
 
-<file path=ppt/notesSlides/notesSlide13.xml><?xml version="1.0" encoding="utf-8"?>
+<file path=ppt/notesSlides/notesSlide14.xml><?xml version="1.0" encoding="utf-8"?>
 <p:notes xmlns:a="http://schemas.openxmlformats.org/drawingml/2006/main" xmlns:r="http://schemas.openxmlformats.org/officeDocument/2006/relationships" xmlns:p="http://schemas.openxmlformats.org/presentationml/2006/main">
   <p:cSld>
     <p:spTree>
@@ -1341,7 +1431,7 @@
 </p:notes>
 </file>
 
-<file path=ppt/notesSlides/notesSlide14.xml><?xml version="1.0" encoding="utf-8"?>
+<file path=ppt/notesSlides/notesSlide15.xml><?xml version="1.0" encoding="utf-8"?>
 <p:notes xmlns:a="http://schemas.openxmlformats.org/drawingml/2006/main" xmlns:r="http://schemas.openxmlformats.org/officeDocument/2006/relationships" xmlns:p="http://schemas.openxmlformats.org/presentationml/2006/main">
   <p:cSld>
     <p:spTree>
@@ -1405,100 +1495,6 @@
       <p:sp>
         <p:nvSpPr>
           <p:cNvPr id="57348" name="Rectangle 3"/>
-          <p:cNvSpPr>
-            <a:spLocks noGrp="1" noChangeArrowheads="1"/>
-          </p:cNvSpPr>
-          <p:nvPr>
-            <p:ph type="body" idx="1"/>
-          </p:nvPr>
-        </p:nvSpPr>
-        <p:spPr>
-          <a:noFill/>
-          <a:ln/>
-        </p:spPr>
-        <p:txBody>
-          <a:bodyPr/>
-          <a:lstStyle/>
-          <a:p>
-            <a:pPr eaLnBrk="1" hangingPunct="1"/>
-            <a:endParaRPr lang="en-US" smtClean="0">
-              <a:latin typeface="Times New Roman" pitchFamily="8" charset="0"/>
-            </a:endParaRPr>
-          </a:p>
-        </p:txBody>
-      </p:sp>
-    </p:spTree>
-  </p:cSld>
-  <p:clrMapOvr>
-    <a:masterClrMapping/>
-  </p:clrMapOvr>
-</p:notes>
-</file>
-
-<file path=ppt/notesSlides/notesSlide15.xml><?xml version="1.0" encoding="utf-8"?>
-<p:notes xmlns:a="http://schemas.openxmlformats.org/drawingml/2006/main" xmlns:r="http://schemas.openxmlformats.org/officeDocument/2006/relationships" xmlns:p="http://schemas.openxmlformats.org/presentationml/2006/main">
-  <p:cSld>
-    <p:spTree>
-      <p:nvGrpSpPr>
-        <p:cNvPr id="1" name=""/>
-        <p:cNvGrpSpPr/>
-        <p:nvPr/>
-      </p:nvGrpSpPr>
-      <p:grpSpPr>
-        <a:xfrm>
-          <a:off x="0" y="0"/>
-          <a:ext cx="0" cy="0"/>
-          <a:chOff x="0" y="0"/>
-          <a:chExt cx="0" cy="0"/>
-        </a:xfrm>
-      </p:grpSpPr>
-      <p:sp>
-        <p:nvSpPr>
-          <p:cNvPr id="58370" name="Rectangle 7"/>
-          <p:cNvSpPr>
-            <a:spLocks noGrp="1" noChangeArrowheads="1"/>
-          </p:cNvSpPr>
-          <p:nvPr>
-            <p:ph type="sldNum" sz="quarter" idx="5"/>
-          </p:nvPr>
-        </p:nvSpPr>
-        <p:spPr>
-          <a:noFill/>
-        </p:spPr>
-        <p:txBody>
-          <a:bodyPr/>
-          <a:lstStyle/>
-          <a:p>
-            <a:fld id="{EC6E0C1E-AC63-4272-81A8-7644E1FADA8A}" type="slidenum">
-              <a:rPr lang="en-US" smtClean="0">
-                <a:latin typeface="Times New Roman" pitchFamily="8" charset="0"/>
-              </a:rPr>
-              <a:pPr/>
-              <a:t>22</a:t>
-            </a:fld>
-            <a:endParaRPr lang="en-US" smtClean="0">
-              <a:latin typeface="Times New Roman" pitchFamily="8" charset="0"/>
-            </a:endParaRPr>
-          </a:p>
-        </p:txBody>
-      </p:sp>
-      <p:sp>
-        <p:nvSpPr>
-          <p:cNvPr id="58371" name="Rectangle 2"/>
-          <p:cNvSpPr>
-            <a:spLocks noGrp="1" noRot="1" noChangeAspect="1" noChangeArrowheads="1" noTextEdit="1"/>
-          </p:cNvSpPr>
-          <p:nvPr>
-            <p:ph type="sldImg"/>
-          </p:nvPr>
-        </p:nvSpPr>
-        <p:spPr>
-          <a:ln/>
-        </p:spPr>
-      </p:sp>
-      <p:sp>
-        <p:nvSpPr>
-          <p:cNvPr id="58372" name="Rectangle 3"/>
           <p:cNvSpPr>
             <a:spLocks noGrp="1" noChangeArrowheads="1"/>
           </p:cNvSpPr>
@@ -1568,7 +1564,7 @@
                 <a:latin typeface="Times New Roman" pitchFamily="8" charset="0"/>
               </a:rPr>
               <a:pPr/>
-              <a:t>23</a:t>
+              <a:t>22</a:t>
             </a:fld>
             <a:endParaRPr lang="en-US" smtClean="0">
               <a:latin typeface="Times New Roman" pitchFamily="8" charset="0"/>
@@ -1642,6 +1638,100 @@
       </p:grpSpPr>
       <p:sp>
         <p:nvSpPr>
+          <p:cNvPr id="58370" name="Rectangle 7"/>
+          <p:cNvSpPr>
+            <a:spLocks noGrp="1" noChangeArrowheads="1"/>
+          </p:cNvSpPr>
+          <p:nvPr>
+            <p:ph type="sldNum" sz="quarter" idx="5"/>
+          </p:nvPr>
+        </p:nvSpPr>
+        <p:spPr>
+          <a:noFill/>
+        </p:spPr>
+        <p:txBody>
+          <a:bodyPr/>
+          <a:lstStyle/>
+          <a:p>
+            <a:fld id="{EC6E0C1E-AC63-4272-81A8-7644E1FADA8A}" type="slidenum">
+              <a:rPr lang="en-US" smtClean="0">
+                <a:latin typeface="Times New Roman" pitchFamily="8" charset="0"/>
+              </a:rPr>
+              <a:pPr/>
+              <a:t>23</a:t>
+            </a:fld>
+            <a:endParaRPr lang="en-US" smtClean="0">
+              <a:latin typeface="Times New Roman" pitchFamily="8" charset="0"/>
+            </a:endParaRPr>
+          </a:p>
+        </p:txBody>
+      </p:sp>
+      <p:sp>
+        <p:nvSpPr>
+          <p:cNvPr id="58371" name="Rectangle 2"/>
+          <p:cNvSpPr>
+            <a:spLocks noGrp="1" noRot="1" noChangeAspect="1" noChangeArrowheads="1" noTextEdit="1"/>
+          </p:cNvSpPr>
+          <p:nvPr>
+            <p:ph type="sldImg"/>
+          </p:nvPr>
+        </p:nvSpPr>
+        <p:spPr>
+          <a:ln/>
+        </p:spPr>
+      </p:sp>
+      <p:sp>
+        <p:nvSpPr>
+          <p:cNvPr id="58372" name="Rectangle 3"/>
+          <p:cNvSpPr>
+            <a:spLocks noGrp="1" noChangeArrowheads="1"/>
+          </p:cNvSpPr>
+          <p:nvPr>
+            <p:ph type="body" idx="1"/>
+          </p:nvPr>
+        </p:nvSpPr>
+        <p:spPr>
+          <a:noFill/>
+          <a:ln/>
+        </p:spPr>
+        <p:txBody>
+          <a:bodyPr/>
+          <a:lstStyle/>
+          <a:p>
+            <a:pPr eaLnBrk="1" hangingPunct="1"/>
+            <a:endParaRPr lang="en-US" smtClean="0">
+              <a:latin typeface="Times New Roman" pitchFamily="8" charset="0"/>
+            </a:endParaRPr>
+          </a:p>
+        </p:txBody>
+      </p:sp>
+    </p:spTree>
+  </p:cSld>
+  <p:clrMapOvr>
+    <a:masterClrMapping/>
+  </p:clrMapOvr>
+</p:notes>
+</file>
+
+<file path=ppt/notesSlides/notesSlide18.xml><?xml version="1.0" encoding="utf-8"?>
+<p:notes xmlns:a="http://schemas.openxmlformats.org/drawingml/2006/main" xmlns:r="http://schemas.openxmlformats.org/officeDocument/2006/relationships" xmlns:p="http://schemas.openxmlformats.org/presentationml/2006/main">
+  <p:cSld>
+    <p:spTree>
+      <p:nvGrpSpPr>
+        <p:cNvPr id="1" name=""/>
+        <p:cNvGrpSpPr/>
+        <p:nvPr/>
+      </p:nvGrpSpPr>
+      <p:grpSpPr>
+        <a:xfrm>
+          <a:off x="0" y="0"/>
+          <a:ext cx="0" cy="0"/>
+          <a:chOff x="0" y="0"/>
+          <a:chExt cx="0" cy="0"/>
+        </a:xfrm>
+      </p:grpSpPr>
+      <p:sp>
+        <p:nvSpPr>
           <p:cNvPr id="59394" name="Rectangle 7"/>
           <p:cNvSpPr>
             <a:spLocks noGrp="1" noChangeArrowheads="1"/>
@@ -1717,7 +1807,7 @@
 </p:notes>
 </file>
 
-<file path=ppt/notesSlides/notesSlide18.xml><?xml version="1.0" encoding="utf-8"?>
+<file path=ppt/notesSlides/notesSlide19.xml><?xml version="1.0" encoding="utf-8"?>
 <p:notes xmlns:a="http://schemas.openxmlformats.org/drawingml/2006/main" xmlns:r="http://schemas.openxmlformats.org/officeDocument/2006/relationships" xmlns:p="http://schemas.openxmlformats.org/presentationml/2006/main">
   <p:cSld>
     <p:spTree>
@@ -1781,100 +1871,6 @@
       <p:sp>
         <p:nvSpPr>
           <p:cNvPr id="60420" name="Rectangle 3"/>
-          <p:cNvSpPr>
-            <a:spLocks noGrp="1" noChangeArrowheads="1"/>
-          </p:cNvSpPr>
-          <p:nvPr>
-            <p:ph type="body" idx="1"/>
-          </p:nvPr>
-        </p:nvSpPr>
-        <p:spPr>
-          <a:noFill/>
-          <a:ln/>
-        </p:spPr>
-        <p:txBody>
-          <a:bodyPr/>
-          <a:lstStyle/>
-          <a:p>
-            <a:pPr eaLnBrk="1" hangingPunct="1"/>
-            <a:endParaRPr lang="en-US" smtClean="0">
-              <a:latin typeface="Times New Roman" pitchFamily="8" charset="0"/>
-            </a:endParaRPr>
-          </a:p>
-        </p:txBody>
-      </p:sp>
-    </p:spTree>
-  </p:cSld>
-  <p:clrMapOvr>
-    <a:masterClrMapping/>
-  </p:clrMapOvr>
-</p:notes>
-</file>
-
-<file path=ppt/notesSlides/notesSlide19.xml><?xml version="1.0" encoding="utf-8"?>
-<p:notes xmlns:a="http://schemas.openxmlformats.org/drawingml/2006/main" xmlns:r="http://schemas.openxmlformats.org/officeDocument/2006/relationships" xmlns:p="http://schemas.openxmlformats.org/presentationml/2006/main">
-  <p:cSld>
-    <p:spTree>
-      <p:nvGrpSpPr>
-        <p:cNvPr id="1" name=""/>
-        <p:cNvGrpSpPr/>
-        <p:nvPr/>
-      </p:nvGrpSpPr>
-      <p:grpSpPr>
-        <a:xfrm>
-          <a:off x="0" y="0"/>
-          <a:ext cx="0" cy="0"/>
-          <a:chOff x="0" y="0"/>
-          <a:chExt cx="0" cy="0"/>
-        </a:xfrm>
-      </p:grpSpPr>
-      <p:sp>
-        <p:nvSpPr>
-          <p:cNvPr id="61442" name="Rectangle 7"/>
-          <p:cNvSpPr>
-            <a:spLocks noGrp="1" noChangeArrowheads="1"/>
-          </p:cNvSpPr>
-          <p:nvPr>
-            <p:ph type="sldNum" sz="quarter" idx="5"/>
-          </p:nvPr>
-        </p:nvSpPr>
-        <p:spPr>
-          <a:noFill/>
-        </p:spPr>
-        <p:txBody>
-          <a:bodyPr/>
-          <a:lstStyle/>
-          <a:p>
-            <a:fld id="{633011C0-825D-44C0-998E-D3D100C2C20D}" type="slidenum">
-              <a:rPr lang="en-US" smtClean="0">
-                <a:latin typeface="Times New Roman" pitchFamily="8" charset="0"/>
-              </a:rPr>
-              <a:pPr/>
-              <a:t>26</a:t>
-            </a:fld>
-            <a:endParaRPr lang="en-US" smtClean="0">
-              <a:latin typeface="Times New Roman" pitchFamily="8" charset="0"/>
-            </a:endParaRPr>
-          </a:p>
-        </p:txBody>
-      </p:sp>
-      <p:sp>
-        <p:nvSpPr>
-          <p:cNvPr id="61443" name="Rectangle 2"/>
-          <p:cNvSpPr>
-            <a:spLocks noGrp="1" noRot="1" noChangeAspect="1" noChangeArrowheads="1" noTextEdit="1"/>
-          </p:cNvSpPr>
-          <p:nvPr>
-            <p:ph type="sldImg"/>
-          </p:nvPr>
-        </p:nvSpPr>
-        <p:spPr>
-          <a:ln/>
-        </p:spPr>
-      </p:sp>
-      <p:sp>
-        <p:nvSpPr>
-          <p:cNvPr id="61444" name="Rectangle 3"/>
           <p:cNvSpPr>
             <a:spLocks noGrp="1" noChangeArrowheads="1"/>
           </p:cNvSpPr>
@@ -2038,7 +2034,7 @@
                 <a:latin typeface="Times New Roman" pitchFamily="8" charset="0"/>
               </a:rPr>
               <a:pPr/>
-              <a:t>27</a:t>
+              <a:t>26</a:t>
             </a:fld>
             <a:endParaRPr lang="en-US" smtClean="0">
               <a:latin typeface="Times New Roman" pitchFamily="8" charset="0"/>
@@ -2112,7 +2108,7 @@
       </p:grpSpPr>
       <p:sp>
         <p:nvSpPr>
-          <p:cNvPr id="64514" name="Rectangle 7"/>
+          <p:cNvPr id="61442" name="Rectangle 7"/>
           <p:cNvSpPr>
             <a:spLocks noGrp="1" noChangeArrowheads="1"/>
           </p:cNvSpPr>
@@ -2127,12 +2123,12 @@
           <a:bodyPr/>
           <a:lstStyle/>
           <a:p>
-            <a:fld id="{37A8FE84-B9D7-4453-8B92-693D2FC014DC}" type="slidenum">
+            <a:fld id="{633011C0-825D-44C0-998E-D3D100C2C20D}" type="slidenum">
               <a:rPr lang="en-US" smtClean="0">
                 <a:latin typeface="Times New Roman" pitchFamily="8" charset="0"/>
               </a:rPr>
               <a:pPr/>
-              <a:t>28</a:t>
+              <a:t>27</a:t>
             </a:fld>
             <a:endParaRPr lang="en-US" smtClean="0">
               <a:latin typeface="Times New Roman" pitchFamily="8" charset="0"/>
@@ -2142,7 +2138,7 @@
       </p:sp>
       <p:sp>
         <p:nvSpPr>
-          <p:cNvPr id="64515" name="Rectangle 2"/>
+          <p:cNvPr id="61443" name="Rectangle 2"/>
           <p:cNvSpPr>
             <a:spLocks noGrp="1" noRot="1" noChangeAspect="1" noChangeArrowheads="1" noTextEdit="1"/>
           </p:cNvSpPr>
@@ -2156,7 +2152,7 @@
       </p:sp>
       <p:sp>
         <p:nvSpPr>
-          <p:cNvPr id="64516" name="Rectangle 3"/>
+          <p:cNvPr id="61444" name="Rectangle 3"/>
           <p:cNvSpPr>
             <a:spLocks noGrp="1" noChangeArrowheads="1"/>
           </p:cNvSpPr>
@@ -2206,7 +2202,7 @@
       </p:grpSpPr>
       <p:sp>
         <p:nvSpPr>
-          <p:cNvPr id="65538" name="Rectangle 7"/>
+          <p:cNvPr id="64514" name="Rectangle 7"/>
           <p:cNvSpPr>
             <a:spLocks noGrp="1" noChangeArrowheads="1"/>
           </p:cNvSpPr>
@@ -2221,12 +2217,12 @@
           <a:bodyPr/>
           <a:lstStyle/>
           <a:p>
-            <a:fld id="{EEC78EEE-97B5-4226-9E7C-A9D1AB189F42}" type="slidenum">
+            <a:fld id="{37A8FE84-B9D7-4453-8B92-693D2FC014DC}" type="slidenum">
               <a:rPr lang="en-US" smtClean="0">
                 <a:latin typeface="Times New Roman" pitchFamily="8" charset="0"/>
               </a:rPr>
               <a:pPr/>
-              <a:t>29</a:t>
+              <a:t>28</a:t>
             </a:fld>
             <a:endParaRPr lang="en-US" smtClean="0">
               <a:latin typeface="Times New Roman" pitchFamily="8" charset="0"/>
@@ -2236,7 +2232,7 @@
       </p:sp>
       <p:sp>
         <p:nvSpPr>
-          <p:cNvPr id="65539" name="Rectangle 2"/>
+          <p:cNvPr id="64515" name="Rectangle 2"/>
           <p:cNvSpPr>
             <a:spLocks noGrp="1" noRot="1" noChangeAspect="1" noChangeArrowheads="1" noTextEdit="1"/>
           </p:cNvSpPr>
@@ -2250,7 +2246,7 @@
       </p:sp>
       <p:sp>
         <p:nvSpPr>
-          <p:cNvPr id="65540" name="Rectangle 3"/>
+          <p:cNvPr id="64516" name="Rectangle 3"/>
           <p:cNvSpPr>
             <a:spLocks noGrp="1" noChangeArrowheads="1"/>
           </p:cNvSpPr>
@@ -2320,7 +2316,7 @@
                 <a:latin typeface="Times New Roman" pitchFamily="8" charset="0"/>
               </a:rPr>
               <a:pPr/>
-              <a:t>30</a:t>
+              <a:t>29</a:t>
             </a:fld>
             <a:endParaRPr lang="en-US" smtClean="0">
               <a:latin typeface="Times New Roman" pitchFamily="8" charset="0"/>
@@ -2414,7 +2410,7 @@
                 <a:latin typeface="Times New Roman" pitchFamily="8" charset="0"/>
               </a:rPr>
               <a:pPr/>
-              <a:t>31</a:t>
+              <a:t>30</a:t>
             </a:fld>
             <a:endParaRPr lang="en-US" smtClean="0">
               <a:latin typeface="Times New Roman" pitchFamily="8" charset="0"/>
@@ -2508,7 +2504,7 @@
                 <a:latin typeface="Times New Roman" pitchFamily="8" charset="0"/>
               </a:rPr>
               <a:pPr/>
-              <a:t>32</a:t>
+              <a:t>31</a:t>
             </a:fld>
             <a:endParaRPr lang="en-US" smtClean="0">
               <a:latin typeface="Times New Roman" pitchFamily="8" charset="0"/>
@@ -2602,7 +2598,7 @@
                 <a:latin typeface="Times New Roman" pitchFamily="8" charset="0"/>
               </a:rPr>
               <a:pPr/>
-              <a:t>33</a:t>
+              <a:t>32</a:t>
             </a:fld>
             <a:endParaRPr lang="en-US" smtClean="0">
               <a:latin typeface="Times New Roman" pitchFamily="8" charset="0"/>
@@ -2658,6 +2654,100 @@
 </file>
 
 <file path=ppt/notesSlides/notesSlide27.xml><?xml version="1.0" encoding="utf-8"?>
+<p:notes xmlns:a="http://schemas.openxmlformats.org/drawingml/2006/main" xmlns:r="http://schemas.openxmlformats.org/officeDocument/2006/relationships" xmlns:p="http://schemas.openxmlformats.org/presentationml/2006/main">
+  <p:cSld>
+    <p:spTree>
+      <p:nvGrpSpPr>
+        <p:cNvPr id="1" name=""/>
+        <p:cNvGrpSpPr/>
+        <p:nvPr/>
+      </p:nvGrpSpPr>
+      <p:grpSpPr>
+        <a:xfrm>
+          <a:off x="0" y="0"/>
+          <a:ext cx="0" cy="0"/>
+          <a:chOff x="0" y="0"/>
+          <a:chExt cx="0" cy="0"/>
+        </a:xfrm>
+      </p:grpSpPr>
+      <p:sp>
+        <p:nvSpPr>
+          <p:cNvPr id="65538" name="Rectangle 7"/>
+          <p:cNvSpPr>
+            <a:spLocks noGrp="1" noChangeArrowheads="1"/>
+          </p:cNvSpPr>
+          <p:nvPr>
+            <p:ph type="sldNum" sz="quarter" idx="5"/>
+          </p:nvPr>
+        </p:nvSpPr>
+        <p:spPr>
+          <a:noFill/>
+        </p:spPr>
+        <p:txBody>
+          <a:bodyPr/>
+          <a:lstStyle/>
+          <a:p>
+            <a:fld id="{EEC78EEE-97B5-4226-9E7C-A9D1AB189F42}" type="slidenum">
+              <a:rPr lang="en-US" smtClean="0">
+                <a:latin typeface="Times New Roman" pitchFamily="8" charset="0"/>
+              </a:rPr>
+              <a:pPr/>
+              <a:t>33</a:t>
+            </a:fld>
+            <a:endParaRPr lang="en-US" smtClean="0">
+              <a:latin typeface="Times New Roman" pitchFamily="8" charset="0"/>
+            </a:endParaRPr>
+          </a:p>
+        </p:txBody>
+      </p:sp>
+      <p:sp>
+        <p:nvSpPr>
+          <p:cNvPr id="65539" name="Rectangle 2"/>
+          <p:cNvSpPr>
+            <a:spLocks noGrp="1" noRot="1" noChangeAspect="1" noChangeArrowheads="1" noTextEdit="1"/>
+          </p:cNvSpPr>
+          <p:nvPr>
+            <p:ph type="sldImg"/>
+          </p:nvPr>
+        </p:nvSpPr>
+        <p:spPr>
+          <a:ln/>
+        </p:spPr>
+      </p:sp>
+      <p:sp>
+        <p:nvSpPr>
+          <p:cNvPr id="65540" name="Rectangle 3"/>
+          <p:cNvSpPr>
+            <a:spLocks noGrp="1" noChangeArrowheads="1"/>
+          </p:cNvSpPr>
+          <p:nvPr>
+            <p:ph type="body" idx="1"/>
+          </p:nvPr>
+        </p:nvSpPr>
+        <p:spPr>
+          <a:noFill/>
+          <a:ln/>
+        </p:spPr>
+        <p:txBody>
+          <a:bodyPr/>
+          <a:lstStyle/>
+          <a:p>
+            <a:pPr eaLnBrk="1" hangingPunct="1"/>
+            <a:endParaRPr lang="en-US" smtClean="0">
+              <a:latin typeface="Times New Roman" pitchFamily="8" charset="0"/>
+            </a:endParaRPr>
+          </a:p>
+        </p:txBody>
+      </p:sp>
+    </p:spTree>
+  </p:cSld>
+  <p:clrMapOvr>
+    <a:masterClrMapping/>
+  </p:clrMapOvr>
+</p:notes>
+</file>
+
+<file path=ppt/notesSlides/notesSlide28.xml><?xml version="1.0" encoding="utf-8"?>
 <p:notes xmlns:a="http://schemas.openxmlformats.org/drawingml/2006/main" xmlns:r="http://schemas.openxmlformats.org/officeDocument/2006/relationships" xmlns:p="http://schemas.openxmlformats.org/presentationml/2006/main">
   <p:cSld>
     <p:spTree>
@@ -4720,8 +4810,8 @@
         </p:nvSpPr>
         <p:spPr bwMode="auto">
           <a:xfrm>
-            <a:off x="2055813" y="411163"/>
-            <a:ext cx="5370512" cy="1068387"/>
+            <a:off x="1520514" y="411163"/>
+            <a:ext cx="6441111" cy="1077218"/>
           </a:xfrm>
           <a:prstGeom prst="rect">
             <a:avLst/>
@@ -4742,55 +4832,61 @@
           <a:p>
             <a:pPr algn="ctr"/>
             <a:r>
-              <a:rPr lang="en-US" sz="2800" b="1" i="1">
+              <a:rPr lang="en-US" sz="2800" b="1" dirty="0">
                 <a:solidFill>
                   <a:schemeClr val="tx2"/>
                 </a:solidFill>
-                <a:latin typeface="Times New Roman" pitchFamily="8" charset="0"/>
+                <a:latin typeface="Comic Sans MS"/>
+                <a:cs typeface="Comic Sans MS"/>
               </a:rPr>
               <a:t>Mathematics for Computer Science</a:t>
             </a:r>
             <a:r>
-              <a:rPr lang="en-US" sz="3600" b="1" i="1">
+              <a:rPr lang="en-US" sz="3600" b="1" dirty="0">
                 <a:solidFill>
                   <a:schemeClr val="tx2"/>
                 </a:solidFill>
-                <a:latin typeface="Times New Roman" pitchFamily="8" charset="0"/>
+                <a:latin typeface="Comic Sans MS"/>
+                <a:cs typeface="Comic Sans MS"/>
               </a:rPr>
               <a:t/>
             </a:r>
             <a:br>
-              <a:rPr lang="en-US" sz="3600" b="1" i="1">
+              <a:rPr lang="en-US" sz="3600" b="1" dirty="0">
                 <a:solidFill>
                   <a:schemeClr val="tx2"/>
                 </a:solidFill>
-                <a:latin typeface="Times New Roman" pitchFamily="8" charset="0"/>
+                <a:latin typeface="Comic Sans MS"/>
+                <a:cs typeface="Comic Sans MS"/>
               </a:rPr>
             </a:br>
             <a:r>
-              <a:rPr lang="en-US" sz="2400" b="1">
+              <a:rPr lang="en-US" sz="2400" b="1" dirty="0">
                 <a:solidFill>
                   <a:srgbClr val="008000"/>
                 </a:solidFill>
-                <a:latin typeface="Times New Roman" pitchFamily="8" charset="0"/>
+                <a:latin typeface="Comic Sans MS"/>
+                <a:cs typeface="Comic Sans MS"/>
               </a:rPr>
               <a:t>MIT</a:t>
             </a:r>
             <a:r>
-              <a:rPr lang="en-US" sz="3600" b="1" i="1">
+              <a:rPr lang="en-US" sz="3600" b="1" dirty="0">
                 <a:solidFill>
                   <a:schemeClr val="tx2"/>
                 </a:solidFill>
-                <a:latin typeface="Times New Roman" pitchFamily="8" charset="0"/>
+                <a:latin typeface="Comic Sans MS"/>
+                <a:cs typeface="Comic Sans MS"/>
               </a:rPr>
               <a:t> </a:t>
             </a:r>
             <a:r>
-              <a:rPr lang="en-US" sz="2400" b="1">
+              <a:rPr lang="en-US" sz="2400" b="1" dirty="0">
                 <a:solidFill>
                   <a:srgbClr val="008000"/>
                 </a:solidFill>
-                <a:latin typeface="Times New Roman" pitchFamily="8" charset="0"/>
+                <a:latin typeface="Comic Sans MS"/>
+                <a:cs typeface="Comic Sans MS"/>
               </a:rPr>
               <a:t>6.042J/18.062J</a:t>
             </a:r>
@@ -4910,7 +5006,11 @@
               <a:t> </a:t>
             </a:r>
             <a:r>
-              <a:rPr lang="en-US" sz="5400" i="1" dirty="0" smtClean="0"/>
+              <a:rPr lang="en-US" sz="5400" dirty="0" smtClean="0">
+                <a:solidFill>
+                  <a:srgbClr val="CB10A8"/>
+                </a:solidFill>
+              </a:rPr>
               <a:t>greatest</a:t>
             </a:r>
             <a:r>
@@ -5548,7 +5648,11 @@
           <a:p>
             <a:pPr marL="0" indent="0" eaLnBrk="1" hangingPunct="1"/>
             <a:r>
-              <a:rPr lang="en-US" sz="4800" i="1" dirty="0" smtClean="0"/>
+              <a:rPr lang="en-US" sz="4400" dirty="0" smtClean="0">
+                <a:solidFill>
+                  <a:srgbClr val="CB10A8"/>
+                </a:solidFill>
+              </a:rPr>
               <a:t>lemma:</a:t>
             </a:r>
             <a:r>
@@ -5575,7 +5679,11 @@
               </a:spcBef>
             </a:pPr>
             <a:r>
-              <a:rPr lang="en-US" sz="5400" dirty="0" err="1" smtClean="0">
+              <a:rPr lang="en-US" sz="5400" i="1" dirty="0" smtClean="0"/>
+              <a:t> </a:t>
+            </a:r>
+            <a:r>
+              <a:rPr lang="en-US" sz="5400" dirty="0" err="1">
                 <a:solidFill>
                   <a:srgbClr val="0000CC"/>
                 </a:solidFill>
@@ -5583,7 +5691,7 @@
               <a:t>gcd</a:t>
             </a:r>
             <a:r>
-              <a:rPr lang="en-US" sz="5400" dirty="0" smtClean="0">
+              <a:rPr lang="en-US" sz="5400" dirty="0">
                 <a:solidFill>
                   <a:srgbClr val="0000CC"/>
                 </a:solidFill>
@@ -5591,7 +5699,7 @@
               <a:t>(</a:t>
             </a:r>
             <a:r>
-              <a:rPr lang="en-US" sz="5400" dirty="0" err="1" smtClean="0">
+              <a:rPr lang="en-US" sz="5400" dirty="0" err="1">
                 <a:solidFill>
                   <a:srgbClr val="0000CC"/>
                 </a:solidFill>
@@ -5599,7 +5707,7 @@
               <a:t>p,a</a:t>
             </a:r>
             <a:r>
-              <a:rPr lang="en-US" sz="5400" dirty="0" smtClean="0">
+              <a:rPr lang="en-US" sz="5400" dirty="0">
                 <a:solidFill>
                   <a:srgbClr val="0000CC"/>
                 </a:solidFill>
@@ -5607,11 +5715,11 @@
               <a:t>) = 1</a:t>
             </a:r>
             <a:r>
-              <a:rPr lang="en-US" sz="5400" dirty="0" smtClean="0"/>
+              <a:rPr lang="en-US" sz="5400" dirty="0"/>
               <a:t> or </a:t>
             </a:r>
             <a:r>
-              <a:rPr lang="en-US" sz="5400" dirty="0" smtClean="0">
+              <a:rPr lang="en-US" sz="5400" dirty="0">
                 <a:solidFill>
                   <a:srgbClr val="0000CC"/>
                 </a:solidFill>
@@ -5622,11 +5730,15 @@
           <a:p>
             <a:pPr marL="0" indent="0" eaLnBrk="1" hangingPunct="1"/>
             <a:r>
-              <a:rPr lang="en-US" sz="4800" i="1" dirty="0" smtClean="0"/>
+              <a:rPr lang="en-US" sz="4400" dirty="0" smtClean="0">
+                <a:solidFill>
+                  <a:srgbClr val="CB10A8"/>
+                </a:solidFill>
+              </a:rPr>
               <a:t>proof:</a:t>
             </a:r>
             <a:r>
-              <a:rPr lang="en-US" sz="5400" i="1" dirty="0" smtClean="0"/>
+              <a:rPr lang="en-US" sz="4400" dirty="0" smtClean="0"/>
               <a:t> </a:t>
             </a:r>
             <a:r>
@@ -5805,7 +5917,7 @@
                                         <p:tgtEl>
                                           <p:spTgt spid="800771">
                                             <p:txEl>
-                                              <p:pRg st="1" end="1"/>
+                                              <p:pRg st="3" end="3"/>
                                             </p:txEl>
                                           </p:spTgt>
                                         </p:tgtEl>
@@ -5829,86 +5941,6 @@
                                     <p:set>
                                       <p:cBhvr>
                                         <p:cTn id="8" dur="1" fill="hold">
-                                          <p:stCondLst>
-                                            <p:cond delay="0"/>
-                                          </p:stCondLst>
-                                        </p:cTn>
-                                        <p:tgtEl>
-                                          <p:spTgt spid="800771">
-                                            <p:txEl>
-                                              <p:pRg st="2" end="2"/>
-                                            </p:txEl>
-                                          </p:spTgt>
-                                        </p:tgtEl>
-                                        <p:attrNameLst>
-                                          <p:attrName>style.visibility</p:attrName>
-                                        </p:attrNameLst>
-                                      </p:cBhvr>
-                                      <p:to>
-                                        <p:strVal val="visible"/>
-                                      </p:to>
-                                    </p:set>
-                                  </p:childTnLst>
-                                </p:cTn>
-                              </p:par>
-                            </p:childTnLst>
-                          </p:cTn>
-                        </p:par>
-                      </p:childTnLst>
-                    </p:cTn>
-                  </p:par>
-                  <p:par>
-                    <p:cTn id="9" fill="hold">
-                      <p:stCondLst>
-                        <p:cond delay="indefinite"/>
-                      </p:stCondLst>
-                      <p:childTnLst>
-                        <p:par>
-                          <p:cTn id="10" fill="hold">
-                            <p:stCondLst>
-                              <p:cond delay="0"/>
-                            </p:stCondLst>
-                            <p:childTnLst>
-                              <p:par>
-                                <p:cTn id="11" presetID="1" presetClass="entr" presetSubtype="0" fill="hold" nodeType="clickEffect">
-                                  <p:stCondLst>
-                                    <p:cond delay="0"/>
-                                  </p:stCondLst>
-                                  <p:childTnLst>
-                                    <p:set>
-                                      <p:cBhvr>
-                                        <p:cTn id="12" dur="1" fill="hold">
-                                          <p:stCondLst>
-                                            <p:cond delay="0"/>
-                                          </p:stCondLst>
-                                        </p:cTn>
-                                        <p:tgtEl>
-                                          <p:spTgt spid="800771">
-                                            <p:txEl>
-                                              <p:pRg st="3" end="3"/>
-                                            </p:txEl>
-                                          </p:spTgt>
-                                        </p:tgtEl>
-                                        <p:attrNameLst>
-                                          <p:attrName>style.visibility</p:attrName>
-                                        </p:attrNameLst>
-                                      </p:cBhvr>
-                                      <p:to>
-                                        <p:strVal val="visible"/>
-                                      </p:to>
-                                    </p:set>
-                                  </p:childTnLst>
-                                </p:cTn>
-                              </p:par>
-                              <p:par>
-                                <p:cTn id="13" presetID="1" presetClass="entr" presetSubtype="0" fill="hold" nodeType="withEffect">
-                                  <p:stCondLst>
-                                    <p:cond delay="0"/>
-                                  </p:stCondLst>
-                                  <p:childTnLst>
-                                    <p:set>
-                                      <p:cBhvr>
-                                        <p:cTn id="14" dur="1" fill="hold">
                                           <p:stCondLst>
                                             <p:cond delay="0"/>
                                           </p:stCondLst>
@@ -5988,7 +6020,7 @@
           <p:nvPr/>
         </p:nvPicPr>
         <p:blipFill>
-          <a:blip r:embed="rId2"/>
+          <a:blip r:embed="rId3"/>
           <a:srcRect/>
           <a:stretch>
             <a:fillRect/>
@@ -6593,7 +6625,9 @@
   <p:clrMapOvr>
     <a:masterClrMapping/>
   </p:clrMapOvr>
-  <p:transition xmlns:p14="http://schemas.microsoft.com/office/powerpoint/2010/main"/>
+  <p:transition xmlns:p14="http://schemas.microsoft.com/office/powerpoint/2010/main" spd="slow">
+    <p:fade thruBlk="1"/>
+  </p:transition>
   <p:timing>
     <p:tnLst>
       <p:par>
@@ -6813,30 +6847,21 @@
                             </p:childTnLst>
                           </p:cTn>
                         </p:par>
-                      </p:childTnLst>
-                    </p:cTn>
-                  </p:par>
-                  <p:par>
-                    <p:cTn id="20" fill="hold">
-                      <p:stCondLst>
-                        <p:cond delay="indefinite"/>
-                      </p:stCondLst>
-                      <p:childTnLst>
                         <p:par>
-                          <p:cTn id="21" fill="hold">
+                          <p:cTn id="20" fill="hold">
                             <p:stCondLst>
-                              <p:cond delay="0"/>
+                              <p:cond delay="500"/>
                             </p:stCondLst>
                             <p:childTnLst>
                               <p:par>
-                                <p:cTn id="22" presetID="9" presetClass="entr" presetSubtype="0" fill="hold" grpId="0" nodeType="clickEffect">
+                                <p:cTn id="21" presetID="9" presetClass="entr" presetSubtype="0" fill="hold" grpId="0" nodeType="afterEffect">
                                   <p:stCondLst>
                                     <p:cond delay="0"/>
                                   </p:stCondLst>
                                   <p:childTnLst>
                                     <p:set>
                                       <p:cBhvr>
-                                        <p:cTn id="23" dur="1" fill="hold">
+                                        <p:cTn id="22" dur="1" fill="hold">
                                           <p:stCondLst>
                                             <p:cond delay="0"/>
                                           </p:stCondLst>
@@ -6858,7 +6883,7 @@
                                     </p:set>
                                     <p:animEffect transition="in" filter="dissolve">
                                       <p:cBhvr>
-                                        <p:cTn id="24" dur="500"/>
+                                        <p:cTn id="23" dur="1000"/>
                                         <p:tgtEl>
                                           <p:spTgt spid="39941">
                                             <p:txEl>
@@ -7282,7 +7307,7 @@
           <a:graphicData uri="http://schemas.openxmlformats.org/presentationml/2006/ole">
             <mc:AlternateContent xmlns:mc="http://schemas.openxmlformats.org/markup-compatibility/2006">
               <mc:Choice xmlns:v="urn:schemas-microsoft-com:vml" Requires="v">
-                <p:oleObj spid="_x0000_s34851" name="Equation" r:id="rId4" imgW="431800" imgH="165100" progId="Equation.DSMT4">
+                <p:oleObj spid="_x0000_s34861" name="Equation" r:id="rId4" imgW="431800" imgH="165100" progId="Equation.DSMT4">
                   <p:embed/>
                 </p:oleObj>
               </mc:Choice>
@@ -8391,10 +8416,10 @@
               </a:spcBef>
             </a:pPr>
             <a:r>
-              <a:rPr lang="en-US" sz="3600"/>
+              <a:rPr lang="en-US" sz="3600" dirty="0"/>
               <a:t>Example: GCD(662,414)</a:t>
             </a:r>
-            <a:endParaRPr lang="en-US"/>
+            <a:endParaRPr lang="en-US" dirty="0"/>
           </a:p>
           <a:p>
             <a:pPr marL="304800" indent="-304800" eaLnBrk="1" hangingPunct="1">
@@ -8403,10 +8428,10 @@
               </a:spcBef>
             </a:pPr>
             <a:r>
-              <a:rPr lang="en-US" sz="3200"/>
+              <a:rPr lang="en-US" sz="3200" dirty="0"/>
               <a:t>= GCD(414, 248)  since rem(662,414) = 248</a:t>
             </a:r>
-            <a:endParaRPr lang="en-US"/>
+            <a:endParaRPr lang="en-US" dirty="0"/>
           </a:p>
           <a:p>
             <a:pPr marL="304800" indent="-304800" eaLnBrk="1" hangingPunct="1">
@@ -8415,10 +8440,10 @@
               </a:spcBef>
             </a:pPr>
             <a:r>
-              <a:rPr lang="en-US" sz="3200"/>
+              <a:rPr lang="en-US" sz="3200" dirty="0"/>
               <a:t>= GCD(248, 166)  since rem(414,248) = 166</a:t>
             </a:r>
-            <a:endParaRPr lang="en-US"/>
+            <a:endParaRPr lang="en-US" dirty="0"/>
           </a:p>
           <a:p>
             <a:pPr marL="304800" indent="-304800" eaLnBrk="1" hangingPunct="1">
@@ -8427,10 +8452,10 @@
               </a:spcBef>
             </a:pPr>
             <a:r>
-              <a:rPr lang="en-US" sz="3200"/>
+              <a:rPr lang="en-US" sz="3200" dirty="0"/>
               <a:t>= GCD(166, 82)    since rem(248,166) =   82</a:t>
             </a:r>
-            <a:endParaRPr lang="en-US"/>
+            <a:endParaRPr lang="en-US" dirty="0"/>
           </a:p>
           <a:p>
             <a:pPr marL="304800" indent="-304800" eaLnBrk="1" hangingPunct="1">
@@ -8439,10 +8464,10 @@
               </a:spcBef>
             </a:pPr>
             <a:r>
-              <a:rPr lang="en-US" sz="3200"/>
+              <a:rPr lang="en-US" sz="3200" dirty="0"/>
               <a:t>= GCD(82, 2)       since rem(166,82)   =     2</a:t>
             </a:r>
-            <a:endParaRPr lang="en-US"/>
+            <a:endParaRPr lang="en-US" dirty="0"/>
           </a:p>
           <a:p>
             <a:pPr marL="304800" indent="-304800" eaLnBrk="1" hangingPunct="1">
@@ -8451,15 +8476,15 @@
               </a:spcBef>
             </a:pPr>
             <a:r>
-              <a:rPr lang="en-US" sz="3200"/>
+              <a:rPr lang="en-US" sz="3200" dirty="0"/>
               <a:t>= GCD(2, 0)         since rem(82,2)       =     0</a:t>
             </a:r>
-            <a:endParaRPr lang="en-US"/>
+            <a:endParaRPr lang="en-US" dirty="0"/>
           </a:p>
           <a:p>
             <a:pPr marL="304800" indent="-304800" algn="ctr" eaLnBrk="1" hangingPunct="1"/>
             <a:r>
-              <a:rPr lang="en-US">
+              <a:rPr lang="en-US" dirty="0">
                 <a:solidFill>
                   <a:srgbClr val="3333CC"/>
                 </a:solidFill>
@@ -8569,7 +8594,18 @@
   <p:clrMapOvr>
     <a:masterClrMapping/>
   </p:clrMapOvr>
-  <p:transition xmlns:p14="http://schemas.microsoft.com/office/powerpoint/2010/main"/>
+  <mc:AlternateContent xmlns:mc="http://schemas.openxmlformats.org/markup-compatibility/2006">
+    <mc:Choice xmlns:p14="http://schemas.microsoft.com/office/powerpoint/2010/main" Requires="p14">
+      <p:transition spd="med" p14:dur="700">
+        <p:fade/>
+      </p:transition>
+    </mc:Choice>
+    <mc:Fallback>
+      <p:transition xmlns:p14="http://schemas.microsoft.com/office/powerpoint/2010/main" spd="med">
+        <p:fade/>
+      </p:transition>
+    </mc:Fallback>
+  </mc:AlternateContent>
   <p:timing>
     <p:tnLst>
       <p:par>
@@ -8591,7 +8627,7 @@
                             </p:stCondLst>
                             <p:childTnLst>
                               <p:par>
-                                <p:cTn id="5" presetID="1" presetClass="entr" presetSubtype="0" fill="hold" grpId="0" nodeType="clickEffect">
+                                <p:cTn id="5" presetID="22" presetClass="entr" presetSubtype="8" fill="hold" grpId="0" nodeType="clickEffect">
                                   <p:stCondLst>
                                     <p:cond delay="0"/>
                                   </p:stCondLst>
@@ -8600,56 +8636,7 @@
                                       <p:cBhvr>
                                         <p:cTn id="6" dur="1" fill="hold">
                                           <p:stCondLst>
-                                            <p:cond delay="499"/>
-                                          </p:stCondLst>
-                                        </p:cTn>
-                                        <p:tgtEl>
-                                          <p:spTgt spid="36869">
-                                            <p:txEl>
-                                              <p:pRg st="0" end="0"/>
-                                            </p:txEl>
-                                          </p:spTgt>
-                                        </p:tgtEl>
-                                        <p:attrNameLst>
-                                          <p:attrName>style.visibility</p:attrName>
-                                        </p:attrNameLst>
-                                      </p:cBhvr>
-                                      <p:to>
-                                        <p:strVal val="visible"/>
-                                      </p:to>
-                                    </p:set>
-                                  </p:childTnLst>
-                                </p:cTn>
-                              </p:par>
-                            </p:childTnLst>
-                          </p:cTn>
-                        </p:par>
-                      </p:childTnLst>
-                    </p:cTn>
-                  </p:par>
-                  <p:par>
-                    <p:cTn id="7" fill="hold">
-                      <p:stCondLst>
-                        <p:cond delay="indefinite"/>
-                      </p:stCondLst>
-                      <p:childTnLst>
-                        <p:par>
-                          <p:cTn id="8" fill="hold">
-                            <p:stCondLst>
-                              <p:cond delay="0"/>
-                            </p:stCondLst>
-                            <p:childTnLst>
-                              <p:par>
-                                <p:cTn id="9" presetID="1" presetClass="entr" presetSubtype="0" fill="hold" grpId="0" nodeType="clickEffect">
-                                  <p:stCondLst>
-                                    <p:cond delay="0"/>
-                                  </p:stCondLst>
-                                  <p:childTnLst>
-                                    <p:set>
-                                      <p:cBhvr>
-                                        <p:cTn id="10" dur="1" fill="hold">
-                                          <p:stCondLst>
-                                            <p:cond delay="499"/>
+                                            <p:cond delay="0"/>
                                           </p:stCondLst>
                                         </p:cTn>
                                         <p:tgtEl>
@@ -8667,6 +8654,18 @@
                                         <p:strVal val="visible"/>
                                       </p:to>
                                     </p:set>
+                                    <p:animEffect transition="in" filter="wipe(left)">
+                                      <p:cBhvr>
+                                        <p:cTn id="7" dur="500"/>
+                                        <p:tgtEl>
+                                          <p:spTgt spid="36869">
+                                            <p:txEl>
+                                              <p:pRg st="1" end="1"/>
+                                            </p:txEl>
+                                          </p:spTgt>
+                                        </p:tgtEl>
+                                      </p:cBhvr>
+                                    </p:animEffect>
                                   </p:childTnLst>
                                 </p:cTn>
                               </p:par>
@@ -8677,28 +8676,28 @@
                     </p:cTn>
                   </p:par>
                   <p:par>
-                    <p:cTn id="11" fill="hold">
+                    <p:cTn id="8" fill="hold">
                       <p:stCondLst>
                         <p:cond delay="indefinite"/>
                       </p:stCondLst>
                       <p:childTnLst>
                         <p:par>
-                          <p:cTn id="12" fill="hold">
+                          <p:cTn id="9" fill="hold">
                             <p:stCondLst>
                               <p:cond delay="0"/>
                             </p:stCondLst>
                             <p:childTnLst>
                               <p:par>
-                                <p:cTn id="13" presetID="1" presetClass="entr" presetSubtype="0" fill="hold" grpId="0" nodeType="clickEffect">
+                                <p:cTn id="10" presetID="22" presetClass="entr" presetSubtype="8" fill="hold" grpId="0" nodeType="clickEffect">
                                   <p:stCondLst>
                                     <p:cond delay="0"/>
                                   </p:stCondLst>
                                   <p:childTnLst>
                                     <p:set>
                                       <p:cBhvr>
-                                        <p:cTn id="14" dur="1" fill="hold">
+                                        <p:cTn id="11" dur="1" fill="hold">
                                           <p:stCondLst>
-                                            <p:cond delay="499"/>
+                                            <p:cond delay="0"/>
                                           </p:stCondLst>
                                         </p:cTn>
                                         <p:tgtEl>
@@ -8716,6 +8715,18 @@
                                         <p:strVal val="visible"/>
                                       </p:to>
                                     </p:set>
+                                    <p:animEffect transition="in" filter="wipe(left)">
+                                      <p:cBhvr>
+                                        <p:cTn id="12" dur="500"/>
+                                        <p:tgtEl>
+                                          <p:spTgt spid="36869">
+                                            <p:txEl>
+                                              <p:pRg st="2" end="2"/>
+                                            </p:txEl>
+                                          </p:spTgt>
+                                        </p:tgtEl>
+                                      </p:cBhvr>
+                                    </p:animEffect>
                                   </p:childTnLst>
                                 </p:cTn>
                               </p:par>
@@ -8726,28 +8737,28 @@
                     </p:cTn>
                   </p:par>
                   <p:par>
-                    <p:cTn id="15" fill="hold">
+                    <p:cTn id="13" fill="hold">
                       <p:stCondLst>
                         <p:cond delay="indefinite"/>
                       </p:stCondLst>
                       <p:childTnLst>
                         <p:par>
-                          <p:cTn id="16" fill="hold">
+                          <p:cTn id="14" fill="hold">
                             <p:stCondLst>
                               <p:cond delay="0"/>
                             </p:stCondLst>
                             <p:childTnLst>
                               <p:par>
-                                <p:cTn id="17" presetID="1" presetClass="entr" presetSubtype="0" fill="hold" grpId="0" nodeType="clickEffect">
+                                <p:cTn id="15" presetID="22" presetClass="entr" presetSubtype="8" fill="hold" grpId="0" nodeType="clickEffect">
                                   <p:stCondLst>
                                     <p:cond delay="0"/>
                                   </p:stCondLst>
                                   <p:childTnLst>
                                     <p:set>
                                       <p:cBhvr>
-                                        <p:cTn id="18" dur="1" fill="hold">
+                                        <p:cTn id="16" dur="1" fill="hold">
                                           <p:stCondLst>
-                                            <p:cond delay="499"/>
+                                            <p:cond delay="0"/>
                                           </p:stCondLst>
                                         </p:cTn>
                                         <p:tgtEl>
@@ -8765,6 +8776,18 @@
                                         <p:strVal val="visible"/>
                                       </p:to>
                                     </p:set>
+                                    <p:animEffect transition="in" filter="wipe(left)">
+                                      <p:cBhvr>
+                                        <p:cTn id="17" dur="500"/>
+                                        <p:tgtEl>
+                                          <p:spTgt spid="36869">
+                                            <p:txEl>
+                                              <p:pRg st="3" end="3"/>
+                                            </p:txEl>
+                                          </p:spTgt>
+                                        </p:tgtEl>
+                                      </p:cBhvr>
+                                    </p:animEffect>
                                   </p:childTnLst>
                                 </p:cTn>
                               </p:par>
@@ -8775,28 +8798,28 @@
                     </p:cTn>
                   </p:par>
                   <p:par>
-                    <p:cTn id="19" fill="hold">
+                    <p:cTn id="18" fill="hold">
                       <p:stCondLst>
                         <p:cond delay="indefinite"/>
                       </p:stCondLst>
                       <p:childTnLst>
                         <p:par>
-                          <p:cTn id="20" fill="hold">
+                          <p:cTn id="19" fill="hold">
                             <p:stCondLst>
                               <p:cond delay="0"/>
                             </p:stCondLst>
                             <p:childTnLst>
                               <p:par>
-                                <p:cTn id="21" presetID="1" presetClass="entr" presetSubtype="0" fill="hold" grpId="0" nodeType="clickEffect">
+                                <p:cTn id="20" presetID="22" presetClass="entr" presetSubtype="8" fill="hold" grpId="0" nodeType="clickEffect">
                                   <p:stCondLst>
                                     <p:cond delay="0"/>
                                   </p:stCondLst>
                                   <p:childTnLst>
                                     <p:set>
                                       <p:cBhvr>
-                                        <p:cTn id="22" dur="1" fill="hold">
+                                        <p:cTn id="21" dur="1" fill="hold">
                                           <p:stCondLst>
-                                            <p:cond delay="499"/>
+                                            <p:cond delay="0"/>
                                           </p:stCondLst>
                                         </p:cTn>
                                         <p:tgtEl>
@@ -8814,6 +8837,18 @@
                                         <p:strVal val="visible"/>
                                       </p:to>
                                     </p:set>
+                                    <p:animEffect transition="in" filter="wipe(left)">
+                                      <p:cBhvr>
+                                        <p:cTn id="22" dur="500"/>
+                                        <p:tgtEl>
+                                          <p:spTgt spid="36869">
+                                            <p:txEl>
+                                              <p:pRg st="4" end="4"/>
+                                            </p:txEl>
+                                          </p:spTgt>
+                                        </p:tgtEl>
+                                      </p:cBhvr>
+                                    </p:animEffect>
                                   </p:childTnLst>
                                 </p:cTn>
                               </p:par>
@@ -8836,7 +8871,7 @@
                             </p:stCondLst>
                             <p:childTnLst>
                               <p:par>
-                                <p:cTn id="25" presetID="1" presetClass="entr" presetSubtype="0" fill="hold" grpId="0" nodeType="clickEffect">
+                                <p:cTn id="25" presetID="22" presetClass="entr" presetSubtype="8" fill="hold" grpId="0" nodeType="clickEffect">
                                   <p:stCondLst>
                                     <p:cond delay="0"/>
                                   </p:stCondLst>
@@ -8845,7 +8880,7 @@
                                       <p:cBhvr>
                                         <p:cTn id="26" dur="1" fill="hold">
                                           <p:stCondLst>
-                                            <p:cond delay="499"/>
+                                            <p:cond delay="0"/>
                                           </p:stCondLst>
                                         </p:cTn>
                                         <p:tgtEl>
@@ -8863,6 +8898,18 @@
                                         <p:strVal val="visible"/>
                                       </p:to>
                                     </p:set>
+                                    <p:animEffect transition="in" filter="wipe(left)">
+                                      <p:cBhvr>
+                                        <p:cTn id="27" dur="500"/>
+                                        <p:tgtEl>
+                                          <p:spTgt spid="36869">
+                                            <p:txEl>
+                                              <p:pRg st="5" end="5"/>
+                                            </p:txEl>
+                                          </p:spTgt>
+                                        </p:tgtEl>
+                                      </p:cBhvr>
+                                    </p:animEffect>
                                   </p:childTnLst>
                                 </p:cTn>
                               </p:par>
@@ -8873,28 +8920,28 @@
                     </p:cTn>
                   </p:par>
                   <p:par>
-                    <p:cTn id="27" fill="hold">
+                    <p:cTn id="28" fill="hold">
                       <p:stCondLst>
                         <p:cond delay="indefinite"/>
                       </p:stCondLst>
                       <p:childTnLst>
                         <p:par>
-                          <p:cTn id="28" fill="hold">
+                          <p:cTn id="29" fill="hold">
                             <p:stCondLst>
                               <p:cond delay="0"/>
                             </p:stCondLst>
                             <p:childTnLst>
                               <p:par>
-                                <p:cTn id="29" presetID="1" presetClass="entr" presetSubtype="0" fill="hold" grpId="0" nodeType="clickEffect">
+                                <p:cTn id="30" presetID="9" presetClass="entr" presetSubtype="0" fill="hold" grpId="0" nodeType="clickEffect">
                                   <p:stCondLst>
                                     <p:cond delay="0"/>
                                   </p:stCondLst>
                                   <p:childTnLst>
                                     <p:set>
                                       <p:cBhvr>
-                                        <p:cTn id="30" dur="1" fill="hold">
+                                        <p:cTn id="31" dur="1" fill="hold">
                                           <p:stCondLst>
-                                            <p:cond delay="499"/>
+                                            <p:cond delay="0"/>
                                           </p:stCondLst>
                                         </p:cTn>
                                         <p:tgtEl>
@@ -8912,6 +8959,18 @@
                                         <p:strVal val="visible"/>
                                       </p:to>
                                     </p:set>
+                                    <p:animEffect transition="in" filter="dissolve">
+                                      <p:cBhvr>
+                                        <p:cTn id="32" dur="500"/>
+                                        <p:tgtEl>
+                                          <p:spTgt spid="36869">
+                                            <p:txEl>
+                                              <p:pRg st="6" end="6"/>
+                                            </p:txEl>
+                                          </p:spTgt>
+                                        </p:tgtEl>
+                                      </p:cBhvr>
+                                    </p:animEffect>
                                   </p:childTnLst>
                                 </p:cTn>
                               </p:par>
@@ -9164,6 +9223,18 @@
   <p:clrMapOvr>
     <a:masterClrMapping/>
   </p:clrMapOvr>
+  <mc:AlternateContent xmlns:mc="http://schemas.openxmlformats.org/markup-compatibility/2006">
+    <mc:Choice xmlns:p14="http://schemas.microsoft.com/office/powerpoint/2010/main" Requires="p14">
+      <p:transition spd="med" p14:dur="700">
+        <p:fade/>
+      </p:transition>
+    </mc:Choice>
+    <mc:Fallback>
+      <p:transition xmlns:p14="http://schemas.microsoft.com/office/powerpoint/2010/main" spd="med">
+        <p:fade/>
+      </p:transition>
+    </mc:Fallback>
+  </mc:AlternateContent>
   <p:timing>
     <p:tnLst>
       <p:par>
@@ -10171,7 +10242,18 @@
   <p:clrMapOvr>
     <a:masterClrMapping/>
   </p:clrMapOvr>
-  <p:transition xmlns:p14="http://schemas.microsoft.com/office/powerpoint/2010/main"/>
+  <mc:AlternateContent xmlns:mc="http://schemas.openxmlformats.org/markup-compatibility/2006">
+    <mc:Choice xmlns:p14="http://schemas.microsoft.com/office/powerpoint/2010/main" Requires="p14">
+      <p:transition spd="med" p14:dur="700">
+        <p:fade/>
+      </p:transition>
+    </mc:Choice>
+    <mc:Fallback>
+      <p:transition xmlns:p14="http://schemas.microsoft.com/office/powerpoint/2010/main" spd="med">
+        <p:fade/>
+      </p:transition>
+    </mc:Fallback>
+  </mc:AlternateContent>
   <p:timing>
     <p:tnLst>
       <p:par>
@@ -12098,7 +12180,7 @@
                 </a:solidFill>
                 <a:sym typeface="Euclid Symbol" pitchFamily="18" charset="2"/>
               </a:rPr>
-              <a:t>ab)c</a:t>
+              <a:t>ab</a:t>
             </a:r>
             <a:r>
               <a:rPr lang="en-US" sz="5400" dirty="0" smtClean="0">
@@ -12107,7 +12189,7 @@
                 </a:solidFill>
                 <a:sym typeface="Euclid Symbol" pitchFamily="18" charset="2"/>
               </a:rPr>
-              <a:t> = a (</a:t>
+              <a:t>)c = a (</a:t>
             </a:r>
             <a:r>
               <a:rPr lang="en-US" sz="5400" dirty="0" err="1" smtClean="0">
@@ -12125,7 +12207,7 @@
                 </a:solidFill>
                 <a:sym typeface="Euclid Symbol" pitchFamily="18" charset="2"/>
               </a:rPr>
-              <a:t>),  a – a =0,</a:t>
+              <a:t>),  a – a = 0,</a:t>
             </a:r>
           </a:p>
           <a:p>
@@ -13613,8 +13695,8 @@
         </p:nvSpPr>
         <p:spPr bwMode="auto">
           <a:xfrm>
-            <a:off x="533400" y="2209800"/>
-            <a:ext cx="8153400" cy="3124200"/>
+            <a:off x="533400" y="2362200"/>
+            <a:ext cx="8153400" cy="2971800"/>
           </a:xfrm>
           <a:prstGeom prst="rect">
             <a:avLst/>
@@ -21797,7 +21879,7 @@
                             </p:stCondLst>
                             <p:childTnLst>
                               <p:par>
-                                <p:cTn id="5" presetID="1" presetClass="entr" presetSubtype="0" fill="hold" nodeType="clickEffect">
+                                <p:cTn id="5" presetID="22" presetClass="entr" presetSubtype="8" fill="hold" grpId="0" nodeType="clickEffect">
                                   <p:stCondLst>
                                     <p:cond delay="0"/>
                                   </p:stCondLst>
@@ -21824,6 +21906,18 @@
                                         <p:strVal val="visible"/>
                                       </p:to>
                                     </p:set>
+                                    <p:animEffect transition="in" filter="wipe(left)">
+                                      <p:cBhvr>
+                                        <p:cTn id="7" dur="500"/>
+                                        <p:tgtEl>
+                                          <p:spTgt spid="782342">
+                                            <p:txEl>
+                                              <p:pRg st="1" end="1"/>
+                                            </p:txEl>
+                                          </p:spTgt>
+                                        </p:tgtEl>
+                                      </p:cBhvr>
+                                    </p:animEffect>
                                   </p:childTnLst>
                                 </p:cTn>
                               </p:par>
@@ -21834,26 +21928,26 @@
                     </p:cTn>
                   </p:par>
                   <p:par>
-                    <p:cTn id="7" fill="hold">
+                    <p:cTn id="8" fill="hold">
                       <p:stCondLst>
                         <p:cond delay="indefinite"/>
                       </p:stCondLst>
                       <p:childTnLst>
                         <p:par>
-                          <p:cTn id="8" fill="hold">
+                          <p:cTn id="9" fill="hold">
                             <p:stCondLst>
                               <p:cond delay="0"/>
                             </p:stCondLst>
                             <p:childTnLst>
                               <p:par>
-                                <p:cTn id="9" presetID="1" presetClass="entr" presetSubtype="0" fill="hold" nodeType="clickEffect">
+                                <p:cTn id="10" presetID="22" presetClass="entr" presetSubtype="8" fill="hold" grpId="0" nodeType="clickEffect">
                                   <p:stCondLst>
                                     <p:cond delay="0"/>
                                   </p:stCondLst>
                                   <p:childTnLst>
                                     <p:set>
                                       <p:cBhvr>
-                                        <p:cTn id="10" dur="1" fill="hold">
+                                        <p:cTn id="11" dur="1" fill="hold">
                                           <p:stCondLst>
                                             <p:cond delay="0"/>
                                           </p:stCondLst>
@@ -21873,37 +21967,18 @@
                                         <p:strVal val="visible"/>
                                       </p:to>
                                     </p:set>
-                                  </p:childTnLst>
-                                </p:cTn>
-                              </p:par>
-                              <p:par>
-                                <p:cTn id="11" presetID="1" presetClass="entr" presetSubtype="0" fill="hold" nodeType="withEffect">
-                                  <p:stCondLst>
-                                    <p:cond delay="0"/>
-                                  </p:stCondLst>
-                                  <p:childTnLst>
-                                    <p:set>
+                                    <p:animEffect transition="in" filter="wipe(left)">
                                       <p:cBhvr>
-                                        <p:cTn id="12" dur="1" fill="hold">
-                                          <p:stCondLst>
-                                            <p:cond delay="0"/>
-                                          </p:stCondLst>
-                                        </p:cTn>
+                                        <p:cTn id="12" dur="500"/>
                                         <p:tgtEl>
                                           <p:spTgt spid="782342">
                                             <p:txEl>
-                                              <p:pRg st="3" end="3"/>
+                                              <p:pRg st="2" end="2"/>
                                             </p:txEl>
                                           </p:spTgt>
                                         </p:tgtEl>
-                                        <p:attrNameLst>
-                                          <p:attrName>style.visibility</p:attrName>
-                                        </p:attrNameLst>
                                       </p:cBhvr>
-                                      <p:to>
-                                        <p:strVal val="visible"/>
-                                      </p:to>
-                                    </p:set>
+                                    </p:animEffect>
                                   </p:childTnLst>
                                 </p:cTn>
                               </p:par>
@@ -21926,7 +22001,7 @@
                             </p:stCondLst>
                             <p:childTnLst>
                               <p:par>
-                                <p:cTn id="15" presetID="1" presetClass="entr" presetSubtype="0" fill="hold" nodeType="clickEffect">
+                                <p:cTn id="15" presetID="22" presetClass="entr" presetSubtype="8" fill="hold" grpId="0" nodeType="clickEffect">
                                   <p:stCondLst>
                                     <p:cond delay="0"/>
                                   </p:stCondLst>
@@ -21953,37 +22028,18 @@
                                         <p:strVal val="visible"/>
                                       </p:to>
                                     </p:set>
-                                  </p:childTnLst>
-                                </p:cTn>
-                              </p:par>
-                              <p:par>
-                                <p:cTn id="17" presetID="1" presetClass="entr" presetSubtype="0" fill="hold" nodeType="withEffect">
-                                  <p:stCondLst>
-                                    <p:cond delay="0"/>
-                                  </p:stCondLst>
-                                  <p:childTnLst>
-                                    <p:set>
+                                    <p:animEffect transition="in" filter="wipe(left)">
                                       <p:cBhvr>
-                                        <p:cTn id="18" dur="1" fill="hold">
-                                          <p:stCondLst>
-                                            <p:cond delay="0"/>
-                                          </p:stCondLst>
-                                        </p:cTn>
+                                        <p:cTn id="17" dur="500"/>
                                         <p:tgtEl>
                                           <p:spTgt spid="782342">
                                             <p:txEl>
-                                              <p:pRg st="5" end="5"/>
+                                              <p:pRg st="4" end="4"/>
                                             </p:txEl>
                                           </p:spTgt>
                                         </p:tgtEl>
-                                        <p:attrNameLst>
-                                          <p:attrName>style.visibility</p:attrName>
-                                        </p:attrNameLst>
                                       </p:cBhvr>
-                                      <p:to>
-                                        <p:strVal val="visible"/>
-                                      </p:to>
-                                    </p:set>
+                                    </p:animEffect>
                                   </p:childTnLst>
                                 </p:cTn>
                               </p:par>
@@ -21994,26 +22050,26 @@
                     </p:cTn>
                   </p:par>
                   <p:par>
-                    <p:cTn id="19" fill="hold">
+                    <p:cTn id="18" fill="hold">
                       <p:stCondLst>
                         <p:cond delay="indefinite"/>
                       </p:stCondLst>
                       <p:childTnLst>
                         <p:par>
-                          <p:cTn id="20" fill="hold">
+                          <p:cTn id="19" fill="hold">
                             <p:stCondLst>
                               <p:cond delay="0"/>
                             </p:stCondLst>
                             <p:childTnLst>
                               <p:par>
-                                <p:cTn id="21" presetID="1" presetClass="entr" presetSubtype="0" fill="hold" nodeType="clickEffect">
+                                <p:cTn id="20" presetID="22" presetClass="entr" presetSubtype="8" fill="hold" grpId="0" nodeType="clickEffect">
                                   <p:stCondLst>
                                     <p:cond delay="0"/>
                                   </p:stCondLst>
                                   <p:childTnLst>
                                     <p:set>
                                       <p:cBhvr>
-                                        <p:cTn id="22" dur="1" fill="hold">
+                                        <p:cTn id="21" dur="1" fill="hold">
                                           <p:stCondLst>
                                             <p:cond delay="0"/>
                                           </p:stCondLst>
@@ -22033,37 +22089,18 @@
                                         <p:strVal val="visible"/>
                                       </p:to>
                                     </p:set>
-                                  </p:childTnLst>
-                                </p:cTn>
-                              </p:par>
-                              <p:par>
-                                <p:cTn id="23" presetID="1" presetClass="entr" presetSubtype="0" fill="hold" nodeType="withEffect">
-                                  <p:stCondLst>
-                                    <p:cond delay="0"/>
-                                  </p:stCondLst>
-                                  <p:childTnLst>
-                                    <p:set>
+                                    <p:animEffect transition="in" filter="wipe(left)">
                                       <p:cBhvr>
-                                        <p:cTn id="24" dur="1" fill="hold">
-                                          <p:stCondLst>
-                                            <p:cond delay="0"/>
-                                          </p:stCondLst>
-                                        </p:cTn>
+                                        <p:cTn id="22" dur="500"/>
                                         <p:tgtEl>
                                           <p:spTgt spid="782342">
                                             <p:txEl>
-                                              <p:pRg st="7" end="7"/>
+                                              <p:pRg st="6" end="6"/>
                                             </p:txEl>
                                           </p:spTgt>
                                         </p:tgtEl>
-                                        <p:attrNameLst>
-                                          <p:attrName>style.visibility</p:attrName>
-                                        </p:attrNameLst>
                                       </p:cBhvr>
-                                      <p:to>
-                                        <p:strVal val="visible"/>
-                                      </p:to>
-                                    </p:set>
+                                    </p:animEffect>
                                   </p:childTnLst>
                                 </p:cTn>
                               </p:par>
@@ -22074,26 +22111,26 @@
                     </p:cTn>
                   </p:par>
                   <p:par>
-                    <p:cTn id="25" fill="hold">
+                    <p:cTn id="23" fill="hold">
                       <p:stCondLst>
                         <p:cond delay="indefinite"/>
                       </p:stCondLst>
                       <p:childTnLst>
                         <p:par>
-                          <p:cTn id="26" fill="hold">
+                          <p:cTn id="24" fill="hold">
                             <p:stCondLst>
                               <p:cond delay="0"/>
                             </p:stCondLst>
                             <p:childTnLst>
                               <p:par>
-                                <p:cTn id="27" presetID="1" presetClass="entr" presetSubtype="0" fill="hold" nodeType="clickEffect">
+                                <p:cTn id="25" presetID="22" presetClass="entr" presetSubtype="8" fill="hold" grpId="0" nodeType="clickEffect">
                                   <p:stCondLst>
                                     <p:cond delay="0"/>
                                   </p:stCondLst>
                                   <p:childTnLst>
                                     <p:set>
                                       <p:cBhvr>
-                                        <p:cTn id="28" dur="1" fill="hold">
+                                        <p:cTn id="26" dur="1" fill="hold">
                                           <p:stCondLst>
                                             <p:cond delay="0"/>
                                           </p:stCondLst>
@@ -22113,6 +22150,18 @@
                                         <p:strVal val="visible"/>
                                       </p:to>
                                     </p:set>
+                                    <p:animEffect transition="in" filter="wipe(left)">
+                                      <p:cBhvr>
+                                        <p:cTn id="27" dur="500"/>
+                                        <p:tgtEl>
+                                          <p:spTgt spid="782342">
+                                            <p:txEl>
+                                              <p:pRg st="8" end="8"/>
+                                            </p:txEl>
+                                          </p:spTgt>
+                                        </p:tgtEl>
+                                      </p:cBhvr>
+                                    </p:animEffect>
                                   </p:childTnLst>
                                 </p:cTn>
                               </p:par>
@@ -22143,6 +22192,9 @@
         </p:cTn>
       </p:par>
     </p:tnLst>
+    <p:bldLst>
+      <p:bldP spid="782342" grpId="0" build="p"/>
+    </p:bldLst>
   </p:timing>
 </p:sld>
 </file>
@@ -22532,13 +22584,13 @@
   <p:clrMapOvr>
     <a:masterClrMapping/>
   </p:clrMapOvr>
-  <mc:AlternateContent xmlns:mc="http://schemas.openxmlformats.org/markup-compatibility/2006">
-    <mc:Choice xmlns:p14="http://schemas.microsoft.com/office/powerpoint/2010/main" Requires="p14">
+  <mc:AlternateContent xmlns:mc="http://schemas.openxmlformats.org/markup-compatibility/2006" xmlns:p14="http://schemas.microsoft.com/office/powerpoint/2010/main">
+    <mc:Choice Requires="p14">
       <p:transition spd="med" p14:dur="700">
         <p:fade/>
       </p:transition>
     </mc:Choice>
-    <mc:Fallback>
+    <mc:Fallback xmlns="">
       <p:transition xmlns:p14="http://schemas.microsoft.com/office/powerpoint/2010/main" spd="med">
         <p:fade/>
       </p:transition>
@@ -22818,7 +22870,7 @@
       </p:par>
     </p:tnLst>
     <p:bldLst>
-      <p:bldP spid="791555" grpId="0" uiExpand="1" build="p"/>
+      <p:bldP spid="791555" grpId="0" build="p"/>
     </p:bldLst>
   </p:timing>
 </p:sld>

--- a/spring12/slidesS12/gcdlinear.pptx
+++ b/spring12/slidesS12/gcdlinear.pptx
@@ -33,17 +33,17 @@
     <p:sldId id="810" r:id="rId21"/>
     <p:sldId id="845" r:id="rId22"/>
     <p:sldId id="819" r:id="rId23"/>
-    <p:sldId id="874" r:id="rId24"/>
-    <p:sldId id="820" r:id="rId25"/>
-    <p:sldId id="821" r:id="rId26"/>
-    <p:sldId id="854" r:id="rId27"/>
-    <p:sldId id="822" r:id="rId28"/>
-    <p:sldId id="876" r:id="rId29"/>
-    <p:sldId id="877" r:id="rId30"/>
-    <p:sldId id="894" r:id="rId31"/>
-    <p:sldId id="878" r:id="rId32"/>
-    <p:sldId id="895" r:id="rId33"/>
-    <p:sldId id="879" r:id="rId34"/>
+    <p:sldId id="896" r:id="rId24"/>
+    <p:sldId id="874" r:id="rId25"/>
+    <p:sldId id="820" r:id="rId26"/>
+    <p:sldId id="821" r:id="rId27"/>
+    <p:sldId id="854" r:id="rId28"/>
+    <p:sldId id="822" r:id="rId29"/>
+    <p:sldId id="876" r:id="rId30"/>
+    <p:sldId id="879" r:id="rId31"/>
+    <p:sldId id="877" r:id="rId32"/>
+    <p:sldId id="898" r:id="rId33"/>
+    <p:sldId id="899" r:id="rId34"/>
     <p:sldId id="880" r:id="rId35"/>
   </p:sldIdLst>
   <p:sldSz cx="9144000" cy="6858000" type="screen4x3"/>
@@ -1732,7 +1732,7 @@
       </p:grpSpPr>
       <p:sp>
         <p:nvSpPr>
-          <p:cNvPr id="59394" name="Rectangle 7"/>
+          <p:cNvPr id="58370" name="Rectangle 7"/>
           <p:cNvSpPr>
             <a:spLocks noGrp="1" noChangeArrowheads="1"/>
           </p:cNvSpPr>
@@ -1747,7 +1747,7 @@
           <a:bodyPr/>
           <a:lstStyle/>
           <a:p>
-            <a:fld id="{FB5B60BD-CD29-4D5D-A54D-65476C85DAF4}" type="slidenum">
+            <a:fld id="{EC6E0C1E-AC63-4272-81A8-7644E1FADA8A}" type="slidenum">
               <a:rPr lang="en-US" smtClean="0">
                 <a:latin typeface="Times New Roman" pitchFamily="8" charset="0"/>
               </a:rPr>
@@ -1762,7 +1762,7 @@
       </p:sp>
       <p:sp>
         <p:nvSpPr>
-          <p:cNvPr id="59395" name="Rectangle 2"/>
+          <p:cNvPr id="58371" name="Rectangle 2"/>
           <p:cNvSpPr>
             <a:spLocks noGrp="1" noRot="1" noChangeAspect="1" noChangeArrowheads="1" noTextEdit="1"/>
           </p:cNvSpPr>
@@ -1776,7 +1776,7 @@
       </p:sp>
       <p:sp>
         <p:nvSpPr>
-          <p:cNvPr id="59396" name="Rectangle 3"/>
+          <p:cNvPr id="58372" name="Rectangle 3"/>
           <p:cNvSpPr>
             <a:spLocks noGrp="1" noChangeArrowheads="1"/>
           </p:cNvSpPr>
@@ -1826,7 +1826,7 @@
       </p:grpSpPr>
       <p:sp>
         <p:nvSpPr>
-          <p:cNvPr id="60418" name="Rectangle 7"/>
+          <p:cNvPr id="59394" name="Rectangle 7"/>
           <p:cNvSpPr>
             <a:spLocks noGrp="1" noChangeArrowheads="1"/>
           </p:cNvSpPr>
@@ -1841,7 +1841,7 @@
           <a:bodyPr/>
           <a:lstStyle/>
           <a:p>
-            <a:fld id="{A0B9B419-2D8B-4E44-AB55-B9558F7E4787}" type="slidenum">
+            <a:fld id="{FB5B60BD-CD29-4D5D-A54D-65476C85DAF4}" type="slidenum">
               <a:rPr lang="en-US" smtClean="0">
                 <a:latin typeface="Times New Roman" pitchFamily="8" charset="0"/>
               </a:rPr>
@@ -1856,7 +1856,7 @@
       </p:sp>
       <p:sp>
         <p:nvSpPr>
-          <p:cNvPr id="60419" name="Rectangle 2"/>
+          <p:cNvPr id="59395" name="Rectangle 2"/>
           <p:cNvSpPr>
             <a:spLocks noGrp="1" noRot="1" noChangeAspect="1" noChangeArrowheads="1" noTextEdit="1"/>
           </p:cNvSpPr>
@@ -1870,7 +1870,7 @@
       </p:sp>
       <p:sp>
         <p:nvSpPr>
-          <p:cNvPr id="60420" name="Rectangle 3"/>
+          <p:cNvPr id="59396" name="Rectangle 3"/>
           <p:cNvSpPr>
             <a:spLocks noGrp="1" noChangeArrowheads="1"/>
           </p:cNvSpPr>
@@ -2014,7 +2014,7 @@
       </p:grpSpPr>
       <p:sp>
         <p:nvSpPr>
-          <p:cNvPr id="61442" name="Rectangle 7"/>
+          <p:cNvPr id="60418" name="Rectangle 7"/>
           <p:cNvSpPr>
             <a:spLocks noGrp="1" noChangeArrowheads="1"/>
           </p:cNvSpPr>
@@ -2029,7 +2029,7 @@
           <a:bodyPr/>
           <a:lstStyle/>
           <a:p>
-            <a:fld id="{633011C0-825D-44C0-998E-D3D100C2C20D}" type="slidenum">
+            <a:fld id="{A0B9B419-2D8B-4E44-AB55-B9558F7E4787}" type="slidenum">
               <a:rPr lang="en-US" smtClean="0">
                 <a:latin typeface="Times New Roman" pitchFamily="8" charset="0"/>
               </a:rPr>
@@ -2044,7 +2044,7 @@
       </p:sp>
       <p:sp>
         <p:nvSpPr>
-          <p:cNvPr id="61443" name="Rectangle 2"/>
+          <p:cNvPr id="60419" name="Rectangle 2"/>
           <p:cNvSpPr>
             <a:spLocks noGrp="1" noRot="1" noChangeAspect="1" noChangeArrowheads="1" noTextEdit="1"/>
           </p:cNvSpPr>
@@ -2058,7 +2058,7 @@
       </p:sp>
       <p:sp>
         <p:nvSpPr>
-          <p:cNvPr id="61444" name="Rectangle 3"/>
+          <p:cNvPr id="60420" name="Rectangle 3"/>
           <p:cNvSpPr>
             <a:spLocks noGrp="1" noChangeArrowheads="1"/>
           </p:cNvSpPr>
@@ -2202,7 +2202,7 @@
       </p:grpSpPr>
       <p:sp>
         <p:nvSpPr>
-          <p:cNvPr id="64514" name="Rectangle 7"/>
+          <p:cNvPr id="61442" name="Rectangle 7"/>
           <p:cNvSpPr>
             <a:spLocks noGrp="1" noChangeArrowheads="1"/>
           </p:cNvSpPr>
@@ -2217,7 +2217,7 @@
           <a:bodyPr/>
           <a:lstStyle/>
           <a:p>
-            <a:fld id="{37A8FE84-B9D7-4453-8B92-693D2FC014DC}" type="slidenum">
+            <a:fld id="{633011C0-825D-44C0-998E-D3D100C2C20D}" type="slidenum">
               <a:rPr lang="en-US" smtClean="0">
                 <a:latin typeface="Times New Roman" pitchFamily="8" charset="0"/>
               </a:rPr>
@@ -2232,7 +2232,7 @@
       </p:sp>
       <p:sp>
         <p:nvSpPr>
-          <p:cNvPr id="64515" name="Rectangle 2"/>
+          <p:cNvPr id="61443" name="Rectangle 2"/>
           <p:cNvSpPr>
             <a:spLocks noGrp="1" noRot="1" noChangeAspect="1" noChangeArrowheads="1" noTextEdit="1"/>
           </p:cNvSpPr>
@@ -2246,7 +2246,7 @@
       </p:sp>
       <p:sp>
         <p:nvSpPr>
-          <p:cNvPr id="64516" name="Rectangle 3"/>
+          <p:cNvPr id="61444" name="Rectangle 3"/>
           <p:cNvSpPr>
             <a:spLocks noGrp="1" noChangeArrowheads="1"/>
           </p:cNvSpPr>
@@ -2296,7 +2296,7 @@
       </p:grpSpPr>
       <p:sp>
         <p:nvSpPr>
-          <p:cNvPr id="65538" name="Rectangle 7"/>
+          <p:cNvPr id="64514" name="Rectangle 7"/>
           <p:cNvSpPr>
             <a:spLocks noGrp="1" noChangeArrowheads="1"/>
           </p:cNvSpPr>
@@ -2311,7 +2311,7 @@
           <a:bodyPr/>
           <a:lstStyle/>
           <a:p>
-            <a:fld id="{EEC78EEE-97B5-4226-9E7C-A9D1AB189F42}" type="slidenum">
+            <a:fld id="{37A8FE84-B9D7-4453-8B92-693D2FC014DC}" type="slidenum">
               <a:rPr lang="en-US" smtClean="0">
                 <a:latin typeface="Times New Roman" pitchFamily="8" charset="0"/>
               </a:rPr>
@@ -2326,7 +2326,7 @@
       </p:sp>
       <p:sp>
         <p:nvSpPr>
-          <p:cNvPr id="65539" name="Rectangle 2"/>
+          <p:cNvPr id="64515" name="Rectangle 2"/>
           <p:cNvSpPr>
             <a:spLocks noGrp="1" noRot="1" noChangeAspect="1" noChangeArrowheads="1" noTextEdit="1"/>
           </p:cNvSpPr>
@@ -2340,7 +2340,7 @@
       </p:sp>
       <p:sp>
         <p:nvSpPr>
-          <p:cNvPr id="65540" name="Rectangle 3"/>
+          <p:cNvPr id="64516" name="Rectangle 3"/>
           <p:cNvSpPr>
             <a:spLocks noGrp="1" noChangeArrowheads="1"/>
           </p:cNvSpPr>
@@ -5608,12 +5608,16 @@
               <a:t> </a:t>
             </a:r>
             <a:r>
-              <a:rPr lang="en-US" sz="5400" i="1" dirty="0" smtClean="0"/>
-              <a:t>greatest</a:t>
+              <a:rPr lang="en-US" sz="5400" dirty="0" smtClean="0">
+                <a:solidFill>
+                  <a:srgbClr val="CB10A8"/>
+                </a:solidFill>
+              </a:rPr>
+              <a:t>greatest </a:t>
             </a:r>
             <a:r>
               <a:rPr lang="en-US" sz="5400" dirty="0" smtClean="0"/>
-              <a:t> common</a:t>
+              <a:t>common</a:t>
             </a:r>
             <a:r>
               <a:rPr lang="en-US" sz="5400" i="1" dirty="0" smtClean="0"/>
@@ -7307,7 +7311,7 @@
           <a:graphicData uri="http://schemas.openxmlformats.org/presentationml/2006/ole">
             <mc:AlternateContent xmlns:mc="http://schemas.openxmlformats.org/markup-compatibility/2006">
               <mc:Choice xmlns:v="urn:schemas-microsoft-com:vml" Requires="v">
-                <p:oleObj spid="_x0000_s34861" name="Equation" r:id="rId4" imgW="431800" imgH="165100" progId="Equation.DSMT4">
+                <p:oleObj spid="_x0000_s34871" name="Equation" r:id="rId4" imgW="431800" imgH="165100" progId="Equation.DSMT4">
                   <p:embed/>
                 </p:oleObj>
               </mc:Choice>
@@ -8594,13 +8598,13 @@
   <p:clrMapOvr>
     <a:masterClrMapping/>
   </p:clrMapOvr>
-  <mc:AlternateContent xmlns:mc="http://schemas.openxmlformats.org/markup-compatibility/2006">
-    <mc:Choice xmlns:p14="http://schemas.microsoft.com/office/powerpoint/2010/main" Requires="p14">
+  <mc:AlternateContent xmlns:mc="http://schemas.openxmlformats.org/markup-compatibility/2006" xmlns:p14="http://schemas.microsoft.com/office/powerpoint/2010/main">
+    <mc:Choice Requires="p14">
       <p:transition spd="med" p14:dur="700">
         <p:fade/>
       </p:transition>
     </mc:Choice>
-    <mc:Fallback>
+    <mc:Fallback xmlns="">
       <p:transition xmlns:p14="http://schemas.microsoft.com/office/powerpoint/2010/main" spd="med">
         <p:fade/>
       </p:transition>
@@ -9223,13 +9227,13 @@
   <p:clrMapOvr>
     <a:masterClrMapping/>
   </p:clrMapOvr>
-  <mc:AlternateContent xmlns:mc="http://schemas.openxmlformats.org/markup-compatibility/2006">
-    <mc:Choice xmlns:p14="http://schemas.microsoft.com/office/powerpoint/2010/main" Requires="p14">
+  <mc:AlternateContent xmlns:mc="http://schemas.openxmlformats.org/markup-compatibility/2006" xmlns:p14="http://schemas.microsoft.com/office/powerpoint/2010/main">
+    <mc:Choice Requires="p14">
       <p:transition spd="med" p14:dur="700">
         <p:fade/>
       </p:transition>
     </mc:Choice>
-    <mc:Fallback>
+    <mc:Fallback xmlns="">
       <p:transition xmlns:p14="http://schemas.microsoft.com/office/powerpoint/2010/main" spd="med">
         <p:fade/>
       </p:transition>
@@ -10242,13 +10246,13 @@
   <p:clrMapOvr>
     <a:masterClrMapping/>
   </p:clrMapOvr>
-  <mc:AlternateContent xmlns:mc="http://schemas.openxmlformats.org/markup-compatibility/2006">
-    <mc:Choice xmlns:p14="http://schemas.microsoft.com/office/powerpoint/2010/main" Requires="p14">
+  <mc:AlternateContent xmlns:mc="http://schemas.openxmlformats.org/markup-compatibility/2006" xmlns:p14="http://schemas.microsoft.com/office/powerpoint/2010/main">
+    <mc:Choice Requires="p14">
       <p:transition spd="med" p14:dur="700">
         <p:fade/>
       </p:transition>
     </mc:Choice>
-    <mc:Fallback>
+    <mc:Fallback xmlns="">
       <p:transition xmlns:p14="http://schemas.microsoft.com/office/powerpoint/2010/main" spd="med">
         <p:fade/>
       </p:transition>
@@ -13687,22 +13691,307 @@
           </a:p>
         </p:txBody>
       </p:sp>
+    </p:spTree>
+  </p:cSld>
+  <p:clrMapOvr>
+    <a:masterClrMapping/>
+  </p:clrMapOvr>
+  <mc:AlternateContent xmlns:mc="http://schemas.openxmlformats.org/markup-compatibility/2006" xmlns:p14="http://schemas.microsoft.com/office/powerpoint/2010/main">
+    <mc:Choice Requires="p14">
+      <p:transition spd="slow" p14:dur="1200">
+        <p:fade thruBlk="1"/>
+      </p:transition>
+    </mc:Choice>
+    <mc:Fallback xmlns="">
+      <p:transition xmlns:p14="http://schemas.microsoft.com/office/powerpoint/2010/main" spd="slow">
+        <p:fade thruBlk="1"/>
+      </p:transition>
+    </mc:Fallback>
+  </mc:AlternateContent>
+  <p:timing>
+    <p:tnLst>
+      <p:par>
+        <p:cTn xmlns:p14="http://schemas.microsoft.com/office/powerpoint/2010/main" id="1" dur="indefinite" restart="never" nodeType="tmRoot"/>
+      </p:par>
+    </p:tnLst>
+  </p:timing>
+</p:sld>
+</file>
+
+<file path=ppt/slides/slide23.xml><?xml version="1.0" encoding="utf-8"?>
+<p:sld xmlns:a="http://schemas.openxmlformats.org/drawingml/2006/main" xmlns:r="http://schemas.openxmlformats.org/officeDocument/2006/relationships" xmlns:p="http://schemas.openxmlformats.org/presentationml/2006/main">
+  <p:cSld>
+    <p:spTree>
+      <p:nvGrpSpPr>
+        <p:cNvPr id="1" name=""/>
+        <p:cNvGrpSpPr/>
+        <p:nvPr/>
+      </p:nvGrpSpPr>
+      <p:grpSpPr>
+        <a:xfrm>
+          <a:off x="0" y="0"/>
+          <a:ext cx="0" cy="0"/>
+          <a:chOff x="0" y="0"/>
+          <a:chExt cx="0" cy="0"/>
+        </a:xfrm>
+      </p:grpSpPr>
       <p:sp>
         <p:nvSpPr>
-          <p:cNvPr id="7" name="Rectangle 6"/>
+          <p:cNvPr id="24578" name="Rectangle 2"/>
+          <p:cNvSpPr>
+            <a:spLocks noGrp="1" noChangeArrowheads="1"/>
+          </p:cNvSpPr>
+          <p:nvPr>
+            <p:ph type="title"/>
+          </p:nvPr>
+        </p:nvSpPr>
+        <p:spPr/>
+        <p:txBody>
+          <a:bodyPr/>
+          <a:lstStyle/>
+          <a:p>
+            <a:pPr eaLnBrk="1" hangingPunct="1"/>
+            <a:r>
+              <a:rPr lang="en-US" smtClean="0"/>
+              <a:t>GCD is a linear combination</a:t>
+            </a:r>
+          </a:p>
+        </p:txBody>
+      </p:sp>
+      <p:sp>
+        <p:nvSpPr>
+          <p:cNvPr id="24579" name="Rectangle 3"/>
+          <p:cNvSpPr>
+            <a:spLocks noGrp="1" noChangeArrowheads="1"/>
+          </p:cNvSpPr>
+          <p:nvPr>
+            <p:ph type="body" idx="1"/>
+          </p:nvPr>
+        </p:nvSpPr>
+        <p:spPr>
+          <a:xfrm>
+            <a:off x="76200" y="1447800"/>
+            <a:ext cx="9067800" cy="3962400"/>
+          </a:xfrm>
+        </p:spPr>
+        <p:txBody>
+          <a:bodyPr/>
+          <a:lstStyle/>
+          <a:p>
+            <a:pPr marL="0" indent="0" eaLnBrk="1" hangingPunct="1">
+              <a:buFontTx/>
+              <a:buNone/>
+            </a:pPr>
+            <a:r>
+              <a:rPr lang="en-US" sz="5400" b="1" dirty="0" smtClean="0"/>
+              <a:t>Corollary:</a:t>
+            </a:r>
+            <a:endParaRPr lang="en-US" sz="5400" dirty="0" smtClean="0"/>
+          </a:p>
+          <a:p>
+            <a:pPr marL="0" indent="0" eaLnBrk="1" hangingPunct="1">
+              <a:spcBef>
+                <a:spcPts val="0"/>
+              </a:spcBef>
+              <a:buFontTx/>
+              <a:buNone/>
+            </a:pPr>
+            <a:r>
+              <a:rPr lang="en-US" sz="6000" dirty="0" smtClean="0">
+                <a:solidFill>
+                  <a:srgbClr val="000000"/>
+                </a:solidFill>
+              </a:rPr>
+              <a:t>The</a:t>
+            </a:r>
+            <a:r>
+              <a:rPr lang="en-US" sz="6000" dirty="0" smtClean="0">
+                <a:solidFill>
+                  <a:srgbClr val="0000CC"/>
+                </a:solidFill>
+              </a:rPr>
+              <a:t> multiples </a:t>
+            </a:r>
+            <a:r>
+              <a:rPr lang="en-US" sz="6000" dirty="0" smtClean="0">
+                <a:solidFill>
+                  <a:srgbClr val="000000"/>
+                </a:solidFill>
+              </a:rPr>
+              <a:t>of</a:t>
+            </a:r>
+            <a:r>
+              <a:rPr lang="en-US" sz="6000" dirty="0" smtClean="0">
+                <a:solidFill>
+                  <a:srgbClr val="0000CC"/>
+                </a:solidFill>
+              </a:rPr>
+              <a:t> </a:t>
+            </a:r>
+            <a:r>
+              <a:rPr lang="en-US" sz="6000" dirty="0" err="1" smtClean="0">
+                <a:solidFill>
+                  <a:srgbClr val="0000CC"/>
+                </a:solidFill>
+              </a:rPr>
+              <a:t>gcd</a:t>
+            </a:r>
+            <a:r>
+              <a:rPr lang="en-US" sz="6000" dirty="0" smtClean="0">
+                <a:solidFill>
+                  <a:srgbClr val="0000CC"/>
+                </a:solidFill>
+              </a:rPr>
+              <a:t>(</a:t>
+            </a:r>
+            <a:r>
+              <a:rPr lang="en-US" sz="6000" dirty="0" err="1" smtClean="0">
+                <a:solidFill>
+                  <a:srgbClr val="0000CC"/>
+                </a:solidFill>
+              </a:rPr>
+              <a:t>a,b</a:t>
+            </a:r>
+            <a:r>
+              <a:rPr lang="en-US" sz="6000" dirty="0" smtClean="0">
+                <a:solidFill>
+                  <a:srgbClr val="0000CC"/>
+                </a:solidFill>
+              </a:rPr>
+              <a:t>) </a:t>
+            </a:r>
+            <a:r>
+              <a:rPr lang="en-US" sz="6000" dirty="0" smtClean="0"/>
+              <a:t>are </a:t>
+            </a:r>
+            <a:r>
+              <a:rPr lang="en-US" sz="6000" dirty="0" smtClean="0">
+                <a:solidFill>
+                  <a:srgbClr val="CB10A8"/>
+                </a:solidFill>
+              </a:rPr>
+              <a:t>exactly</a:t>
+            </a:r>
+            <a:r>
+              <a:rPr lang="en-US" sz="6000" dirty="0" smtClean="0"/>
+              <a:t> the </a:t>
+            </a:r>
+            <a:r>
+              <a:rPr lang="en-US" sz="6000" dirty="0" smtClean="0">
+                <a:solidFill>
+                  <a:schemeClr val="accent1">
+                    <a:lumMod val="50000"/>
+                  </a:schemeClr>
+                </a:solidFill>
+              </a:rPr>
+              <a:t>linear combinations</a:t>
+            </a:r>
+            <a:r>
+              <a:rPr lang="en-US" sz="6000" dirty="0" smtClean="0"/>
+              <a:t> of</a:t>
+            </a:r>
+            <a:r>
+              <a:rPr lang="en-US" sz="6000" dirty="0" smtClean="0">
+                <a:solidFill>
+                  <a:srgbClr val="0000CC"/>
+                </a:solidFill>
+              </a:rPr>
+              <a:t> a</a:t>
+            </a:r>
+            <a:r>
+              <a:rPr lang="en-US" sz="6000" i="1" dirty="0" smtClean="0">
+                <a:solidFill>
+                  <a:srgbClr val="0000CC"/>
+                </a:solidFill>
+              </a:rPr>
+              <a:t> </a:t>
+            </a:r>
+            <a:r>
+              <a:rPr lang="en-US" sz="6000" dirty="0" smtClean="0"/>
+              <a:t>and</a:t>
+            </a:r>
+            <a:r>
+              <a:rPr lang="en-US" sz="6000" i="1" dirty="0" smtClean="0">
+                <a:solidFill>
+                  <a:srgbClr val="0000CC"/>
+                </a:solidFill>
+              </a:rPr>
+              <a:t> </a:t>
+            </a:r>
+            <a:r>
+              <a:rPr lang="en-US" sz="6000" dirty="0" smtClean="0">
+                <a:solidFill>
+                  <a:srgbClr val="0000CC"/>
+                </a:solidFill>
+              </a:rPr>
+              <a:t>b</a:t>
+            </a:r>
+            <a:r>
+              <a:rPr lang="en-US" sz="6000" i="1" dirty="0" smtClean="0"/>
+              <a:t>.</a:t>
+            </a:r>
+            <a:endParaRPr lang="en-US" sz="6000" dirty="0" smtClean="0"/>
+          </a:p>
+        </p:txBody>
+      </p:sp>
+      <p:sp>
+        <p:nvSpPr>
+          <p:cNvPr id="24582" name="Slide Number Placeholder 3"/>
+          <p:cNvSpPr>
+            <a:spLocks noGrp="1"/>
+          </p:cNvSpPr>
+          <p:nvPr>
+            <p:ph type="sldNum" sz="quarter" idx="10"/>
+          </p:nvPr>
+        </p:nvSpPr>
+        <p:spPr>
+          <a:noFill/>
+        </p:spPr>
+        <p:txBody>
+          <a:bodyPr/>
+          <a:lstStyle/>
+          <a:p>
+            <a:r>
+              <a:rPr lang="en-US" dirty="0" err="1" smtClean="0">
+                <a:latin typeface="Comic Sans MS" pitchFamily="8" charset="0"/>
+              </a:rPr>
+              <a:t>lec</a:t>
+            </a:r>
+            <a:r>
+              <a:rPr lang="en-US" dirty="0" smtClean="0">
+                <a:latin typeface="Comic Sans MS" pitchFamily="8" charset="0"/>
+              </a:rPr>
+              <a:t> 5M.</a:t>
+            </a:r>
+            <a:fld id="{CCB45DB7-2069-4CDB-95A9-C4EF498CA91E}" type="slidenum">
+              <a:rPr lang="en-US" sz="1200" smtClean="0">
+                <a:latin typeface="Comic Sans MS" pitchFamily="8" charset="0"/>
+              </a:rPr>
+              <a:pPr/>
+              <a:t>23</a:t>
+            </a:fld>
+            <a:endParaRPr lang="en-US" sz="1200" dirty="0" smtClean="0">
+              <a:latin typeface="Comic Sans MS" pitchFamily="8" charset="0"/>
+            </a:endParaRPr>
+          </a:p>
+        </p:txBody>
+      </p:sp>
+      <p:sp>
+        <p:nvSpPr>
+          <p:cNvPr id="2" name="Rectangle 1"/>
           <p:cNvSpPr/>
           <p:nvPr/>
         </p:nvSpPr>
         <p:spPr bwMode="auto">
           <a:xfrm>
-            <a:off x="533400" y="2362200"/>
-            <a:ext cx="8153400" cy="2971800"/>
+            <a:off x="76200" y="2362200"/>
+            <a:ext cx="8991600" cy="2895600"/>
           </a:xfrm>
           <a:prstGeom prst="rect">
             <a:avLst/>
           </a:prstGeom>
           <a:noFill/>
-          <a:ln w="47625" cap="flat" cmpd="sng" algn="ctr">
+          <a:ln w="50800" cap="flat" cmpd="sng" algn="ctr">
             <a:solidFill>
               <a:srgbClr val="FF00FF"/>
             </a:solidFill>
@@ -13751,19 +14040,24 @@
         </p:txBody>
       </p:sp>
     </p:spTree>
+    <p:extLst>
+      <p:ext uri="{BB962C8B-B14F-4D97-AF65-F5344CB8AC3E}">
+        <p14:creationId xmlns:p14="http://schemas.microsoft.com/office/powerpoint/2010/main" val="1857736889"/>
+      </p:ext>
+    </p:extLst>
   </p:cSld>
   <p:clrMapOvr>
     <a:masterClrMapping/>
   </p:clrMapOvr>
   <mc:AlternateContent xmlns:mc="http://schemas.openxmlformats.org/markup-compatibility/2006" xmlns:p14="http://schemas.microsoft.com/office/powerpoint/2010/main">
     <mc:Choice Requires="p14">
-      <p:transition spd="slow" p14:dur="1200">
-        <p:fade thruBlk="1"/>
+      <p:transition spd="med" p14:dur="700">
+        <p:fade/>
       </p:transition>
     </mc:Choice>
     <mc:Fallback xmlns="">
-      <p:transition xmlns:p14="http://schemas.microsoft.com/office/powerpoint/2010/main" spd="slow">
-        <p:fade thruBlk="1"/>
+      <p:transition xmlns:p14="http://schemas.microsoft.com/office/powerpoint/2010/main" spd="med">
+        <p:fade/>
       </p:transition>
     </mc:Fallback>
   </mc:AlternateContent>
@@ -13788,7 +14082,7 @@
                             </p:stCondLst>
                             <p:childTnLst>
                               <p:par>
-                                <p:cTn id="5" presetID="35" presetClass="entr" presetSubtype="0" fill="hold" grpId="0" nodeType="clickEffect">
+                                <p:cTn id="5" presetID="16" presetClass="entr" presetSubtype="21" fill="hold" grpId="0" nodeType="clickEffect">
                                   <p:stCondLst>
                                     <p:cond delay="0"/>
                                   </p:stCondLst>
@@ -13801,7 +14095,7 @@
                                           </p:stCondLst>
                                         </p:cTn>
                                         <p:tgtEl>
-                                          <p:spTgt spid="7"/>
+                                          <p:spTgt spid="2"/>
                                         </p:tgtEl>
                                         <p:attrNameLst>
                                           <p:attrName>style.visibility</p:attrName>
@@ -13811,83 +14105,14 @@
                                         <p:strVal val="visible"/>
                                       </p:to>
                                     </p:set>
-                                    <p:animEffect transition="in" filter="fade">
+                                    <p:animEffect transition="in" filter="barn(inVertical)">
                                       <p:cBhvr>
-                                        <p:cTn id="7" dur="1000"/>
+                                        <p:cTn id="7" dur="500"/>
                                         <p:tgtEl>
-                                          <p:spTgt spid="7"/>
+                                          <p:spTgt spid="2"/>
                                         </p:tgtEl>
                                       </p:cBhvr>
                                     </p:animEffect>
-                                    <p:anim calcmode="lin" valueType="num">
-                                      <p:cBhvr>
-                                        <p:cTn id="8" dur="1000" fill="hold"/>
-                                        <p:tgtEl>
-                                          <p:spTgt spid="7"/>
-                                        </p:tgtEl>
-                                        <p:attrNameLst>
-                                          <p:attrName>style.rotation</p:attrName>
-                                        </p:attrNameLst>
-                                      </p:cBhvr>
-                                      <p:tavLst>
-                                        <p:tav tm="0">
-                                          <p:val>
-                                            <p:fltVal val="720"/>
-                                          </p:val>
-                                        </p:tav>
-                                        <p:tav tm="100000">
-                                          <p:val>
-                                            <p:fltVal val="0"/>
-                                          </p:val>
-                                        </p:tav>
-                                      </p:tavLst>
-                                    </p:anim>
-                                    <p:anim calcmode="lin" valueType="num">
-                                      <p:cBhvr>
-                                        <p:cTn id="9" dur="1000" fill="hold"/>
-                                        <p:tgtEl>
-                                          <p:spTgt spid="7"/>
-                                        </p:tgtEl>
-                                        <p:attrNameLst>
-                                          <p:attrName>ppt_h</p:attrName>
-                                        </p:attrNameLst>
-                                      </p:cBhvr>
-                                      <p:tavLst>
-                                        <p:tav tm="0">
-                                          <p:val>
-                                            <p:fltVal val="0"/>
-                                          </p:val>
-                                        </p:tav>
-                                        <p:tav tm="100000">
-                                          <p:val>
-                                            <p:strVal val="#ppt_h"/>
-                                          </p:val>
-                                        </p:tav>
-                                      </p:tavLst>
-                                    </p:anim>
-                                    <p:anim calcmode="lin" valueType="num">
-                                      <p:cBhvr>
-                                        <p:cTn id="10" dur="1000" fill="hold"/>
-                                        <p:tgtEl>
-                                          <p:spTgt spid="7"/>
-                                        </p:tgtEl>
-                                        <p:attrNameLst>
-                                          <p:attrName>ppt_w</p:attrName>
-                                        </p:attrNameLst>
-                                      </p:cBhvr>
-                                      <p:tavLst>
-                                        <p:tav tm="0">
-                                          <p:val>
-                                            <p:fltVal val="0"/>
-                                          </p:val>
-                                        </p:tav>
-                                        <p:tav tm="100000">
-                                          <p:val>
-                                            <p:strVal val="#ppt_w"/>
-                                          </p:val>
-                                        </p:tav>
-                                      </p:tavLst>
-                                    </p:anim>
                                   </p:childTnLst>
                                 </p:cTn>
                               </p:par>
@@ -13919,13 +14144,13 @@
       </p:par>
     </p:tnLst>
     <p:bldLst>
-      <p:bldP spid="7" grpId="0" animBg="1"/>
+      <p:bldP spid="2" grpId="0" animBg="1"/>
     </p:bldLst>
   </p:timing>
 </p:sld>
 </file>
 
-<file path=ppt/slides/slide23.xml><?xml version="1.0" encoding="utf-8"?>
+<file path=ppt/slides/slide24.xml><?xml version="1.0" encoding="utf-8"?>
 <p:sld xmlns:a="http://schemas.openxmlformats.org/drawingml/2006/main" xmlns:r="http://schemas.openxmlformats.org/officeDocument/2006/relationships" xmlns:p="http://schemas.openxmlformats.org/presentationml/2006/main" show="0">
   <p:cSld>
     <p:spTree>
@@ -14190,7 +14415,7 @@
                 <a:latin typeface="Comic Sans MS" pitchFamily="8" charset="0"/>
               </a:rPr>
               <a:pPr/>
-              <a:t>23</a:t>
+              <a:t>24</a:t>
             </a:fld>
             <a:endParaRPr lang="en-US" sz="1200" dirty="0" smtClean="0">
               <a:latin typeface="Comic Sans MS" pitchFamily="8" charset="0"/>
@@ -14315,7 +14540,7 @@
 </p:sld>
 </file>
 
-<file path=ppt/slides/slide24.xml><?xml version="1.0" encoding="utf-8"?>
+<file path=ppt/slides/slide25.xml><?xml version="1.0" encoding="utf-8"?>
 <p:sld xmlns:a="http://schemas.openxmlformats.org/drawingml/2006/main" xmlns:r="http://schemas.openxmlformats.org/officeDocument/2006/relationships" xmlns:p="http://schemas.openxmlformats.org/presentationml/2006/main" show="0">
   <p:cSld>
     <p:spTree>
@@ -14691,7 +14916,7 @@
                 <a:latin typeface="Comic Sans MS" pitchFamily="8" charset="0"/>
               </a:rPr>
               <a:pPr/>
-              <a:t>24</a:t>
+              <a:t>25</a:t>
             </a:fld>
             <a:endParaRPr lang="en-US" sz="1200" dirty="0" smtClean="0">
               <a:latin typeface="Comic Sans MS" pitchFamily="8" charset="0"/>
@@ -14916,7 +15141,7 @@
 </p:sld>
 </file>
 
-<file path=ppt/slides/slide25.xml><?xml version="1.0" encoding="utf-8"?>
+<file path=ppt/slides/slide26.xml><?xml version="1.0" encoding="utf-8"?>
 <p:sld xmlns:a="http://schemas.openxmlformats.org/drawingml/2006/main" xmlns:r="http://schemas.openxmlformats.org/officeDocument/2006/relationships" xmlns:p="http://schemas.openxmlformats.org/presentationml/2006/main" show="0">
   <p:cSld>
     <p:spTree>
@@ -15161,7 +15386,7 @@
                 <a:latin typeface="Comic Sans MS" pitchFamily="8" charset="0"/>
               </a:rPr>
               <a:pPr/>
-              <a:t>25</a:t>
+              <a:t>26</a:t>
             </a:fld>
             <a:endParaRPr lang="en-US" sz="1200" dirty="0" smtClean="0">
               <a:latin typeface="Comic Sans MS" pitchFamily="8" charset="0"/>
@@ -15416,7 +15641,7 @@
 </p:sld>
 </file>
 
-<file path=ppt/slides/slide26.xml><?xml version="1.0" encoding="utf-8"?>
+<file path=ppt/slides/slide27.xml><?xml version="1.0" encoding="utf-8"?>
 <p:sld xmlns:a="http://schemas.openxmlformats.org/drawingml/2006/main" xmlns:r="http://schemas.openxmlformats.org/officeDocument/2006/relationships" xmlns:p="http://schemas.openxmlformats.org/presentationml/2006/main" show="0">
   <p:cSld>
     <p:spTree>
@@ -15676,7 +15901,7 @@
                 <a:latin typeface="Comic Sans MS" pitchFamily="8" charset="0"/>
               </a:rPr>
               <a:pPr/>
-              <a:t>26</a:t>
+              <a:t>27</a:t>
             </a:fld>
             <a:endParaRPr lang="en-US" sz="1200" dirty="0" smtClean="0">
               <a:latin typeface="Comic Sans MS" pitchFamily="8" charset="0"/>
@@ -16148,7 +16373,7 @@
 </p:sld>
 </file>
 
-<file path=ppt/slides/slide27.xml><?xml version="1.0" encoding="utf-8"?>
+<file path=ppt/slides/slide28.xml><?xml version="1.0" encoding="utf-8"?>
 <p:sld xmlns:a="http://schemas.openxmlformats.org/drawingml/2006/main" xmlns:r="http://schemas.openxmlformats.org/officeDocument/2006/relationships" xmlns:p="http://schemas.openxmlformats.org/presentationml/2006/main" show="0">
   <p:cSld>
     <p:spTree>
@@ -16524,7 +16749,7 @@
                 <a:latin typeface="Comic Sans MS" pitchFamily="8" charset="0"/>
               </a:rPr>
               <a:pPr/>
-              <a:t>27</a:t>
+              <a:t>28</a:t>
             </a:fld>
             <a:endParaRPr lang="en-US" sz="1200" dirty="0" smtClean="0">
               <a:latin typeface="Comic Sans MS" pitchFamily="8" charset="0"/>
@@ -16791,7 +17016,7 @@
 </p:sld>
 </file>
 
-<file path=ppt/slides/slide28.xml><?xml version="1.0" encoding="utf-8"?>
+<file path=ppt/slides/slide29.xml><?xml version="1.0" encoding="utf-8"?>
 <p:sld xmlns:a="http://schemas.openxmlformats.org/drawingml/2006/main" xmlns:r="http://schemas.openxmlformats.org/officeDocument/2006/relationships" xmlns:p="http://schemas.openxmlformats.org/presentationml/2006/main">
   <p:cSld>
     <p:spTree>
@@ -17066,7 +17291,7 @@
                 <a:latin typeface="Comic Sans MS" pitchFamily="8" charset="0"/>
               </a:rPr>
               <a:pPr/>
-              <a:t>28</a:t>
+              <a:t>29</a:t>
             </a:fld>
             <a:endParaRPr lang="en-US" sz="1200" dirty="0" smtClean="0">
               <a:latin typeface="Comic Sans MS" pitchFamily="8" charset="0"/>
@@ -17369,7 +17594,1436 @@
 </p:sld>
 </file>
 
-<file path=ppt/slides/slide29.xml><?xml version="1.0" encoding="utf-8"?>
+<file path=ppt/slides/slide3.xml><?xml version="1.0" encoding="utf-8"?>
+<p:sld xmlns:a="http://schemas.openxmlformats.org/drawingml/2006/main" xmlns:r="http://schemas.openxmlformats.org/officeDocument/2006/relationships" xmlns:p="http://schemas.openxmlformats.org/presentationml/2006/main">
+  <p:cSld>
+    <p:spTree>
+      <p:nvGrpSpPr>
+        <p:cNvPr id="1" name=""/>
+        <p:cNvGrpSpPr/>
+        <p:nvPr/>
+      </p:nvGrpSpPr>
+      <p:grpSpPr>
+        <a:xfrm>
+          <a:off x="0" y="0"/>
+          <a:ext cx="0" cy="0"/>
+          <a:chOff x="0" y="0"/>
+          <a:chExt cx="0" cy="0"/>
+        </a:xfrm>
+      </p:grpSpPr>
+      <p:sp>
+        <p:nvSpPr>
+          <p:cNvPr id="22530" name="Rectangle 2"/>
+          <p:cNvSpPr>
+            <a:spLocks noGrp="1" noChangeArrowheads="1"/>
+          </p:cNvSpPr>
+          <p:nvPr>
+            <p:ph type="title"/>
+          </p:nvPr>
+        </p:nvSpPr>
+        <p:spPr/>
+        <p:txBody>
+          <a:bodyPr/>
+          <a:lstStyle/>
+          <a:p>
+            <a:pPr eaLnBrk="1" hangingPunct="1"/>
+            <a:r>
+              <a:rPr lang="en-US" sz="4400" dirty="0" smtClean="0">
+                <a:solidFill>
+                  <a:schemeClr val="tx1"/>
+                </a:solidFill>
+                <a:sym typeface="Euclid Symbol" pitchFamily="18" charset="2"/>
+              </a:rPr>
+              <a:t>The Division Theorem</a:t>
+            </a:r>
+          </a:p>
+        </p:txBody>
+      </p:sp>
+      <p:sp>
+        <p:nvSpPr>
+          <p:cNvPr id="727043" name="Rectangle 3"/>
+          <p:cNvSpPr>
+            <a:spLocks noGrp="1" noChangeArrowheads="1"/>
+          </p:cNvSpPr>
+          <p:nvPr>
+            <p:ph type="body" idx="1"/>
+          </p:nvPr>
+        </p:nvSpPr>
+        <p:spPr>
+          <a:xfrm>
+            <a:off x="165100" y="914400"/>
+            <a:ext cx="8826500" cy="5257800"/>
+          </a:xfrm>
+        </p:spPr>
+        <p:txBody>
+          <a:bodyPr/>
+          <a:lstStyle/>
+          <a:p>
+            <a:pPr marL="0" indent="0" eaLnBrk="1" hangingPunct="1"/>
+            <a:r>
+              <a:rPr lang="en-US" sz="4400" dirty="0" smtClean="0">
+                <a:sym typeface="Euclid Symbol" pitchFamily="18" charset="2"/>
+              </a:rPr>
+              <a:t>    For </a:t>
+            </a:r>
+            <a:r>
+              <a:rPr lang="en-US" sz="4400" dirty="0" smtClean="0">
+                <a:solidFill>
+                  <a:srgbClr val="0000CC"/>
+                </a:solidFill>
+                <a:sym typeface="Euclid Symbol" pitchFamily="18" charset="2"/>
+              </a:rPr>
+              <a:t>b</a:t>
+            </a:r>
+            <a:r>
+              <a:rPr lang="en-US" sz="4400" i="1" dirty="0" smtClean="0">
+                <a:sym typeface="Euclid Symbol" pitchFamily="18" charset="2"/>
+              </a:rPr>
+              <a:t> </a:t>
+            </a:r>
+            <a:r>
+              <a:rPr lang="en-US" sz="4400" dirty="0" smtClean="0">
+                <a:sym typeface="Euclid Symbol" pitchFamily="18" charset="2"/>
+              </a:rPr>
+              <a:t>&gt; 0 and any </a:t>
+            </a:r>
+            <a:r>
+              <a:rPr lang="en-US" sz="4400" dirty="0" smtClean="0">
+                <a:solidFill>
+                  <a:srgbClr val="0000CC"/>
+                </a:solidFill>
+                <a:sym typeface="Euclid Symbol" pitchFamily="18" charset="2"/>
+              </a:rPr>
+              <a:t>a</a:t>
+            </a:r>
+            <a:r>
+              <a:rPr lang="en-US" sz="4400" dirty="0" smtClean="0">
+                <a:sym typeface="Euclid Symbol" pitchFamily="18" charset="2"/>
+              </a:rPr>
+              <a:t>, have</a:t>
+            </a:r>
+          </a:p>
+          <a:p>
+            <a:pPr marL="0" indent="0" eaLnBrk="1" hangingPunct="1"/>
+            <a:r>
+              <a:rPr lang="en-US" sz="4400" dirty="0" smtClean="0">
+                <a:sym typeface="Euclid Symbol" pitchFamily="18" charset="2"/>
+              </a:rPr>
+              <a:t>        </a:t>
+            </a:r>
+            <a:r>
+              <a:rPr lang="en-US" sz="4400" dirty="0" err="1" smtClean="0">
+                <a:solidFill>
+                  <a:schemeClr val="accent1">
+                    <a:lumMod val="50000"/>
+                  </a:schemeClr>
+                </a:solidFill>
+                <a:sym typeface="Euclid Symbol" pitchFamily="18" charset="2"/>
+              </a:rPr>
+              <a:t>q</a:t>
+            </a:r>
+            <a:r>
+              <a:rPr lang="en-US" sz="4400" dirty="0" smtClean="0">
+                <a:sym typeface="Euclid Symbol" pitchFamily="18" charset="2"/>
+              </a:rPr>
+              <a:t> = </a:t>
+            </a:r>
+            <a:r>
+              <a:rPr lang="en-US" sz="4400" dirty="0" err="1" smtClean="0">
+                <a:sym typeface="Euclid Symbol" pitchFamily="18" charset="2"/>
+              </a:rPr>
+              <a:t>quotient(</a:t>
+            </a:r>
+            <a:r>
+              <a:rPr lang="en-US" sz="4400" dirty="0" err="1" smtClean="0">
+                <a:solidFill>
+                  <a:srgbClr val="0000CC"/>
+                </a:solidFill>
+                <a:sym typeface="Euclid Symbol" pitchFamily="18" charset="2"/>
+              </a:rPr>
+              <a:t>a</a:t>
+            </a:r>
+            <a:r>
+              <a:rPr lang="en-US" sz="4400" dirty="0" err="1" smtClean="0">
+                <a:sym typeface="Euclid Symbol" pitchFamily="18" charset="2"/>
+              </a:rPr>
+              <a:t>,</a:t>
+            </a:r>
+            <a:r>
+              <a:rPr lang="en-US" sz="4400" dirty="0" err="1" smtClean="0">
+                <a:solidFill>
+                  <a:srgbClr val="0000CC"/>
+                </a:solidFill>
+                <a:sym typeface="Euclid Symbol" pitchFamily="18" charset="2"/>
+              </a:rPr>
+              <a:t>b</a:t>
+            </a:r>
+            <a:r>
+              <a:rPr lang="en-US" sz="4400" dirty="0" smtClean="0">
+                <a:sym typeface="Euclid Symbol" pitchFamily="18" charset="2"/>
+              </a:rPr>
+              <a:t>)</a:t>
+            </a:r>
+          </a:p>
+          <a:p>
+            <a:pPr marL="0" indent="0" eaLnBrk="1" hangingPunct="1"/>
+            <a:r>
+              <a:rPr lang="en-US" sz="4400" dirty="0" smtClean="0">
+                <a:sym typeface="Euclid Symbol" pitchFamily="18" charset="2"/>
+              </a:rPr>
+              <a:t>        </a:t>
+            </a:r>
+            <a:r>
+              <a:rPr lang="en-US" sz="4400" dirty="0" err="1" smtClean="0">
+                <a:solidFill>
+                  <a:srgbClr val="0000E5"/>
+                </a:solidFill>
+                <a:sym typeface="Euclid Symbol" pitchFamily="18" charset="2"/>
+              </a:rPr>
+              <a:t>r</a:t>
+            </a:r>
+            <a:r>
+              <a:rPr lang="en-US" sz="4400" dirty="0" smtClean="0">
+                <a:sym typeface="Euclid Symbol" pitchFamily="18" charset="2"/>
+              </a:rPr>
+              <a:t> = </a:t>
+            </a:r>
+            <a:r>
+              <a:rPr lang="en-US" sz="4400" dirty="0" err="1" smtClean="0">
+                <a:sym typeface="Euclid Symbol" pitchFamily="18" charset="2"/>
+              </a:rPr>
+              <a:t>remainder(</a:t>
+            </a:r>
+            <a:r>
+              <a:rPr lang="en-US" sz="4400" dirty="0" err="1" smtClean="0">
+                <a:solidFill>
+                  <a:srgbClr val="0000CC"/>
+                </a:solidFill>
+                <a:sym typeface="Euclid Symbol" pitchFamily="18" charset="2"/>
+              </a:rPr>
+              <a:t>a</a:t>
+            </a:r>
+            <a:r>
+              <a:rPr lang="en-US" sz="4400" dirty="0" err="1" smtClean="0">
+                <a:sym typeface="Euclid Symbol" pitchFamily="18" charset="2"/>
+              </a:rPr>
+              <a:t>,</a:t>
+            </a:r>
+            <a:r>
+              <a:rPr lang="en-US" sz="4400" dirty="0" err="1" smtClean="0">
+                <a:solidFill>
+                  <a:srgbClr val="0000CC"/>
+                </a:solidFill>
+                <a:sym typeface="Euclid Symbol" pitchFamily="18" charset="2"/>
+              </a:rPr>
+              <a:t>b</a:t>
+            </a:r>
+            <a:r>
+              <a:rPr lang="en-US" sz="4400" dirty="0" smtClean="0">
+                <a:sym typeface="Euclid Symbol" pitchFamily="18" charset="2"/>
+              </a:rPr>
+              <a:t>)</a:t>
+            </a:r>
+            <a:endParaRPr lang="en-US" sz="4400" i="1" dirty="0" smtClean="0">
+              <a:sym typeface="Euclid Symbol" pitchFamily="18" charset="2"/>
+            </a:endParaRPr>
+          </a:p>
+          <a:p>
+            <a:pPr marL="0" indent="0" eaLnBrk="1" hangingPunct="1"/>
+            <a:r>
+              <a:rPr lang="en-US" sz="4400" dirty="0" smtClean="0">
+                <a:sym typeface="Euclid Symbol" pitchFamily="18" charset="2"/>
+              </a:rPr>
+              <a:t> </a:t>
+            </a:r>
+            <a:r>
+              <a:rPr lang="en-US" sz="4400" b="1" dirty="0" smtClean="0">
+                <a:latin typeface="Euclid Symbol" charset="2"/>
+                <a:cs typeface="Euclid Symbol" charset="2"/>
+                <a:sym typeface="Euclid Symbol" pitchFamily="18" charset="2"/>
+              </a:rPr>
+              <a:t>∃ </a:t>
+            </a:r>
+            <a:r>
+              <a:rPr lang="en-US" sz="4400" dirty="0" smtClean="0">
+                <a:solidFill>
+                  <a:srgbClr val="008000"/>
+                </a:solidFill>
+                <a:sym typeface="Euclid Symbol" pitchFamily="18" charset="2"/>
+              </a:rPr>
+              <a:t>unique</a:t>
+            </a:r>
+            <a:r>
+              <a:rPr lang="en-US" sz="4400" dirty="0" smtClean="0">
+                <a:sym typeface="Euclid Symbol" pitchFamily="18" charset="2"/>
+              </a:rPr>
+              <a:t> numbers </a:t>
+            </a:r>
+            <a:r>
+              <a:rPr lang="en-US" sz="4400" dirty="0" smtClean="0">
+                <a:solidFill>
+                  <a:srgbClr val="0000CC"/>
+                </a:solidFill>
+                <a:sym typeface="Euclid Symbol" pitchFamily="18" charset="2"/>
+              </a:rPr>
+              <a:t>q</a:t>
+            </a:r>
+            <a:r>
+              <a:rPr lang="en-US" sz="4400" dirty="0" smtClean="0">
+                <a:sym typeface="Euclid Symbol" pitchFamily="18" charset="2"/>
+              </a:rPr>
+              <a:t>,</a:t>
+            </a:r>
+            <a:r>
+              <a:rPr lang="en-US" sz="4400" dirty="0" smtClean="0">
+                <a:solidFill>
+                  <a:srgbClr val="0000CC"/>
+                </a:solidFill>
+                <a:sym typeface="Euclid Symbol" pitchFamily="18" charset="2"/>
+              </a:rPr>
+              <a:t> r</a:t>
+            </a:r>
+            <a:r>
+              <a:rPr lang="en-US" sz="4400" dirty="0" smtClean="0">
+                <a:sym typeface="Euclid Symbol" pitchFamily="18" charset="2"/>
+              </a:rPr>
+              <a:t> such that</a:t>
+            </a:r>
+          </a:p>
+          <a:p>
+            <a:pPr marL="0" indent="0" algn="ctr" eaLnBrk="1" hangingPunct="1">
+              <a:spcAft>
+                <a:spcPts val="600"/>
+              </a:spcAft>
+              <a:buFontTx/>
+              <a:buNone/>
+            </a:pPr>
+            <a:r>
+              <a:rPr lang="en-US" sz="4400" dirty="0" smtClean="0">
+                <a:solidFill>
+                  <a:srgbClr val="0000CC"/>
+                </a:solidFill>
+                <a:sym typeface="Euclid Symbol" pitchFamily="18" charset="2"/>
+              </a:rPr>
+              <a:t>a</a:t>
+            </a:r>
+            <a:r>
+              <a:rPr lang="en-US" sz="4400" dirty="0" smtClean="0">
+                <a:sym typeface="Euclid Symbol" pitchFamily="18" charset="2"/>
+              </a:rPr>
+              <a:t> = </a:t>
+            </a:r>
+            <a:r>
+              <a:rPr lang="en-US" sz="4400" dirty="0" err="1" smtClean="0">
+                <a:solidFill>
+                  <a:srgbClr val="0000CC"/>
+                </a:solidFill>
+                <a:sym typeface="Euclid Symbol" pitchFamily="18" charset="2"/>
+              </a:rPr>
+              <a:t>qb</a:t>
+            </a:r>
+            <a:r>
+              <a:rPr lang="en-US" sz="4400" dirty="0" smtClean="0">
+                <a:sym typeface="Euclid Symbol" pitchFamily="18" charset="2"/>
+              </a:rPr>
+              <a:t> </a:t>
+            </a:r>
+            <a:r>
+              <a:rPr lang="en-US" sz="4400" dirty="0" smtClean="0">
+                <a:solidFill>
+                  <a:srgbClr val="0000CC"/>
+                </a:solidFill>
+                <a:sym typeface="Euclid Symbol" pitchFamily="18" charset="2"/>
+              </a:rPr>
+              <a:t>+ r </a:t>
+            </a:r>
+            <a:r>
+              <a:rPr lang="en-US" sz="4400" dirty="0" smtClean="0">
+                <a:sym typeface="Euclid Symbol" pitchFamily="18" charset="2"/>
+              </a:rPr>
+              <a:t>  and   0 </a:t>
+            </a:r>
+            <a:r>
+              <a:rPr lang="en-US" sz="4400" b="1" dirty="0" smtClean="0">
+                <a:latin typeface="Euclid Symbol" charset="2"/>
+                <a:cs typeface="Euclid Symbol" charset="2"/>
+                <a:sym typeface="Euclid Symbol" pitchFamily="18" charset="2"/>
+              </a:rPr>
+              <a:t>≤</a:t>
+            </a:r>
+            <a:r>
+              <a:rPr lang="en-US" sz="4400" dirty="0" smtClean="0">
+                <a:sym typeface="Euclid Symbol" pitchFamily="18" charset="2"/>
+              </a:rPr>
+              <a:t> </a:t>
+            </a:r>
+            <a:r>
+              <a:rPr lang="en-US" sz="4400" dirty="0" smtClean="0">
+                <a:solidFill>
+                  <a:srgbClr val="0000CC"/>
+                </a:solidFill>
+                <a:sym typeface="Euclid Symbol" pitchFamily="18" charset="2"/>
+              </a:rPr>
+              <a:t>r</a:t>
+            </a:r>
+            <a:r>
+              <a:rPr lang="en-US" sz="4400" dirty="0" smtClean="0">
+                <a:sym typeface="Euclid Symbol" pitchFamily="18" charset="2"/>
+              </a:rPr>
+              <a:t> </a:t>
+            </a:r>
+            <a:r>
+              <a:rPr lang="en-US" sz="4800" b="1" dirty="0" smtClean="0">
+                <a:latin typeface="Times New Roman" pitchFamily="8" charset="0"/>
+                <a:sym typeface="Euclid Symbol" pitchFamily="18" charset="2"/>
+              </a:rPr>
+              <a:t>&lt;</a:t>
+            </a:r>
+            <a:r>
+              <a:rPr lang="en-US" sz="4800" dirty="0" smtClean="0">
+                <a:latin typeface="Times New Roman" pitchFamily="8" charset="0"/>
+                <a:sym typeface="Euclid Symbol" pitchFamily="18" charset="2"/>
+              </a:rPr>
+              <a:t> </a:t>
+            </a:r>
+            <a:r>
+              <a:rPr lang="en-US" sz="4400" dirty="0" smtClean="0">
+                <a:solidFill>
+                  <a:srgbClr val="0000CC"/>
+                </a:solidFill>
+                <a:sym typeface="Euclid Symbol" pitchFamily="18" charset="2"/>
+              </a:rPr>
+              <a:t>b</a:t>
+            </a:r>
+            <a:r>
+              <a:rPr lang="en-US" sz="4400" dirty="0" smtClean="0">
+                <a:sym typeface="Euclid Symbol" pitchFamily="18" charset="2"/>
+              </a:rPr>
+              <a:t>.</a:t>
+            </a:r>
+          </a:p>
+          <a:p>
+            <a:pPr marL="0" indent="0" algn="ctr" eaLnBrk="1" hangingPunct="1">
+              <a:spcAft>
+                <a:spcPts val="1800"/>
+              </a:spcAft>
+              <a:buFontTx/>
+              <a:buNone/>
+            </a:pPr>
+            <a:r>
+              <a:rPr lang="en-US" sz="4800" dirty="0" smtClean="0">
+                <a:sym typeface="Euclid Symbol" pitchFamily="18" charset="2"/>
+              </a:rPr>
+              <a:t>Take this for granted too!</a:t>
+            </a:r>
+            <a:endParaRPr lang="en-US" sz="4400" i="1" dirty="0" smtClean="0">
+              <a:sym typeface="Euclid Symbol" pitchFamily="18" charset="2"/>
+            </a:endParaRPr>
+          </a:p>
+        </p:txBody>
+      </p:sp>
+      <p:sp>
+        <p:nvSpPr>
+          <p:cNvPr id="22532" name="Slide Number Placeholder 3"/>
+          <p:cNvSpPr>
+            <a:spLocks noGrp="1"/>
+          </p:cNvSpPr>
+          <p:nvPr>
+            <p:ph type="sldNum" sz="quarter" idx="10"/>
+          </p:nvPr>
+        </p:nvSpPr>
+        <p:spPr>
+          <a:noFill/>
+        </p:spPr>
+        <p:txBody>
+          <a:bodyPr/>
+          <a:lstStyle/>
+          <a:p>
+            <a:r>
+              <a:rPr lang="en-US" dirty="0" err="1" smtClean="0">
+                <a:latin typeface="Comic Sans MS" pitchFamily="8" charset="0"/>
+              </a:rPr>
+              <a:t>lec</a:t>
+            </a:r>
+            <a:r>
+              <a:rPr lang="en-US" dirty="0" smtClean="0">
+                <a:latin typeface="Comic Sans MS" pitchFamily="8" charset="0"/>
+              </a:rPr>
+              <a:t> 5M.</a:t>
+            </a:r>
+            <a:fld id="{77F314C4-F408-4600-BE33-C23BCB2C0942}" type="slidenum">
+              <a:rPr lang="en-US" sz="1200" smtClean="0">
+                <a:latin typeface="Comic Sans MS" pitchFamily="8" charset="0"/>
+              </a:rPr>
+              <a:pPr/>
+              <a:t>3</a:t>
+            </a:fld>
+            <a:endParaRPr lang="en-US" sz="1200" dirty="0" smtClean="0">
+              <a:latin typeface="Comic Sans MS" pitchFamily="8" charset="0"/>
+            </a:endParaRPr>
+          </a:p>
+        </p:txBody>
+      </p:sp>
+      <p:sp>
+        <p:nvSpPr>
+          <p:cNvPr id="5" name="Rounded Rectangle 4"/>
+          <p:cNvSpPr/>
+          <p:nvPr/>
+        </p:nvSpPr>
+        <p:spPr bwMode="auto">
+          <a:xfrm>
+            <a:off x="228600" y="3352800"/>
+            <a:ext cx="8534400" cy="1752600"/>
+          </a:xfrm>
+          <a:prstGeom prst="roundRect">
+            <a:avLst/>
+          </a:prstGeom>
+          <a:noFill/>
+          <a:ln w="38100" cap="flat" cmpd="sng" algn="ctr">
+            <a:solidFill>
+              <a:srgbClr val="FF00FF"/>
+            </a:solidFill>
+            <a:prstDash val="dash"/>
+            <a:round/>
+            <a:headEnd type="none" w="med" len="med"/>
+            <a:tailEnd type="none" w="lg" len="lg"/>
+          </a:ln>
+          <a:effectLst/>
+        </p:spPr>
+        <p:txBody>
+          <a:bodyPr vert="horz" wrap="square" lIns="91440" tIns="45720" rIns="91440" bIns="45720" numCol="1" rtlCol="0" anchor="t" anchorCtr="0" compatLnSpc="1">
+            <a:prstTxWarp prst="textNoShape">
+              <a:avLst/>
+            </a:prstTxWarp>
+          </a:bodyPr>
+          <a:lstStyle/>
+          <a:p>
+            <a:pPr marL="0" marR="0" indent="0" algn="l" defTabSz="914400" rtl="0" eaLnBrk="1" fontAlgn="base" latinLnBrk="0" hangingPunct="1">
+              <a:lnSpc>
+                <a:spcPct val="100000"/>
+              </a:lnSpc>
+              <a:spcBef>
+                <a:spcPct val="0"/>
+              </a:spcBef>
+              <a:spcAft>
+                <a:spcPct val="0"/>
+              </a:spcAft>
+              <a:buClrTx/>
+              <a:buSzTx/>
+              <a:buFontTx/>
+              <a:buNone/>
+              <a:tabLst/>
+            </a:pPr>
+            <a:endParaRPr kumimoji="0" lang="en-US" sz="4000" b="0" i="0" u="none" strike="noStrike" cap="none" normalizeH="0" baseline="0" smtClean="0">
+              <a:ln>
+                <a:noFill/>
+              </a:ln>
+              <a:solidFill>
+                <a:schemeClr val="tx1"/>
+              </a:solidFill>
+              <a:effectLst/>
+              <a:latin typeface="Comic Sans MS" pitchFamily="66" charset="0"/>
+            </a:endParaRPr>
+          </a:p>
+        </p:txBody>
+      </p:sp>
+    </p:spTree>
+  </p:cSld>
+  <p:clrMapOvr>
+    <a:masterClrMapping/>
+  </p:clrMapOvr>
+  <p:transition xmlns:p14="http://schemas.microsoft.com/office/powerpoint/2010/main">
+    <p:fade thruBlk="1"/>
+  </p:transition>
+  <p:timing>
+    <p:tnLst>
+      <p:par>
+        <p:cTn xmlns:p14="http://schemas.microsoft.com/office/powerpoint/2010/main" id="1" dur="indefinite" restart="never" nodeType="tmRoot">
+          <p:childTnLst>
+            <p:seq concurrent="1" nextAc="seek">
+              <p:cTn id="2" dur="indefinite" nodeType="mainSeq">
+                <p:childTnLst>
+                  <p:par>
+                    <p:cTn id="3" fill="hold">
+                      <p:stCondLst>
+                        <p:cond delay="indefinite"/>
+                      </p:stCondLst>
+                      <p:childTnLst>
+                        <p:par>
+                          <p:cTn id="4" fill="hold">
+                            <p:stCondLst>
+                              <p:cond delay="0"/>
+                            </p:stCondLst>
+                            <p:childTnLst>
+                              <p:par>
+                                <p:cTn id="5" presetID="2" presetClass="entr" presetSubtype="1" fill="hold" grpId="0" nodeType="clickEffect">
+                                  <p:stCondLst>
+                                    <p:cond delay="0"/>
+                                  </p:stCondLst>
+                                  <p:childTnLst>
+                                    <p:set>
+                                      <p:cBhvr>
+                                        <p:cTn id="6" dur="1" fill="hold">
+                                          <p:stCondLst>
+                                            <p:cond delay="0"/>
+                                          </p:stCondLst>
+                                        </p:cTn>
+                                        <p:tgtEl>
+                                          <p:spTgt spid="22530"/>
+                                        </p:tgtEl>
+                                        <p:attrNameLst>
+                                          <p:attrName>style.visibility</p:attrName>
+                                        </p:attrNameLst>
+                                      </p:cBhvr>
+                                      <p:to>
+                                        <p:strVal val="visible"/>
+                                      </p:to>
+                                    </p:set>
+                                    <p:anim calcmode="lin" valueType="num">
+                                      <p:cBhvr additive="base">
+                                        <p:cTn id="7" dur="500" fill="hold"/>
+                                        <p:tgtEl>
+                                          <p:spTgt spid="22530"/>
+                                        </p:tgtEl>
+                                        <p:attrNameLst>
+                                          <p:attrName>ppt_x</p:attrName>
+                                        </p:attrNameLst>
+                                      </p:cBhvr>
+                                      <p:tavLst>
+                                        <p:tav tm="0">
+                                          <p:val>
+                                            <p:strVal val="#ppt_x"/>
+                                          </p:val>
+                                        </p:tav>
+                                        <p:tav tm="100000">
+                                          <p:val>
+                                            <p:strVal val="#ppt_x"/>
+                                          </p:val>
+                                        </p:tav>
+                                      </p:tavLst>
+                                    </p:anim>
+                                    <p:anim calcmode="lin" valueType="num">
+                                      <p:cBhvr additive="base">
+                                        <p:cTn id="8" dur="500" fill="hold"/>
+                                        <p:tgtEl>
+                                          <p:spTgt spid="22530"/>
+                                        </p:tgtEl>
+                                        <p:attrNameLst>
+                                          <p:attrName>ppt_y</p:attrName>
+                                        </p:attrNameLst>
+                                      </p:cBhvr>
+                                      <p:tavLst>
+                                        <p:tav tm="0">
+                                          <p:val>
+                                            <p:strVal val="0-#ppt_h/2"/>
+                                          </p:val>
+                                        </p:tav>
+                                        <p:tav tm="100000">
+                                          <p:val>
+                                            <p:strVal val="#ppt_y"/>
+                                          </p:val>
+                                        </p:tav>
+                                      </p:tavLst>
+                                    </p:anim>
+                                  </p:childTnLst>
+                                </p:cTn>
+                              </p:par>
+                            </p:childTnLst>
+                          </p:cTn>
+                        </p:par>
+                      </p:childTnLst>
+                    </p:cTn>
+                  </p:par>
+                  <p:par>
+                    <p:cTn id="9" fill="hold">
+                      <p:stCondLst>
+                        <p:cond delay="indefinite"/>
+                      </p:stCondLst>
+                      <p:childTnLst>
+                        <p:par>
+                          <p:cTn id="10" fill="hold">
+                            <p:stCondLst>
+                              <p:cond delay="0"/>
+                            </p:stCondLst>
+                            <p:childTnLst>
+                              <p:par>
+                                <p:cTn id="11" presetID="1" presetClass="entr" presetSubtype="0" fill="hold" grpId="0" nodeType="clickEffect">
+                                  <p:stCondLst>
+                                    <p:cond delay="0"/>
+                                  </p:stCondLst>
+                                  <p:childTnLst>
+                                    <p:set>
+                                      <p:cBhvr>
+                                        <p:cTn id="12" dur="1" fill="hold">
+                                          <p:stCondLst>
+                                            <p:cond delay="0"/>
+                                          </p:stCondLst>
+                                        </p:cTn>
+                                        <p:tgtEl>
+                                          <p:spTgt spid="5"/>
+                                        </p:tgtEl>
+                                        <p:attrNameLst>
+                                          <p:attrName>style.visibility</p:attrName>
+                                        </p:attrNameLst>
+                                      </p:cBhvr>
+                                      <p:to>
+                                        <p:strVal val="visible"/>
+                                      </p:to>
+                                    </p:set>
+                                  </p:childTnLst>
+                                </p:cTn>
+                              </p:par>
+                            </p:childTnLst>
+                          </p:cTn>
+                        </p:par>
+                        <p:par>
+                          <p:cTn id="13" fill="hold">
+                            <p:stCondLst>
+                              <p:cond delay="0"/>
+                            </p:stCondLst>
+                            <p:childTnLst>
+                              <p:par>
+                                <p:cTn id="14" presetID="10" presetClass="entr" presetSubtype="0" fill="hold" grpId="0" nodeType="afterEffect">
+                                  <p:stCondLst>
+                                    <p:cond delay="0"/>
+                                  </p:stCondLst>
+                                  <p:childTnLst>
+                                    <p:set>
+                                      <p:cBhvr>
+                                        <p:cTn id="15" dur="1" fill="hold">
+                                          <p:stCondLst>
+                                            <p:cond delay="0"/>
+                                          </p:stCondLst>
+                                        </p:cTn>
+                                        <p:tgtEl>
+                                          <p:spTgt spid="727043">
+                                            <p:txEl>
+                                              <p:pRg st="3" end="3"/>
+                                            </p:txEl>
+                                          </p:spTgt>
+                                        </p:tgtEl>
+                                        <p:attrNameLst>
+                                          <p:attrName>style.visibility</p:attrName>
+                                        </p:attrNameLst>
+                                      </p:cBhvr>
+                                      <p:to>
+                                        <p:strVal val="visible"/>
+                                      </p:to>
+                                    </p:set>
+                                    <p:animEffect transition="in" filter="fade">
+                                      <p:cBhvr>
+                                        <p:cTn id="16" dur="500"/>
+                                        <p:tgtEl>
+                                          <p:spTgt spid="727043">
+                                            <p:txEl>
+                                              <p:pRg st="3" end="3"/>
+                                            </p:txEl>
+                                          </p:spTgt>
+                                        </p:tgtEl>
+                                      </p:cBhvr>
+                                    </p:animEffect>
+                                  </p:childTnLst>
+                                </p:cTn>
+                              </p:par>
+                              <p:par>
+                                <p:cTn id="17" presetID="10" presetClass="entr" presetSubtype="0" fill="hold" grpId="0" nodeType="withEffect">
+                                  <p:stCondLst>
+                                    <p:cond delay="0"/>
+                                  </p:stCondLst>
+                                  <p:childTnLst>
+                                    <p:set>
+                                      <p:cBhvr>
+                                        <p:cTn id="18" dur="1" fill="hold">
+                                          <p:stCondLst>
+                                            <p:cond delay="0"/>
+                                          </p:stCondLst>
+                                        </p:cTn>
+                                        <p:tgtEl>
+                                          <p:spTgt spid="727043">
+                                            <p:txEl>
+                                              <p:pRg st="4" end="4"/>
+                                            </p:txEl>
+                                          </p:spTgt>
+                                        </p:tgtEl>
+                                        <p:attrNameLst>
+                                          <p:attrName>style.visibility</p:attrName>
+                                        </p:attrNameLst>
+                                      </p:cBhvr>
+                                      <p:to>
+                                        <p:strVal val="visible"/>
+                                      </p:to>
+                                    </p:set>
+                                    <p:animEffect transition="in" filter="fade">
+                                      <p:cBhvr>
+                                        <p:cTn id="19" dur="500"/>
+                                        <p:tgtEl>
+                                          <p:spTgt spid="727043">
+                                            <p:txEl>
+                                              <p:pRg st="4" end="4"/>
+                                            </p:txEl>
+                                          </p:spTgt>
+                                        </p:tgtEl>
+                                      </p:cBhvr>
+                                    </p:animEffect>
+                                  </p:childTnLst>
+                                </p:cTn>
+                              </p:par>
+                            </p:childTnLst>
+                          </p:cTn>
+                        </p:par>
+                      </p:childTnLst>
+                    </p:cTn>
+                  </p:par>
+                  <p:par>
+                    <p:cTn id="20" fill="hold">
+                      <p:stCondLst>
+                        <p:cond delay="indefinite"/>
+                      </p:stCondLst>
+                      <p:childTnLst>
+                        <p:par>
+                          <p:cTn id="21" fill="hold">
+                            <p:stCondLst>
+                              <p:cond delay="0"/>
+                            </p:stCondLst>
+                            <p:childTnLst>
+                              <p:par>
+                                <p:cTn id="22" presetID="10" presetClass="entr" presetSubtype="0" fill="hold" grpId="0" nodeType="clickEffect">
+                                  <p:stCondLst>
+                                    <p:cond delay="0"/>
+                                  </p:stCondLst>
+                                  <p:childTnLst>
+                                    <p:set>
+                                      <p:cBhvr>
+                                        <p:cTn id="23" dur="1" fill="hold">
+                                          <p:stCondLst>
+                                            <p:cond delay="0"/>
+                                          </p:stCondLst>
+                                        </p:cTn>
+                                        <p:tgtEl>
+                                          <p:spTgt spid="727043">
+                                            <p:txEl>
+                                              <p:pRg st="5" end="5"/>
+                                            </p:txEl>
+                                          </p:spTgt>
+                                        </p:tgtEl>
+                                        <p:attrNameLst>
+                                          <p:attrName>style.visibility</p:attrName>
+                                        </p:attrNameLst>
+                                      </p:cBhvr>
+                                      <p:to>
+                                        <p:strVal val="visible"/>
+                                      </p:to>
+                                    </p:set>
+                                    <p:animEffect transition="in" filter="fade">
+                                      <p:cBhvr>
+                                        <p:cTn id="24" dur="500"/>
+                                        <p:tgtEl>
+                                          <p:spTgt spid="727043">
+                                            <p:txEl>
+                                              <p:pRg st="5" end="5"/>
+                                            </p:txEl>
+                                          </p:spTgt>
+                                        </p:tgtEl>
+                                      </p:cBhvr>
+                                    </p:animEffect>
+                                  </p:childTnLst>
+                                </p:cTn>
+                              </p:par>
+                            </p:childTnLst>
+                          </p:cTn>
+                        </p:par>
+                      </p:childTnLst>
+                    </p:cTn>
+                  </p:par>
+                </p:childTnLst>
+              </p:cTn>
+              <p:prevCondLst>
+                <p:cond evt="onPrev" delay="0">
+                  <p:tgtEl>
+                    <p:sldTgt/>
+                  </p:tgtEl>
+                </p:cond>
+              </p:prevCondLst>
+              <p:nextCondLst>
+                <p:cond evt="onNext" delay="0">
+                  <p:tgtEl>
+                    <p:sldTgt/>
+                  </p:tgtEl>
+                </p:cond>
+              </p:nextCondLst>
+            </p:seq>
+          </p:childTnLst>
+        </p:cTn>
+      </p:par>
+    </p:tnLst>
+    <p:bldLst>
+      <p:bldP spid="22530" grpId="0"/>
+      <p:bldP spid="727043" grpId="0" build="p"/>
+      <p:bldP spid="5" grpId="0" animBg="1"/>
+    </p:bldLst>
+  </p:timing>
+</p:sld>
+</file>
+
+<file path=ppt/slides/slide30.xml><?xml version="1.0" encoding="utf-8"?>
+<p:sld xmlns:a="http://schemas.openxmlformats.org/drawingml/2006/main" xmlns:r="http://schemas.openxmlformats.org/officeDocument/2006/relationships" xmlns:p="http://schemas.openxmlformats.org/presentationml/2006/main" show="0">
+  <p:cSld>
+    <p:spTree>
+      <p:nvGrpSpPr>
+        <p:cNvPr id="1" name=""/>
+        <p:cNvGrpSpPr/>
+        <p:nvPr/>
+      </p:nvGrpSpPr>
+      <p:grpSpPr>
+        <a:xfrm>
+          <a:off x="0" y="0"/>
+          <a:ext cx="0" cy="0"/>
+          <a:chOff x="0" y="0"/>
+          <a:chExt cx="0" cy="0"/>
+        </a:xfrm>
+      </p:grpSpPr>
+      <p:sp>
+        <p:nvSpPr>
+          <p:cNvPr id="30722" name="Rectangle 2"/>
+          <p:cNvSpPr>
+            <a:spLocks noGrp="1" noChangeArrowheads="1"/>
+          </p:cNvSpPr>
+          <p:nvPr>
+            <p:ph type="title"/>
+          </p:nvPr>
+        </p:nvSpPr>
+        <p:spPr/>
+        <p:txBody>
+          <a:bodyPr/>
+          <a:lstStyle/>
+          <a:p>
+            <a:pPr eaLnBrk="1" hangingPunct="1"/>
+            <a:r>
+              <a:rPr lang="en-US" smtClean="0"/>
+              <a:t>Finding </a:t>
+            </a:r>
+            <a:r>
+              <a:rPr lang="en-US" smtClean="0">
+                <a:solidFill>
+                  <a:srgbClr val="0000CC"/>
+                </a:solidFill>
+              </a:rPr>
+              <a:t>s</a:t>
+            </a:r>
+            <a:r>
+              <a:rPr lang="en-US" smtClean="0"/>
+              <a:t> and </a:t>
+            </a:r>
+            <a:r>
+              <a:rPr lang="en-US" smtClean="0">
+                <a:solidFill>
+                  <a:srgbClr val="0000CC"/>
+                </a:solidFill>
+              </a:rPr>
+              <a:t>t</a:t>
+            </a:r>
+          </a:p>
+        </p:txBody>
+      </p:sp>
+      <p:sp>
+        <p:nvSpPr>
+          <p:cNvPr id="782342" name="Text Box 6"/>
+          <p:cNvSpPr txBox="1">
+            <a:spLocks noChangeArrowheads="1"/>
+          </p:cNvSpPr>
+          <p:nvPr/>
+        </p:nvSpPr>
+        <p:spPr bwMode="auto">
+          <a:xfrm>
+            <a:off x="76200" y="1160463"/>
+            <a:ext cx="8915400" cy="4478337"/>
+          </a:xfrm>
+          <a:prstGeom prst="rect">
+            <a:avLst/>
+          </a:prstGeom>
+          <a:noFill/>
+          <a:ln w="38100">
+            <a:noFill/>
+            <a:miter lim="800000"/>
+            <a:headEnd/>
+            <a:tailEnd type="none" w="lg" len="lg"/>
+          </a:ln>
+        </p:spPr>
+        <p:txBody>
+          <a:bodyPr>
+            <a:spAutoFit/>
+          </a:bodyPr>
+          <a:lstStyle/>
+          <a:p>
+            <a:r>
+              <a:rPr lang="en-US" sz="3200"/>
+              <a:t>Example: </a:t>
+            </a:r>
+            <a:r>
+              <a:rPr lang="en-US" sz="3200">
+                <a:solidFill>
+                  <a:srgbClr val="0000CC"/>
+                </a:solidFill>
+              </a:rPr>
+              <a:t>a</a:t>
+            </a:r>
+            <a:r>
+              <a:rPr lang="en-US" sz="3200"/>
+              <a:t> = 899, </a:t>
+            </a:r>
+            <a:r>
+              <a:rPr lang="en-US" sz="3200">
+                <a:solidFill>
+                  <a:srgbClr val="0000CC"/>
+                </a:solidFill>
+              </a:rPr>
+              <a:t>b</a:t>
+            </a:r>
+            <a:r>
+              <a:rPr lang="en-US" sz="3200"/>
+              <a:t>=493</a:t>
+            </a:r>
+          </a:p>
+          <a:p>
+            <a:r>
+              <a:rPr lang="en-US" sz="3200"/>
+              <a:t>899 = 1·493 + 406   </a:t>
+            </a:r>
+          </a:p>
+          <a:p>
+            <a:r>
+              <a:rPr lang="en-US" sz="3200"/>
+              <a:t>493 = 1·406 + 87        </a:t>
+            </a:r>
+          </a:p>
+          <a:p>
+            <a:r>
+              <a:rPr lang="en-US" sz="3200"/>
+              <a:t>                                         </a:t>
+            </a:r>
+          </a:p>
+          <a:p>
+            <a:r>
+              <a:rPr lang="en-US" sz="3200"/>
+              <a:t>406 = 4·87 + 58        </a:t>
+            </a:r>
+          </a:p>
+          <a:p>
+            <a:r>
+              <a:rPr lang="en-US" sz="3200"/>
+              <a:t>                                        </a:t>
+            </a:r>
+          </a:p>
+          <a:p>
+            <a:r>
+              <a:rPr lang="en-US" sz="3200"/>
+              <a:t>87   = 1·58 + 29          </a:t>
+            </a:r>
+          </a:p>
+          <a:p>
+            <a:r>
+              <a:rPr lang="en-US" sz="3200"/>
+              <a:t>                                           </a:t>
+            </a:r>
+          </a:p>
+          <a:p>
+            <a:r>
+              <a:rPr lang="en-US" sz="3200"/>
+              <a:t>58   = 2·29 + 0               done, gcd = 29</a:t>
+            </a:r>
+          </a:p>
+        </p:txBody>
+      </p:sp>
+      <p:sp>
+        <p:nvSpPr>
+          <p:cNvPr id="30724" name="Slide Number Placeholder 3"/>
+          <p:cNvSpPr>
+            <a:spLocks noGrp="1"/>
+          </p:cNvSpPr>
+          <p:nvPr>
+            <p:ph type="sldNum" sz="quarter" idx="10"/>
+          </p:nvPr>
+        </p:nvSpPr>
+        <p:spPr>
+          <a:noFill/>
+        </p:spPr>
+        <p:txBody>
+          <a:bodyPr/>
+          <a:lstStyle/>
+          <a:p>
+            <a:r>
+              <a:rPr lang="en-US" dirty="0" err="1" smtClean="0">
+                <a:latin typeface="Comic Sans MS" pitchFamily="8" charset="0"/>
+              </a:rPr>
+              <a:t>lec</a:t>
+            </a:r>
+            <a:r>
+              <a:rPr lang="en-US" dirty="0" smtClean="0">
+                <a:latin typeface="Comic Sans MS" pitchFamily="8" charset="0"/>
+              </a:rPr>
+              <a:t> 5M.</a:t>
+            </a:r>
+            <a:fld id="{C0A36D86-A96B-4FB7-B793-96DB8299F076}" type="slidenum">
+              <a:rPr lang="en-US" sz="1200" smtClean="0">
+                <a:latin typeface="Comic Sans MS" pitchFamily="8" charset="0"/>
+              </a:rPr>
+              <a:pPr/>
+              <a:t>30</a:t>
+            </a:fld>
+            <a:endParaRPr lang="en-US" sz="1200" dirty="0" smtClean="0">
+              <a:latin typeface="Comic Sans MS" pitchFamily="8" charset="0"/>
+            </a:endParaRPr>
+          </a:p>
+        </p:txBody>
+      </p:sp>
+    </p:spTree>
+  </p:cSld>
+  <p:clrMapOvr>
+    <a:masterClrMapping/>
+  </p:clrMapOvr>
+  <p:transition xmlns:p14="http://schemas.microsoft.com/office/powerpoint/2010/main"/>
+  <p:timing>
+    <p:tnLst>
+      <p:par>
+        <p:cTn xmlns:p14="http://schemas.microsoft.com/office/powerpoint/2010/main" id="1" dur="indefinite" restart="never" nodeType="tmRoot">
+          <p:childTnLst>
+            <p:seq concurrent="1" nextAc="seek">
+              <p:cTn id="2" dur="indefinite" nodeType="mainSeq">
+                <p:childTnLst>
+                  <p:par>
+                    <p:cTn id="3" fill="hold">
+                      <p:stCondLst>
+                        <p:cond delay="indefinite"/>
+                      </p:stCondLst>
+                      <p:childTnLst>
+                        <p:par>
+                          <p:cTn id="4" fill="hold">
+                            <p:stCondLst>
+                              <p:cond delay="0"/>
+                            </p:stCondLst>
+                            <p:childTnLst>
+                              <p:par>
+                                <p:cTn id="5" presetID="22" presetClass="entr" presetSubtype="8" fill="hold" grpId="0" nodeType="clickEffect">
+                                  <p:stCondLst>
+                                    <p:cond delay="0"/>
+                                  </p:stCondLst>
+                                  <p:childTnLst>
+                                    <p:set>
+                                      <p:cBhvr>
+                                        <p:cTn id="6" dur="1" fill="hold">
+                                          <p:stCondLst>
+                                            <p:cond delay="0"/>
+                                          </p:stCondLst>
+                                        </p:cTn>
+                                        <p:tgtEl>
+                                          <p:spTgt spid="782342">
+                                            <p:txEl>
+                                              <p:pRg st="1" end="1"/>
+                                            </p:txEl>
+                                          </p:spTgt>
+                                        </p:tgtEl>
+                                        <p:attrNameLst>
+                                          <p:attrName>style.visibility</p:attrName>
+                                        </p:attrNameLst>
+                                      </p:cBhvr>
+                                      <p:to>
+                                        <p:strVal val="visible"/>
+                                      </p:to>
+                                    </p:set>
+                                    <p:animEffect transition="in" filter="wipe(left)">
+                                      <p:cBhvr>
+                                        <p:cTn id="7" dur="500"/>
+                                        <p:tgtEl>
+                                          <p:spTgt spid="782342">
+                                            <p:txEl>
+                                              <p:pRg st="1" end="1"/>
+                                            </p:txEl>
+                                          </p:spTgt>
+                                        </p:tgtEl>
+                                      </p:cBhvr>
+                                    </p:animEffect>
+                                  </p:childTnLst>
+                                </p:cTn>
+                              </p:par>
+                            </p:childTnLst>
+                          </p:cTn>
+                        </p:par>
+                      </p:childTnLst>
+                    </p:cTn>
+                  </p:par>
+                  <p:par>
+                    <p:cTn id="8" fill="hold">
+                      <p:stCondLst>
+                        <p:cond delay="indefinite"/>
+                      </p:stCondLst>
+                      <p:childTnLst>
+                        <p:par>
+                          <p:cTn id="9" fill="hold">
+                            <p:stCondLst>
+                              <p:cond delay="0"/>
+                            </p:stCondLst>
+                            <p:childTnLst>
+                              <p:par>
+                                <p:cTn id="10" presetID="22" presetClass="entr" presetSubtype="8" fill="hold" grpId="0" nodeType="clickEffect">
+                                  <p:stCondLst>
+                                    <p:cond delay="0"/>
+                                  </p:stCondLst>
+                                  <p:childTnLst>
+                                    <p:set>
+                                      <p:cBhvr>
+                                        <p:cTn id="11" dur="1" fill="hold">
+                                          <p:stCondLst>
+                                            <p:cond delay="0"/>
+                                          </p:stCondLst>
+                                        </p:cTn>
+                                        <p:tgtEl>
+                                          <p:spTgt spid="782342">
+                                            <p:txEl>
+                                              <p:pRg st="2" end="2"/>
+                                            </p:txEl>
+                                          </p:spTgt>
+                                        </p:tgtEl>
+                                        <p:attrNameLst>
+                                          <p:attrName>style.visibility</p:attrName>
+                                        </p:attrNameLst>
+                                      </p:cBhvr>
+                                      <p:to>
+                                        <p:strVal val="visible"/>
+                                      </p:to>
+                                    </p:set>
+                                    <p:animEffect transition="in" filter="wipe(left)">
+                                      <p:cBhvr>
+                                        <p:cTn id="12" dur="500"/>
+                                        <p:tgtEl>
+                                          <p:spTgt spid="782342">
+                                            <p:txEl>
+                                              <p:pRg st="2" end="2"/>
+                                            </p:txEl>
+                                          </p:spTgt>
+                                        </p:tgtEl>
+                                      </p:cBhvr>
+                                    </p:animEffect>
+                                  </p:childTnLst>
+                                </p:cTn>
+                              </p:par>
+                            </p:childTnLst>
+                          </p:cTn>
+                        </p:par>
+                      </p:childTnLst>
+                    </p:cTn>
+                  </p:par>
+                  <p:par>
+                    <p:cTn id="13" fill="hold">
+                      <p:stCondLst>
+                        <p:cond delay="indefinite"/>
+                      </p:stCondLst>
+                      <p:childTnLst>
+                        <p:par>
+                          <p:cTn id="14" fill="hold">
+                            <p:stCondLst>
+                              <p:cond delay="0"/>
+                            </p:stCondLst>
+                            <p:childTnLst>
+                              <p:par>
+                                <p:cTn id="15" presetID="22" presetClass="entr" presetSubtype="8" fill="hold" grpId="0" nodeType="clickEffect">
+                                  <p:stCondLst>
+                                    <p:cond delay="0"/>
+                                  </p:stCondLst>
+                                  <p:childTnLst>
+                                    <p:set>
+                                      <p:cBhvr>
+                                        <p:cTn id="16" dur="1" fill="hold">
+                                          <p:stCondLst>
+                                            <p:cond delay="0"/>
+                                          </p:stCondLst>
+                                        </p:cTn>
+                                        <p:tgtEl>
+                                          <p:spTgt spid="782342">
+                                            <p:txEl>
+                                              <p:pRg st="4" end="4"/>
+                                            </p:txEl>
+                                          </p:spTgt>
+                                        </p:tgtEl>
+                                        <p:attrNameLst>
+                                          <p:attrName>style.visibility</p:attrName>
+                                        </p:attrNameLst>
+                                      </p:cBhvr>
+                                      <p:to>
+                                        <p:strVal val="visible"/>
+                                      </p:to>
+                                    </p:set>
+                                    <p:animEffect transition="in" filter="wipe(left)">
+                                      <p:cBhvr>
+                                        <p:cTn id="17" dur="500"/>
+                                        <p:tgtEl>
+                                          <p:spTgt spid="782342">
+                                            <p:txEl>
+                                              <p:pRg st="4" end="4"/>
+                                            </p:txEl>
+                                          </p:spTgt>
+                                        </p:tgtEl>
+                                      </p:cBhvr>
+                                    </p:animEffect>
+                                  </p:childTnLst>
+                                </p:cTn>
+                              </p:par>
+                            </p:childTnLst>
+                          </p:cTn>
+                        </p:par>
+                      </p:childTnLst>
+                    </p:cTn>
+                  </p:par>
+                  <p:par>
+                    <p:cTn id="18" fill="hold">
+                      <p:stCondLst>
+                        <p:cond delay="indefinite"/>
+                      </p:stCondLst>
+                      <p:childTnLst>
+                        <p:par>
+                          <p:cTn id="19" fill="hold">
+                            <p:stCondLst>
+                              <p:cond delay="0"/>
+                            </p:stCondLst>
+                            <p:childTnLst>
+                              <p:par>
+                                <p:cTn id="20" presetID="22" presetClass="entr" presetSubtype="8" fill="hold" grpId="0" nodeType="clickEffect">
+                                  <p:stCondLst>
+                                    <p:cond delay="0"/>
+                                  </p:stCondLst>
+                                  <p:childTnLst>
+                                    <p:set>
+                                      <p:cBhvr>
+                                        <p:cTn id="21" dur="1" fill="hold">
+                                          <p:stCondLst>
+                                            <p:cond delay="0"/>
+                                          </p:stCondLst>
+                                        </p:cTn>
+                                        <p:tgtEl>
+                                          <p:spTgt spid="782342">
+                                            <p:txEl>
+                                              <p:pRg st="6" end="6"/>
+                                            </p:txEl>
+                                          </p:spTgt>
+                                        </p:tgtEl>
+                                        <p:attrNameLst>
+                                          <p:attrName>style.visibility</p:attrName>
+                                        </p:attrNameLst>
+                                      </p:cBhvr>
+                                      <p:to>
+                                        <p:strVal val="visible"/>
+                                      </p:to>
+                                    </p:set>
+                                    <p:animEffect transition="in" filter="wipe(left)">
+                                      <p:cBhvr>
+                                        <p:cTn id="22" dur="500"/>
+                                        <p:tgtEl>
+                                          <p:spTgt spid="782342">
+                                            <p:txEl>
+                                              <p:pRg st="6" end="6"/>
+                                            </p:txEl>
+                                          </p:spTgt>
+                                        </p:tgtEl>
+                                      </p:cBhvr>
+                                    </p:animEffect>
+                                  </p:childTnLst>
+                                </p:cTn>
+                              </p:par>
+                            </p:childTnLst>
+                          </p:cTn>
+                        </p:par>
+                      </p:childTnLst>
+                    </p:cTn>
+                  </p:par>
+                  <p:par>
+                    <p:cTn id="23" fill="hold">
+                      <p:stCondLst>
+                        <p:cond delay="indefinite"/>
+                      </p:stCondLst>
+                      <p:childTnLst>
+                        <p:par>
+                          <p:cTn id="24" fill="hold">
+                            <p:stCondLst>
+                              <p:cond delay="0"/>
+                            </p:stCondLst>
+                            <p:childTnLst>
+                              <p:par>
+                                <p:cTn id="25" presetID="22" presetClass="entr" presetSubtype="8" fill="hold" grpId="0" nodeType="clickEffect">
+                                  <p:stCondLst>
+                                    <p:cond delay="0"/>
+                                  </p:stCondLst>
+                                  <p:childTnLst>
+                                    <p:set>
+                                      <p:cBhvr>
+                                        <p:cTn id="26" dur="1" fill="hold">
+                                          <p:stCondLst>
+                                            <p:cond delay="0"/>
+                                          </p:stCondLst>
+                                        </p:cTn>
+                                        <p:tgtEl>
+                                          <p:spTgt spid="782342">
+                                            <p:txEl>
+                                              <p:pRg st="8" end="8"/>
+                                            </p:txEl>
+                                          </p:spTgt>
+                                        </p:tgtEl>
+                                        <p:attrNameLst>
+                                          <p:attrName>style.visibility</p:attrName>
+                                        </p:attrNameLst>
+                                      </p:cBhvr>
+                                      <p:to>
+                                        <p:strVal val="visible"/>
+                                      </p:to>
+                                    </p:set>
+                                    <p:animEffect transition="in" filter="wipe(left)">
+                                      <p:cBhvr>
+                                        <p:cTn id="27" dur="500"/>
+                                        <p:tgtEl>
+                                          <p:spTgt spid="782342">
+                                            <p:txEl>
+                                              <p:pRg st="8" end="8"/>
+                                            </p:txEl>
+                                          </p:spTgt>
+                                        </p:tgtEl>
+                                      </p:cBhvr>
+                                    </p:animEffect>
+                                  </p:childTnLst>
+                                </p:cTn>
+                              </p:par>
+                            </p:childTnLst>
+                          </p:cTn>
+                        </p:par>
+                      </p:childTnLst>
+                    </p:cTn>
+                  </p:par>
+                </p:childTnLst>
+              </p:cTn>
+              <p:prevCondLst>
+                <p:cond evt="onPrev" delay="0">
+                  <p:tgtEl>
+                    <p:sldTgt/>
+                  </p:tgtEl>
+                </p:cond>
+              </p:prevCondLst>
+              <p:nextCondLst>
+                <p:cond evt="onNext" delay="0">
+                  <p:tgtEl>
+                    <p:sldTgt/>
+                  </p:tgtEl>
+                </p:cond>
+              </p:nextCondLst>
+            </p:seq>
+          </p:childTnLst>
+        </p:cTn>
+      </p:par>
+    </p:tnLst>
+    <p:bldLst>
+      <p:bldP spid="782342" grpId="0" build="p"/>
+    </p:bldLst>
+  </p:timing>
+</p:sld>
+</file>
+
+<file path=ppt/slides/slide31.xml><?xml version="1.0" encoding="utf-8"?>
 <p:sld xmlns:a="http://schemas.openxmlformats.org/drawingml/2006/main" xmlns:r="http://schemas.openxmlformats.org/officeDocument/2006/relationships" xmlns:p="http://schemas.openxmlformats.org/presentationml/2006/main" show="0">
   <p:cSld>
     <p:spTree>
@@ -17513,7 +19167,7 @@
         </p:nvSpPr>
         <p:spPr bwMode="auto">
           <a:xfrm>
-            <a:off x="76200" y="1143000"/>
+            <a:off x="76200" y="1190685"/>
             <a:ext cx="8915400" cy="4524315"/>
           </a:xfrm>
           <a:prstGeom prst="rect">
@@ -17714,7 +19368,7 @@
                 <a:latin typeface="Comic Sans MS" pitchFamily="8" charset="0"/>
               </a:rPr>
               <a:pPr/>
-              <a:t>29</a:t>
+              <a:t>31</a:t>
             </a:fld>
             <a:endParaRPr lang="en-US" sz="1200" dirty="0" smtClean="0">
               <a:latin typeface="Comic Sans MS" pitchFamily="8" charset="0"/>
@@ -18438,878 +20092,7 @@
 </p:sld>
 </file>
 
-<file path=ppt/slides/slide3.xml><?xml version="1.0" encoding="utf-8"?>
-<p:sld xmlns:a="http://schemas.openxmlformats.org/drawingml/2006/main" xmlns:r="http://schemas.openxmlformats.org/officeDocument/2006/relationships" xmlns:p="http://schemas.openxmlformats.org/presentationml/2006/main">
-  <p:cSld>
-    <p:spTree>
-      <p:nvGrpSpPr>
-        <p:cNvPr id="1" name=""/>
-        <p:cNvGrpSpPr/>
-        <p:nvPr/>
-      </p:nvGrpSpPr>
-      <p:grpSpPr>
-        <a:xfrm>
-          <a:off x="0" y="0"/>
-          <a:ext cx="0" cy="0"/>
-          <a:chOff x="0" y="0"/>
-          <a:chExt cx="0" cy="0"/>
-        </a:xfrm>
-      </p:grpSpPr>
-      <p:sp>
-        <p:nvSpPr>
-          <p:cNvPr id="22530" name="Rectangle 2"/>
-          <p:cNvSpPr>
-            <a:spLocks noGrp="1" noChangeArrowheads="1"/>
-          </p:cNvSpPr>
-          <p:nvPr>
-            <p:ph type="title"/>
-          </p:nvPr>
-        </p:nvSpPr>
-        <p:spPr/>
-        <p:txBody>
-          <a:bodyPr/>
-          <a:lstStyle/>
-          <a:p>
-            <a:pPr eaLnBrk="1" hangingPunct="1"/>
-            <a:r>
-              <a:rPr lang="en-US" sz="4400" dirty="0" smtClean="0">
-                <a:solidFill>
-                  <a:schemeClr val="tx1"/>
-                </a:solidFill>
-                <a:sym typeface="Euclid Symbol" pitchFamily="18" charset="2"/>
-              </a:rPr>
-              <a:t>The Division Theorem</a:t>
-            </a:r>
-          </a:p>
-        </p:txBody>
-      </p:sp>
-      <p:sp>
-        <p:nvSpPr>
-          <p:cNvPr id="727043" name="Rectangle 3"/>
-          <p:cNvSpPr>
-            <a:spLocks noGrp="1" noChangeArrowheads="1"/>
-          </p:cNvSpPr>
-          <p:nvPr>
-            <p:ph type="body" idx="1"/>
-          </p:nvPr>
-        </p:nvSpPr>
-        <p:spPr>
-          <a:xfrm>
-            <a:off x="165100" y="914400"/>
-            <a:ext cx="8826500" cy="5257800"/>
-          </a:xfrm>
-        </p:spPr>
-        <p:txBody>
-          <a:bodyPr/>
-          <a:lstStyle/>
-          <a:p>
-            <a:pPr marL="0" indent="0" eaLnBrk="1" hangingPunct="1"/>
-            <a:r>
-              <a:rPr lang="en-US" sz="4400" dirty="0" smtClean="0">
-                <a:sym typeface="Euclid Symbol" pitchFamily="18" charset="2"/>
-              </a:rPr>
-              <a:t>    For </a:t>
-            </a:r>
-            <a:r>
-              <a:rPr lang="en-US" sz="4400" dirty="0" smtClean="0">
-                <a:solidFill>
-                  <a:srgbClr val="0000CC"/>
-                </a:solidFill>
-                <a:sym typeface="Euclid Symbol" pitchFamily="18" charset="2"/>
-              </a:rPr>
-              <a:t>b</a:t>
-            </a:r>
-            <a:r>
-              <a:rPr lang="en-US" sz="4400" i="1" dirty="0" smtClean="0">
-                <a:sym typeface="Euclid Symbol" pitchFamily="18" charset="2"/>
-              </a:rPr>
-              <a:t> </a:t>
-            </a:r>
-            <a:r>
-              <a:rPr lang="en-US" sz="4400" dirty="0" smtClean="0">
-                <a:sym typeface="Euclid Symbol" pitchFamily="18" charset="2"/>
-              </a:rPr>
-              <a:t>&gt; 0 and any </a:t>
-            </a:r>
-            <a:r>
-              <a:rPr lang="en-US" sz="4400" dirty="0" smtClean="0">
-                <a:solidFill>
-                  <a:srgbClr val="0000CC"/>
-                </a:solidFill>
-                <a:sym typeface="Euclid Symbol" pitchFamily="18" charset="2"/>
-              </a:rPr>
-              <a:t>a</a:t>
-            </a:r>
-            <a:r>
-              <a:rPr lang="en-US" sz="4400" dirty="0" smtClean="0">
-                <a:sym typeface="Euclid Symbol" pitchFamily="18" charset="2"/>
-              </a:rPr>
-              <a:t>, have</a:t>
-            </a:r>
-          </a:p>
-          <a:p>
-            <a:pPr marL="0" indent="0" eaLnBrk="1" hangingPunct="1"/>
-            <a:r>
-              <a:rPr lang="en-US" sz="4400" dirty="0" smtClean="0">
-                <a:sym typeface="Euclid Symbol" pitchFamily="18" charset="2"/>
-              </a:rPr>
-              <a:t>        </a:t>
-            </a:r>
-            <a:r>
-              <a:rPr lang="en-US" sz="4400" dirty="0" err="1" smtClean="0">
-                <a:solidFill>
-                  <a:schemeClr val="accent1">
-                    <a:lumMod val="50000"/>
-                  </a:schemeClr>
-                </a:solidFill>
-                <a:sym typeface="Euclid Symbol" pitchFamily="18" charset="2"/>
-              </a:rPr>
-              <a:t>q</a:t>
-            </a:r>
-            <a:r>
-              <a:rPr lang="en-US" sz="4400" dirty="0" smtClean="0">
-                <a:sym typeface="Euclid Symbol" pitchFamily="18" charset="2"/>
-              </a:rPr>
-              <a:t> = </a:t>
-            </a:r>
-            <a:r>
-              <a:rPr lang="en-US" sz="4400" dirty="0" err="1" smtClean="0">
-                <a:sym typeface="Euclid Symbol" pitchFamily="18" charset="2"/>
-              </a:rPr>
-              <a:t>quotient(</a:t>
-            </a:r>
-            <a:r>
-              <a:rPr lang="en-US" sz="4400" dirty="0" err="1" smtClean="0">
-                <a:solidFill>
-                  <a:srgbClr val="0000CC"/>
-                </a:solidFill>
-                <a:sym typeface="Euclid Symbol" pitchFamily="18" charset="2"/>
-              </a:rPr>
-              <a:t>a</a:t>
-            </a:r>
-            <a:r>
-              <a:rPr lang="en-US" sz="4400" dirty="0" err="1" smtClean="0">
-                <a:sym typeface="Euclid Symbol" pitchFamily="18" charset="2"/>
-              </a:rPr>
-              <a:t>,</a:t>
-            </a:r>
-            <a:r>
-              <a:rPr lang="en-US" sz="4400" dirty="0" err="1" smtClean="0">
-                <a:solidFill>
-                  <a:srgbClr val="0000CC"/>
-                </a:solidFill>
-                <a:sym typeface="Euclid Symbol" pitchFamily="18" charset="2"/>
-              </a:rPr>
-              <a:t>b</a:t>
-            </a:r>
-            <a:r>
-              <a:rPr lang="en-US" sz="4400" dirty="0" smtClean="0">
-                <a:sym typeface="Euclid Symbol" pitchFamily="18" charset="2"/>
-              </a:rPr>
-              <a:t>)</a:t>
-            </a:r>
-          </a:p>
-          <a:p>
-            <a:pPr marL="0" indent="0" eaLnBrk="1" hangingPunct="1"/>
-            <a:r>
-              <a:rPr lang="en-US" sz="4400" dirty="0" smtClean="0">
-                <a:sym typeface="Euclid Symbol" pitchFamily="18" charset="2"/>
-              </a:rPr>
-              <a:t>        </a:t>
-            </a:r>
-            <a:r>
-              <a:rPr lang="en-US" sz="4400" dirty="0" err="1" smtClean="0">
-                <a:solidFill>
-                  <a:srgbClr val="0000E5"/>
-                </a:solidFill>
-                <a:sym typeface="Euclid Symbol" pitchFamily="18" charset="2"/>
-              </a:rPr>
-              <a:t>r</a:t>
-            </a:r>
-            <a:r>
-              <a:rPr lang="en-US" sz="4400" dirty="0" smtClean="0">
-                <a:sym typeface="Euclid Symbol" pitchFamily="18" charset="2"/>
-              </a:rPr>
-              <a:t> = </a:t>
-            </a:r>
-            <a:r>
-              <a:rPr lang="en-US" sz="4400" dirty="0" err="1" smtClean="0">
-                <a:sym typeface="Euclid Symbol" pitchFamily="18" charset="2"/>
-              </a:rPr>
-              <a:t>remainder(</a:t>
-            </a:r>
-            <a:r>
-              <a:rPr lang="en-US" sz="4400" dirty="0" err="1" smtClean="0">
-                <a:solidFill>
-                  <a:srgbClr val="0000CC"/>
-                </a:solidFill>
-                <a:sym typeface="Euclid Symbol" pitchFamily="18" charset="2"/>
-              </a:rPr>
-              <a:t>a</a:t>
-            </a:r>
-            <a:r>
-              <a:rPr lang="en-US" sz="4400" dirty="0" err="1" smtClean="0">
-                <a:sym typeface="Euclid Symbol" pitchFamily="18" charset="2"/>
-              </a:rPr>
-              <a:t>,</a:t>
-            </a:r>
-            <a:r>
-              <a:rPr lang="en-US" sz="4400" dirty="0" err="1" smtClean="0">
-                <a:solidFill>
-                  <a:srgbClr val="0000CC"/>
-                </a:solidFill>
-                <a:sym typeface="Euclid Symbol" pitchFamily="18" charset="2"/>
-              </a:rPr>
-              <a:t>b</a:t>
-            </a:r>
-            <a:r>
-              <a:rPr lang="en-US" sz="4400" dirty="0" smtClean="0">
-                <a:sym typeface="Euclid Symbol" pitchFamily="18" charset="2"/>
-              </a:rPr>
-              <a:t>)</a:t>
-            </a:r>
-            <a:endParaRPr lang="en-US" sz="4400" i="1" dirty="0" smtClean="0">
-              <a:sym typeface="Euclid Symbol" pitchFamily="18" charset="2"/>
-            </a:endParaRPr>
-          </a:p>
-          <a:p>
-            <a:pPr marL="0" indent="0" eaLnBrk="1" hangingPunct="1"/>
-            <a:r>
-              <a:rPr lang="en-US" sz="4400" dirty="0" smtClean="0">
-                <a:sym typeface="Euclid Symbol" pitchFamily="18" charset="2"/>
-              </a:rPr>
-              <a:t> </a:t>
-            </a:r>
-            <a:r>
-              <a:rPr lang="en-US" sz="4400" b="1" dirty="0" smtClean="0">
-                <a:latin typeface="Euclid Symbol" charset="2"/>
-                <a:cs typeface="Euclid Symbol" charset="2"/>
-                <a:sym typeface="Euclid Symbol" pitchFamily="18" charset="2"/>
-              </a:rPr>
-              <a:t>∃ </a:t>
-            </a:r>
-            <a:r>
-              <a:rPr lang="en-US" sz="4400" dirty="0" smtClean="0">
-                <a:solidFill>
-                  <a:srgbClr val="008000"/>
-                </a:solidFill>
-                <a:sym typeface="Euclid Symbol" pitchFamily="18" charset="2"/>
-              </a:rPr>
-              <a:t>unique</a:t>
-            </a:r>
-            <a:r>
-              <a:rPr lang="en-US" sz="4400" dirty="0" smtClean="0">
-                <a:sym typeface="Euclid Symbol" pitchFamily="18" charset="2"/>
-              </a:rPr>
-              <a:t> numbers </a:t>
-            </a:r>
-            <a:r>
-              <a:rPr lang="en-US" sz="4400" dirty="0" smtClean="0">
-                <a:solidFill>
-                  <a:srgbClr val="0000CC"/>
-                </a:solidFill>
-                <a:sym typeface="Euclid Symbol" pitchFamily="18" charset="2"/>
-              </a:rPr>
-              <a:t>q</a:t>
-            </a:r>
-            <a:r>
-              <a:rPr lang="en-US" sz="4400" dirty="0" smtClean="0">
-                <a:sym typeface="Euclid Symbol" pitchFamily="18" charset="2"/>
-              </a:rPr>
-              <a:t>,</a:t>
-            </a:r>
-            <a:r>
-              <a:rPr lang="en-US" sz="4400" dirty="0" smtClean="0">
-                <a:solidFill>
-                  <a:srgbClr val="0000CC"/>
-                </a:solidFill>
-                <a:sym typeface="Euclid Symbol" pitchFamily="18" charset="2"/>
-              </a:rPr>
-              <a:t> r</a:t>
-            </a:r>
-            <a:r>
-              <a:rPr lang="en-US" sz="4400" dirty="0" smtClean="0">
-                <a:sym typeface="Euclid Symbol" pitchFamily="18" charset="2"/>
-              </a:rPr>
-              <a:t> such that</a:t>
-            </a:r>
-          </a:p>
-          <a:p>
-            <a:pPr marL="0" indent="0" algn="ctr" eaLnBrk="1" hangingPunct="1">
-              <a:spcAft>
-                <a:spcPts val="600"/>
-              </a:spcAft>
-              <a:buFontTx/>
-              <a:buNone/>
-            </a:pPr>
-            <a:r>
-              <a:rPr lang="en-US" sz="4400" dirty="0" smtClean="0">
-                <a:solidFill>
-                  <a:srgbClr val="0000CC"/>
-                </a:solidFill>
-                <a:sym typeface="Euclid Symbol" pitchFamily="18" charset="2"/>
-              </a:rPr>
-              <a:t>a</a:t>
-            </a:r>
-            <a:r>
-              <a:rPr lang="en-US" sz="4400" dirty="0" smtClean="0">
-                <a:sym typeface="Euclid Symbol" pitchFamily="18" charset="2"/>
-              </a:rPr>
-              <a:t> = </a:t>
-            </a:r>
-            <a:r>
-              <a:rPr lang="en-US" sz="4400" dirty="0" err="1" smtClean="0">
-                <a:solidFill>
-                  <a:srgbClr val="0000CC"/>
-                </a:solidFill>
-                <a:sym typeface="Euclid Symbol" pitchFamily="18" charset="2"/>
-              </a:rPr>
-              <a:t>qb</a:t>
-            </a:r>
-            <a:r>
-              <a:rPr lang="en-US" sz="4400" dirty="0" smtClean="0">
-                <a:sym typeface="Euclid Symbol" pitchFamily="18" charset="2"/>
-              </a:rPr>
-              <a:t> </a:t>
-            </a:r>
-            <a:r>
-              <a:rPr lang="en-US" sz="4400" dirty="0" smtClean="0">
-                <a:solidFill>
-                  <a:srgbClr val="0000CC"/>
-                </a:solidFill>
-                <a:sym typeface="Euclid Symbol" pitchFamily="18" charset="2"/>
-              </a:rPr>
-              <a:t>+ r </a:t>
-            </a:r>
-            <a:r>
-              <a:rPr lang="en-US" sz="4400" dirty="0" smtClean="0">
-                <a:sym typeface="Euclid Symbol" pitchFamily="18" charset="2"/>
-              </a:rPr>
-              <a:t>  and   0 </a:t>
-            </a:r>
-            <a:r>
-              <a:rPr lang="en-US" sz="4400" b="1" dirty="0" smtClean="0">
-                <a:latin typeface="Euclid Symbol" charset="2"/>
-                <a:cs typeface="Euclid Symbol" charset="2"/>
-                <a:sym typeface="Euclid Symbol" pitchFamily="18" charset="2"/>
-              </a:rPr>
-              <a:t>≤</a:t>
-            </a:r>
-            <a:r>
-              <a:rPr lang="en-US" sz="4400" dirty="0" smtClean="0">
-                <a:sym typeface="Euclid Symbol" pitchFamily="18" charset="2"/>
-              </a:rPr>
-              <a:t> </a:t>
-            </a:r>
-            <a:r>
-              <a:rPr lang="en-US" sz="4400" dirty="0" smtClean="0">
-                <a:solidFill>
-                  <a:srgbClr val="0000CC"/>
-                </a:solidFill>
-                <a:sym typeface="Euclid Symbol" pitchFamily="18" charset="2"/>
-              </a:rPr>
-              <a:t>r</a:t>
-            </a:r>
-            <a:r>
-              <a:rPr lang="en-US" sz="4400" dirty="0" smtClean="0">
-                <a:sym typeface="Euclid Symbol" pitchFamily="18" charset="2"/>
-              </a:rPr>
-              <a:t> </a:t>
-            </a:r>
-            <a:r>
-              <a:rPr lang="en-US" sz="4800" b="1" dirty="0" smtClean="0">
-                <a:latin typeface="Times New Roman" pitchFamily="8" charset="0"/>
-                <a:sym typeface="Euclid Symbol" pitchFamily="18" charset="2"/>
-              </a:rPr>
-              <a:t>&lt;</a:t>
-            </a:r>
-            <a:r>
-              <a:rPr lang="en-US" sz="4800" dirty="0" smtClean="0">
-                <a:latin typeface="Times New Roman" pitchFamily="8" charset="0"/>
-                <a:sym typeface="Euclid Symbol" pitchFamily="18" charset="2"/>
-              </a:rPr>
-              <a:t> </a:t>
-            </a:r>
-            <a:r>
-              <a:rPr lang="en-US" sz="4400" dirty="0" smtClean="0">
-                <a:solidFill>
-                  <a:srgbClr val="0000CC"/>
-                </a:solidFill>
-                <a:sym typeface="Euclid Symbol" pitchFamily="18" charset="2"/>
-              </a:rPr>
-              <a:t>b</a:t>
-            </a:r>
-            <a:r>
-              <a:rPr lang="en-US" sz="4400" dirty="0" smtClean="0">
-                <a:sym typeface="Euclid Symbol" pitchFamily="18" charset="2"/>
-              </a:rPr>
-              <a:t>.</a:t>
-            </a:r>
-          </a:p>
-          <a:p>
-            <a:pPr marL="0" indent="0" algn="ctr" eaLnBrk="1" hangingPunct="1">
-              <a:spcAft>
-                <a:spcPts val="1800"/>
-              </a:spcAft>
-              <a:buFontTx/>
-              <a:buNone/>
-            </a:pPr>
-            <a:r>
-              <a:rPr lang="en-US" sz="4800" dirty="0" smtClean="0">
-                <a:sym typeface="Euclid Symbol" pitchFamily="18" charset="2"/>
-              </a:rPr>
-              <a:t>Take this for granted too!</a:t>
-            </a:r>
-            <a:endParaRPr lang="en-US" sz="4400" i="1" dirty="0" smtClean="0">
-              <a:sym typeface="Euclid Symbol" pitchFamily="18" charset="2"/>
-            </a:endParaRPr>
-          </a:p>
-        </p:txBody>
-      </p:sp>
-      <p:sp>
-        <p:nvSpPr>
-          <p:cNvPr id="22532" name="Slide Number Placeholder 3"/>
-          <p:cNvSpPr>
-            <a:spLocks noGrp="1"/>
-          </p:cNvSpPr>
-          <p:nvPr>
-            <p:ph type="sldNum" sz="quarter" idx="10"/>
-          </p:nvPr>
-        </p:nvSpPr>
-        <p:spPr>
-          <a:noFill/>
-        </p:spPr>
-        <p:txBody>
-          <a:bodyPr/>
-          <a:lstStyle/>
-          <a:p>
-            <a:r>
-              <a:rPr lang="en-US" dirty="0" err="1" smtClean="0">
-                <a:latin typeface="Comic Sans MS" pitchFamily="8" charset="0"/>
-              </a:rPr>
-              <a:t>lec</a:t>
-            </a:r>
-            <a:r>
-              <a:rPr lang="en-US" dirty="0" smtClean="0">
-                <a:latin typeface="Comic Sans MS" pitchFamily="8" charset="0"/>
-              </a:rPr>
-              <a:t> 5M.</a:t>
-            </a:r>
-            <a:fld id="{77F314C4-F408-4600-BE33-C23BCB2C0942}" type="slidenum">
-              <a:rPr lang="en-US" sz="1200" smtClean="0">
-                <a:latin typeface="Comic Sans MS" pitchFamily="8" charset="0"/>
-              </a:rPr>
-              <a:pPr/>
-              <a:t>3</a:t>
-            </a:fld>
-            <a:endParaRPr lang="en-US" sz="1200" dirty="0" smtClean="0">
-              <a:latin typeface="Comic Sans MS" pitchFamily="8" charset="0"/>
-            </a:endParaRPr>
-          </a:p>
-        </p:txBody>
-      </p:sp>
-      <p:sp>
-        <p:nvSpPr>
-          <p:cNvPr id="5" name="Rounded Rectangle 4"/>
-          <p:cNvSpPr/>
-          <p:nvPr/>
-        </p:nvSpPr>
-        <p:spPr bwMode="auto">
-          <a:xfrm>
-            <a:off x="228600" y="3352800"/>
-            <a:ext cx="8534400" cy="1752600"/>
-          </a:xfrm>
-          <a:prstGeom prst="roundRect">
-            <a:avLst/>
-          </a:prstGeom>
-          <a:noFill/>
-          <a:ln w="38100" cap="flat" cmpd="sng" algn="ctr">
-            <a:solidFill>
-              <a:srgbClr val="FF00FF"/>
-            </a:solidFill>
-            <a:prstDash val="dash"/>
-            <a:round/>
-            <a:headEnd type="none" w="med" len="med"/>
-            <a:tailEnd type="none" w="lg" len="lg"/>
-          </a:ln>
-          <a:effectLst/>
-        </p:spPr>
-        <p:txBody>
-          <a:bodyPr vert="horz" wrap="square" lIns="91440" tIns="45720" rIns="91440" bIns="45720" numCol="1" rtlCol="0" anchor="t" anchorCtr="0" compatLnSpc="1">
-            <a:prstTxWarp prst="textNoShape">
-              <a:avLst/>
-            </a:prstTxWarp>
-          </a:bodyPr>
-          <a:lstStyle/>
-          <a:p>
-            <a:pPr marL="0" marR="0" indent="0" algn="l" defTabSz="914400" rtl="0" eaLnBrk="1" fontAlgn="base" latinLnBrk="0" hangingPunct="1">
-              <a:lnSpc>
-                <a:spcPct val="100000"/>
-              </a:lnSpc>
-              <a:spcBef>
-                <a:spcPct val="0"/>
-              </a:spcBef>
-              <a:spcAft>
-                <a:spcPct val="0"/>
-              </a:spcAft>
-              <a:buClrTx/>
-              <a:buSzTx/>
-              <a:buFontTx/>
-              <a:buNone/>
-              <a:tabLst/>
-            </a:pPr>
-            <a:endParaRPr kumimoji="0" lang="en-US" sz="4000" b="0" i="0" u="none" strike="noStrike" cap="none" normalizeH="0" baseline="0" smtClean="0">
-              <a:ln>
-                <a:noFill/>
-              </a:ln>
-              <a:solidFill>
-                <a:schemeClr val="tx1"/>
-              </a:solidFill>
-              <a:effectLst/>
-              <a:latin typeface="Comic Sans MS" pitchFamily="66" charset="0"/>
-            </a:endParaRPr>
-          </a:p>
-        </p:txBody>
-      </p:sp>
-    </p:spTree>
-  </p:cSld>
-  <p:clrMapOvr>
-    <a:masterClrMapping/>
-  </p:clrMapOvr>
-  <p:transition xmlns:p14="http://schemas.microsoft.com/office/powerpoint/2010/main">
-    <p:fade thruBlk="1"/>
-  </p:transition>
-  <p:timing>
-    <p:tnLst>
-      <p:par>
-        <p:cTn xmlns:p14="http://schemas.microsoft.com/office/powerpoint/2010/main" id="1" dur="indefinite" restart="never" nodeType="tmRoot">
-          <p:childTnLst>
-            <p:seq concurrent="1" nextAc="seek">
-              <p:cTn id="2" dur="indefinite" nodeType="mainSeq">
-                <p:childTnLst>
-                  <p:par>
-                    <p:cTn id="3" fill="hold">
-                      <p:stCondLst>
-                        <p:cond delay="indefinite"/>
-                      </p:stCondLst>
-                      <p:childTnLst>
-                        <p:par>
-                          <p:cTn id="4" fill="hold">
-                            <p:stCondLst>
-                              <p:cond delay="0"/>
-                            </p:stCondLst>
-                            <p:childTnLst>
-                              <p:par>
-                                <p:cTn id="5" presetID="2" presetClass="entr" presetSubtype="1" fill="hold" grpId="0" nodeType="clickEffect">
-                                  <p:stCondLst>
-                                    <p:cond delay="0"/>
-                                  </p:stCondLst>
-                                  <p:childTnLst>
-                                    <p:set>
-                                      <p:cBhvr>
-                                        <p:cTn id="6" dur="1" fill="hold">
-                                          <p:stCondLst>
-                                            <p:cond delay="0"/>
-                                          </p:stCondLst>
-                                        </p:cTn>
-                                        <p:tgtEl>
-                                          <p:spTgt spid="22530"/>
-                                        </p:tgtEl>
-                                        <p:attrNameLst>
-                                          <p:attrName>style.visibility</p:attrName>
-                                        </p:attrNameLst>
-                                      </p:cBhvr>
-                                      <p:to>
-                                        <p:strVal val="visible"/>
-                                      </p:to>
-                                    </p:set>
-                                    <p:anim calcmode="lin" valueType="num">
-                                      <p:cBhvr additive="base">
-                                        <p:cTn id="7" dur="500" fill="hold"/>
-                                        <p:tgtEl>
-                                          <p:spTgt spid="22530"/>
-                                        </p:tgtEl>
-                                        <p:attrNameLst>
-                                          <p:attrName>ppt_x</p:attrName>
-                                        </p:attrNameLst>
-                                      </p:cBhvr>
-                                      <p:tavLst>
-                                        <p:tav tm="0">
-                                          <p:val>
-                                            <p:strVal val="#ppt_x"/>
-                                          </p:val>
-                                        </p:tav>
-                                        <p:tav tm="100000">
-                                          <p:val>
-                                            <p:strVal val="#ppt_x"/>
-                                          </p:val>
-                                        </p:tav>
-                                      </p:tavLst>
-                                    </p:anim>
-                                    <p:anim calcmode="lin" valueType="num">
-                                      <p:cBhvr additive="base">
-                                        <p:cTn id="8" dur="500" fill="hold"/>
-                                        <p:tgtEl>
-                                          <p:spTgt spid="22530"/>
-                                        </p:tgtEl>
-                                        <p:attrNameLst>
-                                          <p:attrName>ppt_y</p:attrName>
-                                        </p:attrNameLst>
-                                      </p:cBhvr>
-                                      <p:tavLst>
-                                        <p:tav tm="0">
-                                          <p:val>
-                                            <p:strVal val="0-#ppt_h/2"/>
-                                          </p:val>
-                                        </p:tav>
-                                        <p:tav tm="100000">
-                                          <p:val>
-                                            <p:strVal val="#ppt_y"/>
-                                          </p:val>
-                                        </p:tav>
-                                      </p:tavLst>
-                                    </p:anim>
-                                  </p:childTnLst>
-                                </p:cTn>
-                              </p:par>
-                            </p:childTnLst>
-                          </p:cTn>
-                        </p:par>
-                      </p:childTnLst>
-                    </p:cTn>
-                  </p:par>
-                  <p:par>
-                    <p:cTn id="9" fill="hold">
-                      <p:stCondLst>
-                        <p:cond delay="indefinite"/>
-                      </p:stCondLst>
-                      <p:childTnLst>
-                        <p:par>
-                          <p:cTn id="10" fill="hold">
-                            <p:stCondLst>
-                              <p:cond delay="0"/>
-                            </p:stCondLst>
-                            <p:childTnLst>
-                              <p:par>
-                                <p:cTn id="11" presetID="1" presetClass="entr" presetSubtype="0" fill="hold" grpId="0" nodeType="clickEffect">
-                                  <p:stCondLst>
-                                    <p:cond delay="0"/>
-                                  </p:stCondLst>
-                                  <p:childTnLst>
-                                    <p:set>
-                                      <p:cBhvr>
-                                        <p:cTn id="12" dur="1" fill="hold">
-                                          <p:stCondLst>
-                                            <p:cond delay="0"/>
-                                          </p:stCondLst>
-                                        </p:cTn>
-                                        <p:tgtEl>
-                                          <p:spTgt spid="5"/>
-                                        </p:tgtEl>
-                                        <p:attrNameLst>
-                                          <p:attrName>style.visibility</p:attrName>
-                                        </p:attrNameLst>
-                                      </p:cBhvr>
-                                      <p:to>
-                                        <p:strVal val="visible"/>
-                                      </p:to>
-                                    </p:set>
-                                  </p:childTnLst>
-                                </p:cTn>
-                              </p:par>
-                            </p:childTnLst>
-                          </p:cTn>
-                        </p:par>
-                        <p:par>
-                          <p:cTn id="13" fill="hold">
-                            <p:stCondLst>
-                              <p:cond delay="0"/>
-                            </p:stCondLst>
-                            <p:childTnLst>
-                              <p:par>
-                                <p:cTn id="14" presetID="10" presetClass="entr" presetSubtype="0" fill="hold" grpId="0" nodeType="afterEffect">
-                                  <p:stCondLst>
-                                    <p:cond delay="0"/>
-                                  </p:stCondLst>
-                                  <p:childTnLst>
-                                    <p:set>
-                                      <p:cBhvr>
-                                        <p:cTn id="15" dur="1" fill="hold">
-                                          <p:stCondLst>
-                                            <p:cond delay="0"/>
-                                          </p:stCondLst>
-                                        </p:cTn>
-                                        <p:tgtEl>
-                                          <p:spTgt spid="727043">
-                                            <p:txEl>
-                                              <p:pRg st="3" end="3"/>
-                                            </p:txEl>
-                                          </p:spTgt>
-                                        </p:tgtEl>
-                                        <p:attrNameLst>
-                                          <p:attrName>style.visibility</p:attrName>
-                                        </p:attrNameLst>
-                                      </p:cBhvr>
-                                      <p:to>
-                                        <p:strVal val="visible"/>
-                                      </p:to>
-                                    </p:set>
-                                    <p:animEffect transition="in" filter="fade">
-                                      <p:cBhvr>
-                                        <p:cTn id="16" dur="500"/>
-                                        <p:tgtEl>
-                                          <p:spTgt spid="727043">
-                                            <p:txEl>
-                                              <p:pRg st="3" end="3"/>
-                                            </p:txEl>
-                                          </p:spTgt>
-                                        </p:tgtEl>
-                                      </p:cBhvr>
-                                    </p:animEffect>
-                                  </p:childTnLst>
-                                </p:cTn>
-                              </p:par>
-                              <p:par>
-                                <p:cTn id="17" presetID="10" presetClass="entr" presetSubtype="0" fill="hold" grpId="0" nodeType="withEffect">
-                                  <p:stCondLst>
-                                    <p:cond delay="0"/>
-                                  </p:stCondLst>
-                                  <p:childTnLst>
-                                    <p:set>
-                                      <p:cBhvr>
-                                        <p:cTn id="18" dur="1" fill="hold">
-                                          <p:stCondLst>
-                                            <p:cond delay="0"/>
-                                          </p:stCondLst>
-                                        </p:cTn>
-                                        <p:tgtEl>
-                                          <p:spTgt spid="727043">
-                                            <p:txEl>
-                                              <p:pRg st="4" end="4"/>
-                                            </p:txEl>
-                                          </p:spTgt>
-                                        </p:tgtEl>
-                                        <p:attrNameLst>
-                                          <p:attrName>style.visibility</p:attrName>
-                                        </p:attrNameLst>
-                                      </p:cBhvr>
-                                      <p:to>
-                                        <p:strVal val="visible"/>
-                                      </p:to>
-                                    </p:set>
-                                    <p:animEffect transition="in" filter="fade">
-                                      <p:cBhvr>
-                                        <p:cTn id="19" dur="500"/>
-                                        <p:tgtEl>
-                                          <p:spTgt spid="727043">
-                                            <p:txEl>
-                                              <p:pRg st="4" end="4"/>
-                                            </p:txEl>
-                                          </p:spTgt>
-                                        </p:tgtEl>
-                                      </p:cBhvr>
-                                    </p:animEffect>
-                                  </p:childTnLst>
-                                </p:cTn>
-                              </p:par>
-                            </p:childTnLst>
-                          </p:cTn>
-                        </p:par>
-                      </p:childTnLst>
-                    </p:cTn>
-                  </p:par>
-                  <p:par>
-                    <p:cTn id="20" fill="hold">
-                      <p:stCondLst>
-                        <p:cond delay="indefinite"/>
-                      </p:stCondLst>
-                      <p:childTnLst>
-                        <p:par>
-                          <p:cTn id="21" fill="hold">
-                            <p:stCondLst>
-                              <p:cond delay="0"/>
-                            </p:stCondLst>
-                            <p:childTnLst>
-                              <p:par>
-                                <p:cTn id="22" presetID="10" presetClass="entr" presetSubtype="0" fill="hold" grpId="0" nodeType="clickEffect">
-                                  <p:stCondLst>
-                                    <p:cond delay="0"/>
-                                  </p:stCondLst>
-                                  <p:childTnLst>
-                                    <p:set>
-                                      <p:cBhvr>
-                                        <p:cTn id="23" dur="1" fill="hold">
-                                          <p:stCondLst>
-                                            <p:cond delay="0"/>
-                                          </p:stCondLst>
-                                        </p:cTn>
-                                        <p:tgtEl>
-                                          <p:spTgt spid="727043">
-                                            <p:txEl>
-                                              <p:pRg st="5" end="5"/>
-                                            </p:txEl>
-                                          </p:spTgt>
-                                        </p:tgtEl>
-                                        <p:attrNameLst>
-                                          <p:attrName>style.visibility</p:attrName>
-                                        </p:attrNameLst>
-                                      </p:cBhvr>
-                                      <p:to>
-                                        <p:strVal val="visible"/>
-                                      </p:to>
-                                    </p:set>
-                                    <p:animEffect transition="in" filter="fade">
-                                      <p:cBhvr>
-                                        <p:cTn id="24" dur="500"/>
-                                        <p:tgtEl>
-                                          <p:spTgt spid="727043">
-                                            <p:txEl>
-                                              <p:pRg st="5" end="5"/>
-                                            </p:txEl>
-                                          </p:spTgt>
-                                        </p:tgtEl>
-                                      </p:cBhvr>
-                                    </p:animEffect>
-                                  </p:childTnLst>
-                                </p:cTn>
-                              </p:par>
-                            </p:childTnLst>
-                          </p:cTn>
-                        </p:par>
-                      </p:childTnLst>
-                    </p:cTn>
-                  </p:par>
-                </p:childTnLst>
-              </p:cTn>
-              <p:prevCondLst>
-                <p:cond evt="onPrev" delay="0">
-                  <p:tgtEl>
-                    <p:sldTgt/>
-                  </p:tgtEl>
-                </p:cond>
-              </p:prevCondLst>
-              <p:nextCondLst>
-                <p:cond evt="onNext" delay="0">
-                  <p:tgtEl>
-                    <p:sldTgt/>
-                  </p:tgtEl>
-                </p:cond>
-              </p:nextCondLst>
-            </p:seq>
-          </p:childTnLst>
-        </p:cTn>
-      </p:par>
-    </p:tnLst>
-    <p:bldLst>
-      <p:bldP spid="22530" grpId="0"/>
-      <p:bldP spid="727043" grpId="0" build="p"/>
-      <p:bldP spid="5" grpId="0" animBg="1"/>
-    </p:bldLst>
-  </p:timing>
-</p:sld>
-</file>
-
-<file path=ppt/slides/slide30.xml><?xml version="1.0" encoding="utf-8"?>
+<file path=ppt/slides/slide32.xml><?xml version="1.0" encoding="utf-8"?>
 <p:sld xmlns:a="http://schemas.openxmlformats.org/drawingml/2006/main" xmlns:r="http://schemas.openxmlformats.org/officeDocument/2006/relationships" xmlns:p="http://schemas.openxmlformats.org/presentationml/2006/main">
   <p:cSld>
     <p:spTree>
@@ -19337,7 +20120,7 @@
         <p:spPr bwMode="auto">
           <a:xfrm>
             <a:off x="152400" y="1166842"/>
-            <a:ext cx="8915400" cy="4524315"/>
+            <a:ext cx="8915400" cy="4585871"/>
           </a:xfrm>
           <a:prstGeom prst="rect">
             <a:avLst/>
@@ -19357,162 +20140,106 @@
           <a:lstStyle/>
           <a:p>
             <a:r>
+              <a:rPr lang="en-US" sz="3600" dirty="0"/>
+              <a:t>Example: </a:t>
+            </a:r>
+            <a:r>
+              <a:rPr lang="en-US" sz="3600" dirty="0">
+                <a:solidFill>
+                  <a:srgbClr val="0000CC"/>
+                </a:solidFill>
+              </a:rPr>
+              <a:t>a</a:t>
+            </a:r>
+            <a:r>
+              <a:rPr lang="en-US" sz="3600" dirty="0"/>
+              <a:t> = 899, </a:t>
+            </a:r>
+            <a:r>
+              <a:rPr lang="en-US" sz="3600" dirty="0">
+                <a:solidFill>
+                  <a:srgbClr val="0000CC"/>
+                </a:solidFill>
+              </a:rPr>
+              <a:t>b</a:t>
+            </a:r>
+            <a:r>
+              <a:rPr lang="en-US" sz="3600" dirty="0"/>
+              <a:t>=493</a:t>
+            </a:r>
+          </a:p>
+          <a:p>
+            <a:r>
               <a:rPr lang="en-US" sz="3200" dirty="0"/>
-              <a:t>Example: </a:t>
-            </a:r>
-            <a:r>
-              <a:rPr lang="en-US" sz="3200" dirty="0">
-                <a:solidFill>
-                  <a:srgbClr val="0000CC"/>
-                </a:solidFill>
-              </a:rPr>
-              <a:t>a</a:t>
-            </a:r>
+              <a:t>899 = 1·493 + </a:t>
+            </a:r>
+            <a:r>
+              <a:rPr lang="en-US" sz="3200" dirty="0" smtClean="0"/>
+              <a:t>406</a:t>
+            </a:r>
+            <a:endParaRPr lang="en-US" sz="3200" dirty="0"/>
+          </a:p>
+          <a:p>
             <a:r>
               <a:rPr lang="en-US" sz="3200" dirty="0"/>
-              <a:t> = 899, </a:t>
-            </a:r>
-            <a:r>
-              <a:rPr lang="en-US" sz="3200" dirty="0">
-                <a:solidFill>
-                  <a:srgbClr val="0000CC"/>
-                </a:solidFill>
-              </a:rPr>
-              <a:t>b</a:t>
-            </a:r>
+              <a:t>493 = 1·406 + </a:t>
+            </a:r>
+            <a:r>
+              <a:rPr lang="en-US" sz="3200" dirty="0" smtClean="0"/>
+              <a:t>87</a:t>
+            </a:r>
+            <a:endParaRPr lang="en-US" sz="2400" dirty="0"/>
+          </a:p>
+          <a:p>
             <a:r>
               <a:rPr lang="en-US" sz="3200" dirty="0"/>
-              <a:t>=493</a:t>
+              <a:t>                           </a:t>
             </a:r>
           </a:p>
           <a:p>
             <a:r>
               <a:rPr lang="en-US" sz="3200" dirty="0"/>
-              <a:t>899 = 1·493 + 406    </a:t>
+              <a:t>406 = 4·87 + </a:t>
             </a:r>
             <a:r>
               <a:rPr lang="en-US" sz="3200" dirty="0" smtClean="0"/>
-              <a:t>  so </a:t>
-            </a:r>
+              <a:t>58</a:t>
+            </a:r>
+            <a:endParaRPr lang="en-US" sz="3200" dirty="0"/>
+          </a:p>
+          <a:p>
             <a:r>
               <a:rPr lang="en-US" sz="3200" dirty="0"/>
-              <a:t>406 = 1·899 + -1·493</a:t>
+              <a:t>                           </a:t>
             </a:r>
           </a:p>
           <a:p>
             <a:r>
               <a:rPr lang="en-US" sz="3200" dirty="0"/>
-              <a:t>493 = 1·406 + 87        so </a:t>
+              <a:t>87   = 1·58 + </a:t>
             </a:r>
             <a:r>
               <a:rPr lang="en-US" sz="3200" dirty="0" smtClean="0"/>
-              <a:t>  87 </a:t>
-            </a:r>
+              <a:t>29</a:t>
+            </a:r>
+            <a:endParaRPr lang="en-US" sz="3200" dirty="0"/>
+          </a:p>
+          <a:p>
             <a:r>
               <a:rPr lang="en-US" sz="3200" dirty="0"/>
-              <a:t>= 493 –</a:t>
-            </a:r>
-            <a:r>
-              <a:rPr lang="en-US" sz="2400" dirty="0"/>
-              <a:t> </a:t>
-            </a:r>
+              <a:t>                            </a:t>
+            </a:r>
+          </a:p>
+          <a:p>
             <a:r>
               <a:rPr lang="en-US" sz="3200" dirty="0"/>
-              <a:t>1·406</a:t>
-            </a:r>
-            <a:endParaRPr lang="en-US" sz="2400" dirty="0"/>
-          </a:p>
-          <a:p>
-            <a:r>
-              <a:rPr lang="en-US" sz="3200" dirty="0"/>
-              <a:t>                                        </a:t>
+              <a:t>58   = 2·29 + </a:t>
             </a:r>
             <a:r>
               <a:rPr lang="en-US" sz="3200" dirty="0" smtClean="0"/>
-              <a:t>     </a:t>
-            </a:r>
-            <a:r>
-              <a:rPr lang="en-US" sz="3200" dirty="0"/>
-              <a:t>= -1·899 + 2∙493</a:t>
-            </a:r>
-          </a:p>
-          <a:p>
-            <a:r>
-              <a:rPr lang="en-US" sz="3200" dirty="0"/>
-              <a:t>406 = 4·87 + 58         </a:t>
-            </a:r>
-            <a:r>
-              <a:rPr lang="en-US" sz="3200" dirty="0" smtClean="0"/>
-              <a:t>so   </a:t>
-            </a:r>
-            <a:r>
-              <a:rPr lang="en-US" sz="3200" dirty="0"/>
-              <a:t>58 = 406 - 4·87</a:t>
-            </a:r>
-          </a:p>
-          <a:p>
-            <a:r>
-              <a:rPr lang="en-US" sz="3200" dirty="0"/>
-              <a:t>                                        </a:t>
-            </a:r>
-            <a:r>
-              <a:rPr lang="en-US" sz="3200" dirty="0" smtClean="0"/>
-              <a:t>     </a:t>
-            </a:r>
-            <a:r>
-              <a:rPr lang="en-US" sz="3200" dirty="0"/>
-              <a:t>= 5·899 + -9·493</a:t>
-            </a:r>
-          </a:p>
-          <a:p>
-            <a:r>
-              <a:rPr lang="en-US" sz="3200" dirty="0"/>
-              <a:t>87   = 1·58 + 29          </a:t>
-            </a:r>
-            <a:r>
-              <a:rPr lang="en-US" sz="3200" dirty="0" smtClean="0"/>
-              <a:t>so  </a:t>
-            </a:r>
-            <a:r>
-              <a:rPr lang="en-US" sz="3200" dirty="0"/>
-              <a:t>29 = 87 – 1·58</a:t>
-            </a:r>
-          </a:p>
-          <a:p>
-            <a:r>
-              <a:rPr lang="en-US" sz="3200" dirty="0"/>
-              <a:t>                                       </a:t>
-            </a:r>
-            <a:r>
-              <a:rPr lang="en-US" sz="3200" dirty="0" smtClean="0"/>
-              <a:t>     </a:t>
-            </a:r>
-            <a:r>
-              <a:rPr lang="en-US" sz="3200" dirty="0"/>
-              <a:t>= -6·899 + 11∙493</a:t>
-            </a:r>
-          </a:p>
-          <a:p>
-            <a:r>
-              <a:rPr lang="en-US" sz="3200" dirty="0"/>
-              <a:t>58   = 2·29 + 0           </a:t>
-            </a:r>
-            <a:r>
-              <a:rPr lang="en-US" sz="3200" dirty="0" smtClean="0"/>
-              <a:t>    done</a:t>
-            </a:r>
-            <a:r>
-              <a:rPr lang="en-US" sz="3200" dirty="0"/>
-              <a:t>, </a:t>
-            </a:r>
-            <a:r>
-              <a:rPr lang="en-US" sz="3200" dirty="0" err="1"/>
-              <a:t>gcd</a:t>
-            </a:r>
-            <a:r>
-              <a:rPr lang="en-US" sz="3200" dirty="0"/>
-              <a:t> = 29</a:t>
-            </a:r>
+              <a:t>0</a:t>
+            </a:r>
+            <a:endParaRPr lang="en-US" sz="3200" dirty="0"/>
           </a:p>
         </p:txBody>
       </p:sp>
@@ -19593,18 +20320,261 @@
                 <a:latin typeface="Comic Sans MS" pitchFamily="8" charset="0"/>
               </a:rPr>
               <a:pPr/>
-              <a:t>30</a:t>
+              <a:t>32</a:t>
             </a:fld>
             <a:endParaRPr lang="en-US" sz="1200" dirty="0" smtClean="0">
               <a:latin typeface="Comic Sans MS" pitchFamily="8" charset="0"/>
             </a:endParaRPr>
+          </a:p>
+        </p:txBody>
+      </p:sp>
+      <p:sp>
+        <p:nvSpPr>
+          <p:cNvPr id="5" name="Text Box 3"/>
+          <p:cNvSpPr txBox="1">
+            <a:spLocks noChangeArrowheads="1"/>
+          </p:cNvSpPr>
+          <p:nvPr/>
+        </p:nvSpPr>
+        <p:spPr bwMode="auto">
+          <a:xfrm>
+            <a:off x="3962400" y="1683127"/>
+            <a:ext cx="4953000" cy="4108073"/>
+          </a:xfrm>
+          <a:prstGeom prst="rect">
+            <a:avLst/>
+          </a:prstGeom>
+          <a:noFill/>
+          <a:ln w="38100">
+            <a:noFill/>
+            <a:miter lim="800000"/>
+            <a:headEnd/>
+            <a:tailEnd type="none" w="lg" len="lg"/>
+          </a:ln>
+        </p:spPr>
+        <p:txBody>
+          <a:bodyPr wrap="square">
+            <a:spAutoFit/>
+          </a:bodyPr>
+          <a:lstStyle/>
+          <a:p>
+            <a:r>
+              <a:rPr lang="en-US" sz="3200" dirty="0" smtClean="0"/>
+              <a:t>so </a:t>
+            </a:r>
+            <a:r>
+              <a:rPr lang="en-US" sz="3200" dirty="0"/>
+              <a:t>406 = </a:t>
+            </a:r>
+            <a:r>
+              <a:rPr lang="en-US" sz="3200" dirty="0">
+                <a:solidFill>
+                  <a:schemeClr val="accent1">
+                    <a:lumMod val="50000"/>
+                  </a:schemeClr>
+                </a:solidFill>
+              </a:rPr>
+              <a:t>1</a:t>
+            </a:r>
+            <a:r>
+              <a:rPr lang="en-US" sz="3200" dirty="0"/>
+              <a:t>·899 + </a:t>
+            </a:r>
+            <a:r>
+              <a:rPr lang="en-US" sz="3200" dirty="0">
+                <a:solidFill>
+                  <a:srgbClr val="0000E5"/>
+                </a:solidFill>
+              </a:rPr>
+              <a:t>-1</a:t>
+            </a:r>
+            <a:r>
+              <a:rPr lang="en-US" sz="3200" dirty="0"/>
+              <a:t>·493</a:t>
+            </a:r>
+          </a:p>
+          <a:p>
+            <a:r>
+              <a:rPr lang="en-US" sz="3200" dirty="0" smtClean="0"/>
+              <a:t>so   87 </a:t>
+            </a:r>
+            <a:r>
+              <a:rPr lang="en-US" sz="3200" dirty="0"/>
+              <a:t>= 493 –</a:t>
+            </a:r>
+            <a:r>
+              <a:rPr lang="en-US" sz="2400" dirty="0"/>
+              <a:t> </a:t>
+            </a:r>
+            <a:r>
+              <a:rPr lang="en-US" sz="3200" dirty="0"/>
+              <a:t>1·406</a:t>
+            </a:r>
+            <a:endParaRPr lang="en-US" sz="2400" dirty="0"/>
+          </a:p>
+          <a:p>
+            <a:r>
+              <a:rPr lang="en-US" sz="3200" dirty="0" smtClean="0">
+                <a:solidFill>
+                  <a:srgbClr val="0000E5"/>
+                </a:solidFill>
+              </a:rPr>
+              <a:t>           </a:t>
+            </a:r>
+            <a:r>
+              <a:rPr lang="en-US" sz="3200" dirty="0" smtClean="0"/>
+              <a:t> =</a:t>
+            </a:r>
+            <a:r>
+              <a:rPr lang="en-US" sz="3200" dirty="0" smtClean="0">
+                <a:solidFill>
+                  <a:srgbClr val="0000E5"/>
+                </a:solidFill>
+              </a:rPr>
+              <a:t> -</a:t>
+            </a:r>
+            <a:r>
+              <a:rPr lang="en-US" sz="3200" dirty="0">
+                <a:solidFill>
+                  <a:srgbClr val="0000E5"/>
+                </a:solidFill>
+              </a:rPr>
+              <a:t>1</a:t>
+            </a:r>
+            <a:r>
+              <a:rPr lang="en-US" sz="3200" dirty="0"/>
+              <a:t>·899 + </a:t>
+            </a:r>
+            <a:r>
+              <a:rPr lang="en-US" sz="3200" dirty="0">
+                <a:solidFill>
+                  <a:srgbClr val="0000E5"/>
+                </a:solidFill>
+              </a:rPr>
+              <a:t>2</a:t>
+            </a:r>
+            <a:r>
+              <a:rPr lang="en-US" sz="3200" dirty="0"/>
+              <a:t>∙493</a:t>
+            </a:r>
+          </a:p>
+          <a:p>
+            <a:r>
+              <a:rPr lang="en-US" sz="3200" dirty="0" smtClean="0"/>
+              <a:t>so   </a:t>
+            </a:r>
+            <a:r>
+              <a:rPr lang="en-US" sz="3200" dirty="0"/>
+              <a:t>58 = 406 - 4·87</a:t>
+            </a:r>
+          </a:p>
+          <a:p>
+            <a:r>
+              <a:rPr lang="en-US" sz="3200" dirty="0" smtClean="0"/>
+              <a:t>           = </a:t>
+            </a:r>
+            <a:r>
+              <a:rPr lang="en-US" sz="3200" dirty="0">
+                <a:solidFill>
+                  <a:srgbClr val="0000E5"/>
+                </a:solidFill>
+              </a:rPr>
+              <a:t>5</a:t>
+            </a:r>
+            <a:r>
+              <a:rPr lang="en-US" sz="3200" dirty="0"/>
+              <a:t>·899 + </a:t>
+            </a:r>
+            <a:r>
+              <a:rPr lang="en-US" sz="3200" dirty="0">
+                <a:solidFill>
+                  <a:srgbClr val="0000E5"/>
+                </a:solidFill>
+              </a:rPr>
+              <a:t>-9</a:t>
+            </a:r>
+            <a:r>
+              <a:rPr lang="en-US" sz="3200" dirty="0"/>
+              <a:t>·493</a:t>
+            </a:r>
+          </a:p>
+          <a:p>
+            <a:r>
+              <a:rPr lang="en-US" sz="3200" dirty="0" smtClean="0"/>
+              <a:t>so   29 </a:t>
+            </a:r>
+            <a:r>
+              <a:rPr lang="en-US" sz="3200" dirty="0"/>
+              <a:t>= 87 – 1·58</a:t>
+            </a:r>
+          </a:p>
+          <a:p>
+            <a:r>
+              <a:rPr lang="en-US" sz="3200" dirty="0" smtClean="0"/>
+              <a:t>           </a:t>
+            </a:r>
+            <a:r>
+              <a:rPr lang="en-US" sz="3200" dirty="0"/>
+              <a:t>= </a:t>
+            </a:r>
+            <a:r>
+              <a:rPr lang="en-US" sz="3200" dirty="0">
+                <a:solidFill>
+                  <a:srgbClr val="0000E5"/>
+                </a:solidFill>
+              </a:rPr>
+              <a:t>-6</a:t>
+            </a:r>
+            <a:r>
+              <a:rPr lang="en-US" sz="3200" dirty="0">
+                <a:solidFill>
+                  <a:srgbClr val="000000"/>
+                </a:solidFill>
+              </a:rPr>
+              <a:t>·</a:t>
+            </a:r>
+            <a:r>
+              <a:rPr lang="en-US" sz="3200" dirty="0"/>
+              <a:t>899 + </a:t>
+            </a:r>
+            <a:r>
+              <a:rPr lang="en-US" sz="3200" dirty="0">
+                <a:solidFill>
+                  <a:srgbClr val="0000E5"/>
+                </a:solidFill>
+              </a:rPr>
+              <a:t>11</a:t>
+            </a:r>
+            <a:r>
+              <a:rPr lang="en-US" sz="3200" dirty="0"/>
+              <a:t>∙493</a:t>
+            </a:r>
+            <a:endParaRPr lang="en-US" sz="3200" dirty="0" smtClean="0"/>
+          </a:p>
+          <a:p>
+            <a:r>
+              <a:rPr lang="en-US" sz="3200" dirty="0" smtClean="0"/>
+              <a:t>       done</a:t>
+            </a:r>
+            <a:r>
+              <a:rPr lang="en-US" sz="3200" dirty="0"/>
+              <a:t>, </a:t>
+            </a:r>
+            <a:r>
+              <a:rPr lang="en-US" sz="3200" dirty="0" err="1"/>
+              <a:t>gcd</a:t>
+            </a:r>
+            <a:r>
+              <a:rPr lang="en-US" sz="3200" dirty="0"/>
+              <a:t> = 29</a:t>
+            </a:r>
           </a:p>
         </p:txBody>
       </p:sp>
     </p:spTree>
     <p:extLst>
       <p:ext uri="{BB962C8B-B14F-4D97-AF65-F5344CB8AC3E}">
-        <p14:creationId xmlns:p14="http://schemas.microsoft.com/office/powerpoint/2010/main" val="901337272"/>
+        <p14:creationId xmlns:p14="http://schemas.microsoft.com/office/powerpoint/2010/main" val="4111016246"/>
       </p:ext>
     </p:extLst>
   </p:cSld>
@@ -19644,7 +20614,7 @@
                             </p:stCondLst>
                             <p:childTnLst>
                               <p:par>
-                                <p:cTn id="5" presetID="22" presetClass="entr" presetSubtype="8" fill="hold" grpId="0" nodeType="clickEffect">
+                                <p:cTn id="5" presetID="9" presetClass="entr" presetSubtype="0" fill="hold" grpId="0" nodeType="clickEffect">
                                   <p:stCondLst>
                                     <p:cond delay="0"/>
                                   </p:stCondLst>
@@ -19671,7 +20641,7 @@
                                         <p:strVal val="visible"/>
                                       </p:to>
                                     </p:set>
-                                    <p:animEffect transition="in" filter="wipe(left)">
+                                    <p:animEffect transition="in" filter="dissolve">
                                       <p:cBhvr>
                                         <p:cTn id="7" dur="500"/>
                                         <p:tgtEl>
@@ -19779,9 +20749,9 @@
                                           </p:stCondLst>
                                         </p:cTn>
                                         <p:tgtEl>
-                                          <p:spTgt spid="6">
+                                          <p:spTgt spid="5">
                                             <p:txEl>
-                                              <p:pRg st="2" end="2"/>
+                                              <p:pRg st="0" end="0"/>
                                             </p:txEl>
                                           </p:spTgt>
                                         </p:tgtEl>
@@ -19797,9 +20767,9 @@
                                       <p:cBhvr>
                                         <p:cTn id="17" dur="500"/>
                                         <p:tgtEl>
-                                          <p:spTgt spid="6">
+                                          <p:spTgt spid="5">
                                             <p:txEl>
-                                              <p:pRg st="2" end="2"/>
+                                              <p:pRg st="0" end="0"/>
                                             </p:txEl>
                                           </p:spTgt>
                                         </p:tgtEl>
@@ -19842,7 +20812,7 @@
                                         <p:tgtEl>
                                           <p:spTgt spid="6">
                                             <p:txEl>
-                                              <p:pRg st="3" end="3"/>
+                                              <p:pRg st="2" end="2"/>
                                             </p:txEl>
                                           </p:spTgt>
                                         </p:tgtEl>
@@ -19860,7 +20830,7 @@
                                         <p:tgtEl>
                                           <p:spTgt spid="6">
                                             <p:txEl>
-                                              <p:pRg st="3" end="3"/>
+                                              <p:pRg st="2" end="2"/>
                                             </p:txEl>
                                           </p:spTgt>
                                         </p:tgtEl>
@@ -19901,9 +20871,9 @@
                                           </p:stCondLst>
                                         </p:cTn>
                                         <p:tgtEl>
-                                          <p:spTgt spid="6">
+                                          <p:spTgt spid="5">
                                             <p:txEl>
-                                              <p:pRg st="4" end="4"/>
+                                              <p:pRg st="1" end="1"/>
                                             </p:txEl>
                                           </p:spTgt>
                                         </p:tgtEl>
@@ -19919,9 +20889,9 @@
                                       <p:cBhvr>
                                         <p:cTn id="27" dur="500"/>
                                         <p:tgtEl>
-                                          <p:spTgt spid="6">
+                                          <p:spTgt spid="5">
                                             <p:txEl>
-                                              <p:pRg st="4" end="4"/>
+                                              <p:pRg st="1" end="1"/>
                                             </p:txEl>
                                           </p:spTgt>
                                         </p:tgtEl>
@@ -19962,9 +20932,9 @@
                                           </p:stCondLst>
                                         </p:cTn>
                                         <p:tgtEl>
-                                          <p:spTgt spid="6">
+                                          <p:spTgt spid="5">
                                             <p:txEl>
-                                              <p:pRg st="5" end="5"/>
+                                              <p:pRg st="2" end="2"/>
                                             </p:txEl>
                                           </p:spTgt>
                                         </p:tgtEl>
@@ -19980,9 +20950,9 @@
                                       <p:cBhvr>
                                         <p:cTn id="32" dur="500"/>
                                         <p:tgtEl>
-                                          <p:spTgt spid="6">
+                                          <p:spTgt spid="5">
                                             <p:txEl>
-                                              <p:pRg st="5" end="5"/>
+                                              <p:pRg st="2" end="2"/>
                                             </p:txEl>
                                           </p:spTgt>
                                         </p:tgtEl>
@@ -20025,7 +20995,7 @@
                                         <p:tgtEl>
                                           <p:spTgt spid="6">
                                             <p:txEl>
-                                              <p:pRg st="6" end="6"/>
+                                              <p:pRg st="4" end="4"/>
                                             </p:txEl>
                                           </p:spTgt>
                                         </p:tgtEl>
@@ -20043,7 +21013,7 @@
                                         <p:tgtEl>
                                           <p:spTgt spid="6">
                                             <p:txEl>
-                                              <p:pRg st="6" end="6"/>
+                                              <p:pRg st="4" end="4"/>
                                             </p:txEl>
                                           </p:spTgt>
                                         </p:tgtEl>
@@ -20084,9 +21054,9 @@
                                           </p:stCondLst>
                                         </p:cTn>
                                         <p:tgtEl>
-                                          <p:spTgt spid="6">
+                                          <p:spTgt spid="5">
                                             <p:txEl>
-                                              <p:pRg st="7" end="7"/>
+                                              <p:pRg st="3" end="3"/>
                                             </p:txEl>
                                           </p:spTgt>
                                         </p:tgtEl>
@@ -20102,9 +21072,9 @@
                                       <p:cBhvr>
                                         <p:cTn id="42" dur="500"/>
                                         <p:tgtEl>
-                                          <p:spTgt spid="6">
+                                          <p:spTgt spid="5">
                                             <p:txEl>
-                                              <p:pRg st="7" end="7"/>
+                                              <p:pRg st="3" end="3"/>
                                             </p:txEl>
                                           </p:spTgt>
                                         </p:tgtEl>
@@ -20145,6 +21115,250 @@
                                           </p:stCondLst>
                                         </p:cTn>
                                         <p:tgtEl>
+                                          <p:spTgt spid="5">
+                                            <p:txEl>
+                                              <p:pRg st="4" end="4"/>
+                                            </p:txEl>
+                                          </p:spTgt>
+                                        </p:tgtEl>
+                                        <p:attrNameLst>
+                                          <p:attrName>style.visibility</p:attrName>
+                                        </p:attrNameLst>
+                                      </p:cBhvr>
+                                      <p:to>
+                                        <p:strVal val="visible"/>
+                                      </p:to>
+                                    </p:set>
+                                    <p:animEffect transition="in" filter="wipe(left)">
+                                      <p:cBhvr>
+                                        <p:cTn id="47" dur="500"/>
+                                        <p:tgtEl>
+                                          <p:spTgt spid="5">
+                                            <p:txEl>
+                                              <p:pRg st="4" end="4"/>
+                                            </p:txEl>
+                                          </p:spTgt>
+                                        </p:tgtEl>
+                                      </p:cBhvr>
+                                    </p:animEffect>
+                                  </p:childTnLst>
+                                </p:cTn>
+                              </p:par>
+                            </p:childTnLst>
+                          </p:cTn>
+                        </p:par>
+                      </p:childTnLst>
+                    </p:cTn>
+                  </p:par>
+                  <p:par>
+                    <p:cTn id="48" fill="hold">
+                      <p:stCondLst>
+                        <p:cond delay="indefinite"/>
+                      </p:stCondLst>
+                      <p:childTnLst>
+                        <p:par>
+                          <p:cTn id="49" fill="hold">
+                            <p:stCondLst>
+                              <p:cond delay="0"/>
+                            </p:stCondLst>
+                            <p:childTnLst>
+                              <p:par>
+                                <p:cTn id="50" presetID="22" presetClass="entr" presetSubtype="8" fill="hold" grpId="0" nodeType="clickEffect">
+                                  <p:stCondLst>
+                                    <p:cond delay="0"/>
+                                  </p:stCondLst>
+                                  <p:childTnLst>
+                                    <p:set>
+                                      <p:cBhvr>
+                                        <p:cTn id="51" dur="1" fill="hold">
+                                          <p:stCondLst>
+                                            <p:cond delay="0"/>
+                                          </p:stCondLst>
+                                        </p:cTn>
+                                        <p:tgtEl>
+                                          <p:spTgt spid="6">
+                                            <p:txEl>
+                                              <p:pRg st="6" end="6"/>
+                                            </p:txEl>
+                                          </p:spTgt>
+                                        </p:tgtEl>
+                                        <p:attrNameLst>
+                                          <p:attrName>style.visibility</p:attrName>
+                                        </p:attrNameLst>
+                                      </p:cBhvr>
+                                      <p:to>
+                                        <p:strVal val="visible"/>
+                                      </p:to>
+                                    </p:set>
+                                    <p:animEffect transition="in" filter="wipe(left)">
+                                      <p:cBhvr>
+                                        <p:cTn id="52" dur="500"/>
+                                        <p:tgtEl>
+                                          <p:spTgt spid="6">
+                                            <p:txEl>
+                                              <p:pRg st="6" end="6"/>
+                                            </p:txEl>
+                                          </p:spTgt>
+                                        </p:tgtEl>
+                                      </p:cBhvr>
+                                    </p:animEffect>
+                                  </p:childTnLst>
+                                </p:cTn>
+                              </p:par>
+                            </p:childTnLst>
+                          </p:cTn>
+                        </p:par>
+                      </p:childTnLst>
+                    </p:cTn>
+                  </p:par>
+                  <p:par>
+                    <p:cTn id="53" fill="hold">
+                      <p:stCondLst>
+                        <p:cond delay="indefinite"/>
+                      </p:stCondLst>
+                      <p:childTnLst>
+                        <p:par>
+                          <p:cTn id="54" fill="hold">
+                            <p:stCondLst>
+                              <p:cond delay="0"/>
+                            </p:stCondLst>
+                            <p:childTnLst>
+                              <p:par>
+                                <p:cTn id="55" presetID="22" presetClass="entr" presetSubtype="8" fill="hold" grpId="0" nodeType="clickEffect">
+                                  <p:stCondLst>
+                                    <p:cond delay="0"/>
+                                  </p:stCondLst>
+                                  <p:childTnLst>
+                                    <p:set>
+                                      <p:cBhvr>
+                                        <p:cTn id="56" dur="1" fill="hold">
+                                          <p:stCondLst>
+                                            <p:cond delay="0"/>
+                                          </p:stCondLst>
+                                        </p:cTn>
+                                        <p:tgtEl>
+                                          <p:spTgt spid="5">
+                                            <p:txEl>
+                                              <p:pRg st="5" end="5"/>
+                                            </p:txEl>
+                                          </p:spTgt>
+                                        </p:tgtEl>
+                                        <p:attrNameLst>
+                                          <p:attrName>style.visibility</p:attrName>
+                                        </p:attrNameLst>
+                                      </p:cBhvr>
+                                      <p:to>
+                                        <p:strVal val="visible"/>
+                                      </p:to>
+                                    </p:set>
+                                    <p:animEffect transition="in" filter="wipe(left)">
+                                      <p:cBhvr>
+                                        <p:cTn id="57" dur="500"/>
+                                        <p:tgtEl>
+                                          <p:spTgt spid="5">
+                                            <p:txEl>
+                                              <p:pRg st="5" end="5"/>
+                                            </p:txEl>
+                                          </p:spTgt>
+                                        </p:tgtEl>
+                                      </p:cBhvr>
+                                    </p:animEffect>
+                                  </p:childTnLst>
+                                </p:cTn>
+                              </p:par>
+                            </p:childTnLst>
+                          </p:cTn>
+                        </p:par>
+                      </p:childTnLst>
+                    </p:cTn>
+                  </p:par>
+                  <p:par>
+                    <p:cTn id="58" fill="hold">
+                      <p:stCondLst>
+                        <p:cond delay="indefinite"/>
+                      </p:stCondLst>
+                      <p:childTnLst>
+                        <p:par>
+                          <p:cTn id="59" fill="hold">
+                            <p:stCondLst>
+                              <p:cond delay="0"/>
+                            </p:stCondLst>
+                            <p:childTnLst>
+                              <p:par>
+                                <p:cTn id="60" presetID="22" presetClass="entr" presetSubtype="8" fill="hold" grpId="0" nodeType="clickEffect">
+                                  <p:stCondLst>
+                                    <p:cond delay="0"/>
+                                  </p:stCondLst>
+                                  <p:childTnLst>
+                                    <p:set>
+                                      <p:cBhvr>
+                                        <p:cTn id="61" dur="1" fill="hold">
+                                          <p:stCondLst>
+                                            <p:cond delay="0"/>
+                                          </p:stCondLst>
+                                        </p:cTn>
+                                        <p:tgtEl>
+                                          <p:spTgt spid="5">
+                                            <p:txEl>
+                                              <p:pRg st="6" end="6"/>
+                                            </p:txEl>
+                                          </p:spTgt>
+                                        </p:tgtEl>
+                                        <p:attrNameLst>
+                                          <p:attrName>style.visibility</p:attrName>
+                                        </p:attrNameLst>
+                                      </p:cBhvr>
+                                      <p:to>
+                                        <p:strVal val="visible"/>
+                                      </p:to>
+                                    </p:set>
+                                    <p:animEffect transition="in" filter="wipe(left)">
+                                      <p:cBhvr>
+                                        <p:cTn id="62" dur="500"/>
+                                        <p:tgtEl>
+                                          <p:spTgt spid="5">
+                                            <p:txEl>
+                                              <p:pRg st="6" end="6"/>
+                                            </p:txEl>
+                                          </p:spTgt>
+                                        </p:tgtEl>
+                                      </p:cBhvr>
+                                    </p:animEffect>
+                                  </p:childTnLst>
+                                </p:cTn>
+                              </p:par>
+                            </p:childTnLst>
+                          </p:cTn>
+                        </p:par>
+                      </p:childTnLst>
+                    </p:cTn>
+                  </p:par>
+                  <p:par>
+                    <p:cTn id="63" fill="hold">
+                      <p:stCondLst>
+                        <p:cond delay="indefinite"/>
+                      </p:stCondLst>
+                      <p:childTnLst>
+                        <p:par>
+                          <p:cTn id="64" fill="hold">
+                            <p:stCondLst>
+                              <p:cond delay="0"/>
+                            </p:stCondLst>
+                            <p:childTnLst>
+                              <p:par>
+                                <p:cTn id="65" presetID="22" presetClass="entr" presetSubtype="8" fill="hold" grpId="0" nodeType="clickEffect">
+                                  <p:stCondLst>
+                                    <p:cond delay="0"/>
+                                  </p:stCondLst>
+                                  <p:childTnLst>
+                                    <p:set>
+                                      <p:cBhvr>
+                                        <p:cTn id="66" dur="1" fill="hold">
+                                          <p:stCondLst>
+                                            <p:cond delay="0"/>
+                                          </p:stCondLst>
+                                        </p:cTn>
+                                        <p:tgtEl>
                                           <p:spTgt spid="6">
                                             <p:txEl>
                                               <p:pRg st="8" end="8"/>
@@ -20161,11 +21375,72 @@
                                     </p:set>
                                     <p:animEffect transition="in" filter="wipe(left)">
                                       <p:cBhvr>
-                                        <p:cTn id="47" dur="500"/>
+                                        <p:cTn id="67" dur="500"/>
                                         <p:tgtEl>
                                           <p:spTgt spid="6">
                                             <p:txEl>
                                               <p:pRg st="8" end="8"/>
+                                            </p:txEl>
+                                          </p:spTgt>
+                                        </p:tgtEl>
+                                      </p:cBhvr>
+                                    </p:animEffect>
+                                  </p:childTnLst>
+                                </p:cTn>
+                              </p:par>
+                            </p:childTnLst>
+                          </p:cTn>
+                        </p:par>
+                      </p:childTnLst>
+                    </p:cTn>
+                  </p:par>
+                  <p:par>
+                    <p:cTn id="68" fill="hold">
+                      <p:stCondLst>
+                        <p:cond delay="indefinite"/>
+                      </p:stCondLst>
+                      <p:childTnLst>
+                        <p:par>
+                          <p:cTn id="69" fill="hold">
+                            <p:stCondLst>
+                              <p:cond delay="0"/>
+                            </p:stCondLst>
+                            <p:childTnLst>
+                              <p:par>
+                                <p:cTn id="70" presetID="22" presetClass="entr" presetSubtype="8" fill="hold" grpId="0" nodeType="clickEffect">
+                                  <p:stCondLst>
+                                    <p:cond delay="0"/>
+                                  </p:stCondLst>
+                                  <p:childTnLst>
+                                    <p:set>
+                                      <p:cBhvr>
+                                        <p:cTn id="71" dur="1" fill="hold">
+                                          <p:stCondLst>
+                                            <p:cond delay="0"/>
+                                          </p:stCondLst>
+                                        </p:cTn>
+                                        <p:tgtEl>
+                                          <p:spTgt spid="5">
+                                            <p:txEl>
+                                              <p:pRg st="7" end="7"/>
+                                            </p:txEl>
+                                          </p:spTgt>
+                                        </p:tgtEl>
+                                        <p:attrNameLst>
+                                          <p:attrName>style.visibility</p:attrName>
+                                        </p:attrNameLst>
+                                      </p:cBhvr>
+                                      <p:to>
+                                        <p:strVal val="visible"/>
+                                      </p:to>
+                                    </p:set>
+                                    <p:animEffect transition="in" filter="wipe(left)">
+                                      <p:cBhvr>
+                                        <p:cTn id="72" dur="500"/>
+                                        <p:tgtEl>
+                                          <p:spTgt spid="5">
+                                            <p:txEl>
+                                              <p:pRg st="7" end="7"/>
                                             </p:txEl>
                                           </p:spTgt>
                                         </p:tgtEl>
@@ -20203,13 +21478,14 @@
     </p:tnLst>
     <p:bldLst>
       <p:bldP spid="6" grpId="0" build="p"/>
+      <p:bldP spid="5" grpId="0" build="p"/>
     </p:bldLst>
   </p:timing>
 </p:sld>
 </file>
 
-<file path=ppt/slides/slide31.xml><?xml version="1.0" encoding="utf-8"?>
-<p:sld xmlns:a="http://schemas.openxmlformats.org/drawingml/2006/main" xmlns:r="http://schemas.openxmlformats.org/officeDocument/2006/relationships" xmlns:p="http://schemas.openxmlformats.org/presentationml/2006/main" show="0">
+<file path=ppt/slides/slide33.xml><?xml version="1.0" encoding="utf-8"?>
+<p:sld xmlns:a="http://schemas.openxmlformats.org/drawingml/2006/main" xmlns:r="http://schemas.openxmlformats.org/officeDocument/2006/relationships" xmlns:p="http://schemas.openxmlformats.org/presentationml/2006/main">
   <p:cSld>
     <p:spTree>
       <p:nvGrpSpPr>
@@ -20227,7 +21503,7 @@
       </p:grpSpPr>
       <p:sp>
         <p:nvSpPr>
-          <p:cNvPr id="782342" name="Text Box 6"/>
+          <p:cNvPr id="6" name="Text Box 3"/>
           <p:cNvSpPr txBox="1">
             <a:spLocks noChangeArrowheads="1"/>
           </p:cNvSpPr>
@@ -20235,8 +21511,8 @@
         </p:nvSpPr>
         <p:spPr bwMode="auto">
           <a:xfrm>
-            <a:off x="76200" y="1160463"/>
-            <a:ext cx="8915400" cy="4478337"/>
+            <a:off x="152400" y="1166842"/>
+            <a:ext cx="8915400" cy="4585871"/>
           </a:xfrm>
           <a:prstGeom prst="rect">
             <a:avLst/>
@@ -20256,250 +21532,104 @@
           <a:lstStyle/>
           <a:p>
             <a:r>
+              <a:rPr lang="en-US" sz="3600" dirty="0"/>
+              <a:t>Example: </a:t>
+            </a:r>
+            <a:r>
+              <a:rPr lang="en-US" sz="3600" dirty="0">
+                <a:solidFill>
+                  <a:srgbClr val="0000CC"/>
+                </a:solidFill>
+              </a:rPr>
+              <a:t>a</a:t>
+            </a:r>
+            <a:r>
+              <a:rPr lang="en-US" sz="3600" dirty="0"/>
+              <a:t> = 899, </a:t>
+            </a:r>
+            <a:r>
+              <a:rPr lang="en-US" sz="3600" dirty="0">
+                <a:solidFill>
+                  <a:srgbClr val="0000CC"/>
+                </a:solidFill>
+              </a:rPr>
+              <a:t>b</a:t>
+            </a:r>
+            <a:r>
+              <a:rPr lang="en-US" sz="3600" dirty="0"/>
+              <a:t>=493</a:t>
+            </a:r>
+          </a:p>
+          <a:p>
+            <a:r>
               <a:rPr lang="en-US" sz="3200" dirty="0"/>
-              <a:t>Example: </a:t>
-            </a:r>
-            <a:r>
-              <a:rPr lang="en-US" sz="3200" dirty="0">
-                <a:solidFill>
-                  <a:srgbClr val="0000CC"/>
-                </a:solidFill>
-              </a:rPr>
-              <a:t>a</a:t>
-            </a:r>
+              <a:t>899 = 1·493 + </a:t>
+            </a:r>
+            <a:r>
+              <a:rPr lang="en-US" sz="3200" dirty="0" smtClean="0"/>
+              <a:t>406</a:t>
+            </a:r>
+            <a:endParaRPr lang="en-US" sz="3200" dirty="0"/>
+          </a:p>
+          <a:p>
             <a:r>
               <a:rPr lang="en-US" sz="3200" dirty="0"/>
-              <a:t> = 899, </a:t>
-            </a:r>
-            <a:r>
-              <a:rPr lang="en-US" sz="3200" dirty="0">
-                <a:solidFill>
-                  <a:srgbClr val="0000CC"/>
-                </a:solidFill>
-              </a:rPr>
-              <a:t>b</a:t>
-            </a:r>
+              <a:t>493 = 1·406 + </a:t>
+            </a:r>
+            <a:r>
+              <a:rPr lang="en-US" sz="3200" dirty="0" smtClean="0"/>
+              <a:t>87</a:t>
+            </a:r>
+            <a:endParaRPr lang="en-US" sz="2400" dirty="0"/>
+          </a:p>
+          <a:p>
             <a:r>
               <a:rPr lang="en-US" sz="3200" dirty="0"/>
-              <a:t>=493</a:t>
+              <a:t>                           </a:t>
             </a:r>
           </a:p>
           <a:p>
             <a:r>
               <a:rPr lang="en-US" sz="3200" dirty="0"/>
-              <a:t>899 = 1·493 + 406   </a:t>
-            </a:r>
+              <a:t>406 = 4·87 + </a:t>
+            </a:r>
+            <a:r>
+              <a:rPr lang="en-US" sz="3200" dirty="0" smtClean="0"/>
+              <a:t>58</a:t>
+            </a:r>
+            <a:endParaRPr lang="en-US" sz="3200" dirty="0"/>
           </a:p>
           <a:p>
             <a:r>
               <a:rPr lang="en-US" sz="3200" dirty="0"/>
-              <a:t>493 = 1·406 + 87        </a:t>
+              <a:t>                           </a:t>
             </a:r>
           </a:p>
           <a:p>
             <a:r>
               <a:rPr lang="en-US" sz="3200" dirty="0"/>
-              <a:t>                                         </a:t>
-            </a:r>
-          </a:p>
-          <a:p>
-            <a:r>
-              <a:rPr lang="en-US" sz="3200" dirty="0"/>
-              <a:t>406 = 4·87 + 58        </a:t>
-            </a:r>
-          </a:p>
-          <a:p>
-            <a:r>
-              <a:rPr lang="en-US" sz="3200" dirty="0"/>
-              <a:t>                                        </a:t>
-            </a:r>
-          </a:p>
-          <a:p>
-            <a:r>
-              <a:rPr lang="en-US" sz="3200" dirty="0"/>
-              <a:t>87   = 1·58 + 29          </a:t>
-            </a:r>
-          </a:p>
-          <a:p>
-            <a:r>
-              <a:rPr lang="en-US" sz="3200" dirty="0"/>
-              <a:t>                                           </a:t>
-            </a:r>
-          </a:p>
-          <a:p>
-            <a:r>
-              <a:rPr lang="en-US" sz="3200" dirty="0"/>
-              <a:t>58   = 2·29 + 0               done, </a:t>
-            </a:r>
-            <a:r>
-              <a:rPr lang="en-US" sz="3200" dirty="0" err="1"/>
-              <a:t>gcd</a:t>
-            </a:r>
-            <a:r>
-              <a:rPr lang="en-US" sz="3200" dirty="0"/>
-              <a:t> = 29</a:t>
-            </a:r>
-          </a:p>
-        </p:txBody>
-      </p:sp>
-      <p:sp>
-        <p:nvSpPr>
-          <p:cNvPr id="6" name="Text Box 3"/>
-          <p:cNvSpPr txBox="1">
-            <a:spLocks noChangeArrowheads="1"/>
-          </p:cNvSpPr>
-          <p:nvPr/>
-        </p:nvSpPr>
-        <p:spPr bwMode="auto">
-          <a:xfrm>
-            <a:off x="76200" y="1143000"/>
-            <a:ext cx="8915400" cy="4524315"/>
-          </a:xfrm>
-          <a:prstGeom prst="rect">
-            <a:avLst/>
-          </a:prstGeom>
-          <a:noFill/>
-          <a:ln w="38100">
-            <a:noFill/>
-            <a:miter lim="800000"/>
-            <a:headEnd/>
-            <a:tailEnd type="none" w="lg" len="lg"/>
-          </a:ln>
-        </p:spPr>
-        <p:txBody>
-          <a:bodyPr>
-            <a:spAutoFit/>
-          </a:bodyPr>
-          <a:lstStyle/>
-          <a:p>
-            <a:r>
-              <a:rPr lang="en-US" sz="3200" dirty="0"/>
-              <a:t>Example: </a:t>
-            </a:r>
-            <a:r>
-              <a:rPr lang="en-US" sz="3200" dirty="0">
-                <a:solidFill>
-                  <a:srgbClr val="0000CC"/>
-                </a:solidFill>
-              </a:rPr>
-              <a:t>a</a:t>
-            </a:r>
-            <a:r>
-              <a:rPr lang="en-US" sz="3200" dirty="0"/>
-              <a:t> = 899, </a:t>
-            </a:r>
-            <a:r>
-              <a:rPr lang="en-US" sz="3200" dirty="0">
-                <a:solidFill>
-                  <a:srgbClr val="0000CC"/>
-                </a:solidFill>
-              </a:rPr>
-              <a:t>b</a:t>
-            </a:r>
-            <a:r>
-              <a:rPr lang="en-US" sz="3200" dirty="0"/>
-              <a:t>=493</a:t>
-            </a:r>
-          </a:p>
-          <a:p>
-            <a:r>
-              <a:rPr lang="en-US" sz="3200" dirty="0"/>
-              <a:t>899 = 1·493 + 406    so 406 = 1·899 + -1·493</a:t>
-            </a:r>
-          </a:p>
-          <a:p>
-            <a:r>
-              <a:rPr lang="en-US" sz="3200" dirty="0"/>
-              <a:t>493 = 1·406 + 87        so 87 = 493 –</a:t>
-            </a:r>
-            <a:r>
-              <a:rPr lang="en-US" sz="2400" dirty="0"/>
-              <a:t> </a:t>
-            </a:r>
-            <a:r>
-              <a:rPr lang="en-US" sz="3200" dirty="0"/>
-              <a:t>1·406</a:t>
-            </a:r>
-            <a:endParaRPr lang="en-US" sz="2400" dirty="0"/>
-          </a:p>
-          <a:p>
-            <a:r>
-              <a:rPr lang="en-US" sz="3200" dirty="0"/>
-              <a:t>                                           = -1·899 + 2∙493</a:t>
-            </a:r>
-          </a:p>
-          <a:p>
-            <a:r>
-              <a:rPr lang="en-US" sz="3200" dirty="0"/>
-              <a:t>406 = 4·87 + 58         so 58 = 406 - 4·87</a:t>
-            </a:r>
-          </a:p>
-          <a:p>
-            <a:r>
-              <a:rPr lang="en-US" sz="3200" dirty="0"/>
-              <a:t>                                           = 5·899 + -9·493</a:t>
-            </a:r>
-          </a:p>
-          <a:p>
-            <a:r>
-              <a:rPr lang="en-US" sz="3200" dirty="0"/>
-              <a:t>87   = 1·58 + 29          so 29 = 87 – 1·58</a:t>
-            </a:r>
-          </a:p>
-          <a:p>
-            <a:r>
-              <a:rPr lang="en-US" sz="3200" dirty="0"/>
-              <a:t>                                           =</a:t>
-            </a:r>
-            <a:r>
-              <a:rPr lang="en-US" sz="3200" dirty="0">
-                <a:solidFill>
-                  <a:srgbClr val="FF00FF"/>
-                </a:solidFill>
-              </a:rPr>
-              <a:t> -6</a:t>
-            </a:r>
-            <a:r>
-              <a:rPr lang="en-US" sz="3200" dirty="0"/>
-              <a:t>·899 + </a:t>
-            </a:r>
-            <a:r>
-              <a:rPr lang="en-US" sz="3200" dirty="0">
-                <a:solidFill>
-                  <a:srgbClr val="FF00FF"/>
-                </a:solidFill>
-              </a:rPr>
-              <a:t>11</a:t>
-            </a:r>
-            <a:r>
-              <a:rPr lang="en-US" sz="3200" dirty="0"/>
-              <a:t>∙493</a:t>
-            </a:r>
-          </a:p>
-          <a:p>
-            <a:r>
-              <a:rPr lang="en-US" sz="3200" dirty="0"/>
-              <a:t>58   = 2·29 + 0           </a:t>
-            </a:r>
-            <a:r>
-              <a:rPr lang="en-US" sz="3200" dirty="0" smtClean="0"/>
-              <a:t>    done</a:t>
-            </a:r>
-            <a:r>
-              <a:rPr lang="en-US" sz="3200" dirty="0"/>
-              <a:t>, </a:t>
-            </a:r>
-            <a:r>
-              <a:rPr lang="en-US" sz="3200" dirty="0" err="1"/>
-              <a:t>gcd</a:t>
-            </a:r>
-            <a:r>
-              <a:rPr lang="en-US" sz="3200" dirty="0"/>
-              <a:t> = </a:t>
+              <a:t>87   = 1·58 + </a:t>
             </a:r>
             <a:r>
               <a:rPr lang="en-US" sz="3200" dirty="0" smtClean="0"/>
               <a:t>29</a:t>
+            </a:r>
+            <a:endParaRPr lang="en-US" sz="3200" dirty="0"/>
+          </a:p>
+          <a:p>
+            <a:r>
+              <a:rPr lang="en-US" sz="3200" dirty="0"/>
+              <a:t>                            </a:t>
+            </a:r>
+          </a:p>
+          <a:p>
+            <a:r>
+              <a:rPr lang="en-US" sz="3200" dirty="0"/>
+              <a:t>58   = 2·29 + </a:t>
+            </a:r>
+            <a:r>
+              <a:rPr lang="en-US" sz="3200" dirty="0" smtClean="0"/>
+              <a:t>0</a:t>
             </a:r>
             <a:endParaRPr lang="en-US" sz="3200" dirty="0"/>
           </a:p>
@@ -20582,11 +21712,246 @@
                 <a:latin typeface="Comic Sans MS" pitchFamily="8" charset="0"/>
               </a:rPr>
               <a:pPr/>
-              <a:t>31</a:t>
+              <a:t>33</a:t>
             </a:fld>
             <a:endParaRPr lang="en-US" sz="1200" dirty="0" smtClean="0">
               <a:latin typeface="Comic Sans MS" pitchFamily="8" charset="0"/>
             </a:endParaRPr>
+          </a:p>
+        </p:txBody>
+      </p:sp>
+      <p:sp>
+        <p:nvSpPr>
+          <p:cNvPr id="5" name="Text Box 3"/>
+          <p:cNvSpPr txBox="1">
+            <a:spLocks noChangeArrowheads="1"/>
+          </p:cNvSpPr>
+          <p:nvPr/>
+        </p:nvSpPr>
+        <p:spPr bwMode="auto">
+          <a:xfrm>
+            <a:off x="3962400" y="1683127"/>
+            <a:ext cx="4953000" cy="4108073"/>
+          </a:xfrm>
+          <a:prstGeom prst="rect">
+            <a:avLst/>
+          </a:prstGeom>
+          <a:noFill/>
+          <a:ln w="38100">
+            <a:noFill/>
+            <a:miter lim="800000"/>
+            <a:headEnd/>
+            <a:tailEnd type="none" w="lg" len="lg"/>
+          </a:ln>
+        </p:spPr>
+        <p:txBody>
+          <a:bodyPr wrap="square">
+            <a:spAutoFit/>
+          </a:bodyPr>
+          <a:lstStyle/>
+          <a:p>
+            <a:r>
+              <a:rPr lang="en-US" sz="3200" dirty="0" smtClean="0"/>
+              <a:t>so </a:t>
+            </a:r>
+            <a:r>
+              <a:rPr lang="en-US" sz="3200" dirty="0"/>
+              <a:t>406 = </a:t>
+            </a:r>
+            <a:r>
+              <a:rPr lang="en-US" sz="3200" dirty="0">
+                <a:solidFill>
+                  <a:schemeClr val="accent1">
+                    <a:lumMod val="50000"/>
+                  </a:schemeClr>
+                </a:solidFill>
+              </a:rPr>
+              <a:t>1</a:t>
+            </a:r>
+            <a:r>
+              <a:rPr lang="en-US" sz="3200" dirty="0"/>
+              <a:t>·899 + </a:t>
+            </a:r>
+            <a:r>
+              <a:rPr lang="en-US" sz="3200" dirty="0">
+                <a:solidFill>
+                  <a:srgbClr val="0000E5"/>
+                </a:solidFill>
+              </a:rPr>
+              <a:t>-1</a:t>
+            </a:r>
+            <a:r>
+              <a:rPr lang="en-US" sz="3200" dirty="0"/>
+              <a:t>·493</a:t>
+            </a:r>
+          </a:p>
+          <a:p>
+            <a:r>
+              <a:rPr lang="en-US" sz="3200" dirty="0" smtClean="0"/>
+              <a:t>so   87 </a:t>
+            </a:r>
+            <a:r>
+              <a:rPr lang="en-US" sz="3200" dirty="0"/>
+              <a:t>= 493 –</a:t>
+            </a:r>
+            <a:r>
+              <a:rPr lang="en-US" sz="2400" dirty="0"/>
+              <a:t> </a:t>
+            </a:r>
+            <a:r>
+              <a:rPr lang="en-US" sz="3200" dirty="0"/>
+              <a:t>1·406</a:t>
+            </a:r>
+            <a:endParaRPr lang="en-US" sz="2400" dirty="0"/>
+          </a:p>
+          <a:p>
+            <a:r>
+              <a:rPr lang="en-US" sz="3200" dirty="0" smtClean="0">
+                <a:solidFill>
+                  <a:srgbClr val="0000E5"/>
+                </a:solidFill>
+              </a:rPr>
+              <a:t>           </a:t>
+            </a:r>
+            <a:r>
+              <a:rPr lang="en-US" sz="3200" dirty="0" smtClean="0"/>
+              <a:t> =</a:t>
+            </a:r>
+            <a:r>
+              <a:rPr lang="en-US" sz="3200" dirty="0" smtClean="0">
+                <a:solidFill>
+                  <a:srgbClr val="0000E5"/>
+                </a:solidFill>
+              </a:rPr>
+              <a:t> -</a:t>
+            </a:r>
+            <a:r>
+              <a:rPr lang="en-US" sz="3200" dirty="0">
+                <a:solidFill>
+                  <a:srgbClr val="0000E5"/>
+                </a:solidFill>
+              </a:rPr>
+              <a:t>1</a:t>
+            </a:r>
+            <a:r>
+              <a:rPr lang="en-US" sz="3200" dirty="0"/>
+              <a:t>·899 + </a:t>
+            </a:r>
+            <a:r>
+              <a:rPr lang="en-US" sz="3200" dirty="0">
+                <a:solidFill>
+                  <a:srgbClr val="0000E5"/>
+                </a:solidFill>
+              </a:rPr>
+              <a:t>2</a:t>
+            </a:r>
+            <a:r>
+              <a:rPr lang="en-US" sz="3200" dirty="0"/>
+              <a:t>∙493</a:t>
+            </a:r>
+          </a:p>
+          <a:p>
+            <a:r>
+              <a:rPr lang="en-US" sz="3200" dirty="0" smtClean="0"/>
+              <a:t>so   </a:t>
+            </a:r>
+            <a:r>
+              <a:rPr lang="en-US" sz="3200" dirty="0"/>
+              <a:t>58 = 406 - 4·87</a:t>
+            </a:r>
+          </a:p>
+          <a:p>
+            <a:r>
+              <a:rPr lang="en-US" sz="3200" dirty="0" smtClean="0"/>
+              <a:t>           = </a:t>
+            </a:r>
+            <a:r>
+              <a:rPr lang="en-US" sz="3200" dirty="0">
+                <a:solidFill>
+                  <a:srgbClr val="0000E5"/>
+                </a:solidFill>
+              </a:rPr>
+              <a:t>5</a:t>
+            </a:r>
+            <a:r>
+              <a:rPr lang="en-US" sz="3200" dirty="0"/>
+              <a:t>·899 + </a:t>
+            </a:r>
+            <a:r>
+              <a:rPr lang="en-US" sz="3200" dirty="0">
+                <a:solidFill>
+                  <a:srgbClr val="0000E5"/>
+                </a:solidFill>
+              </a:rPr>
+              <a:t>-9</a:t>
+            </a:r>
+            <a:r>
+              <a:rPr lang="en-US" sz="3200" dirty="0"/>
+              <a:t>·493</a:t>
+            </a:r>
+          </a:p>
+          <a:p>
+            <a:r>
+              <a:rPr lang="en-US" sz="3200" dirty="0" smtClean="0"/>
+              <a:t>so   29 </a:t>
+            </a:r>
+            <a:r>
+              <a:rPr lang="en-US" sz="3200" dirty="0"/>
+              <a:t>= 87 – 1·58</a:t>
+            </a:r>
+          </a:p>
+          <a:p>
+            <a:r>
+              <a:rPr lang="en-US" sz="3200" dirty="0" smtClean="0"/>
+              <a:t>           </a:t>
+            </a:r>
+            <a:r>
+              <a:rPr lang="en-US" sz="3200" dirty="0"/>
+              <a:t>= </a:t>
+            </a:r>
+            <a:r>
+              <a:rPr lang="en-US" sz="3200" dirty="0">
+                <a:solidFill>
+                  <a:srgbClr val="FF00FF"/>
+                </a:solidFill>
+              </a:rPr>
+              <a:t>-6</a:t>
+            </a:r>
+            <a:r>
+              <a:rPr lang="en-US" sz="3200" dirty="0"/>
+              <a:t>·899 + </a:t>
+            </a:r>
+            <a:r>
+              <a:rPr lang="en-US" sz="3200" dirty="0">
+                <a:solidFill>
+                  <a:srgbClr val="FF00FF"/>
+                </a:solidFill>
+              </a:rPr>
+              <a:t>11</a:t>
+            </a:r>
+            <a:r>
+              <a:rPr lang="en-US" sz="3200" dirty="0"/>
+              <a:t>∙493</a:t>
+            </a:r>
+            <a:endParaRPr lang="en-US" sz="3200" dirty="0" smtClean="0"/>
+          </a:p>
+          <a:p>
+            <a:r>
+              <a:rPr lang="en-US" sz="3200" dirty="0" smtClean="0"/>
+              <a:t>       done</a:t>
+            </a:r>
+            <a:r>
+              <a:rPr lang="en-US" sz="3200" dirty="0"/>
+              <a:t>, </a:t>
+            </a:r>
+            <a:r>
+              <a:rPr lang="en-US" sz="3200" dirty="0" err="1"/>
+              <a:t>gcd</a:t>
+            </a:r>
+            <a:r>
+              <a:rPr lang="en-US" sz="3200" dirty="0"/>
+              <a:t> = 29</a:t>
+            </a:r>
           </a:p>
         </p:txBody>
       </p:sp>
@@ -20718,13 +22083,23 @@
         </p:txBody>
       </p:sp>
     </p:spTree>
+    <p:extLst>
+      <p:ext uri="{BB962C8B-B14F-4D97-AF65-F5344CB8AC3E}">
+        <p14:creationId xmlns:p14="http://schemas.microsoft.com/office/powerpoint/2010/main" val="764487517"/>
+      </p:ext>
+    </p:extLst>
   </p:cSld>
   <p:clrMapOvr>
     <a:masterClrMapping/>
   </p:clrMapOvr>
-  <p:transition xmlns:p14="http://schemas.microsoft.com/office/powerpoint/2010/main">
-    <p:fade/>
-  </p:transition>
+  <mc:AlternateContent xmlns:mc="http://schemas.openxmlformats.org/markup-compatibility/2006" xmlns:p14="http://schemas.microsoft.com/office/powerpoint/2010/main">
+    <mc:Choice Requires="p14">
+      <p:transition p14:dur="0"/>
+    </mc:Choice>
+    <mc:Fallback xmlns="">
+      <p:transition xmlns:p14="http://schemas.microsoft.com/office/powerpoint/2010/main"/>
+    </mc:Fallback>
+  </mc:AlternateContent>
   <p:timing>
     <p:tnLst>
       <p:par>
@@ -20737,9 +22112,6 @@
                     <p:cTn id="3" fill="hold">
                       <p:stCondLst>
                         <p:cond delay="indefinite"/>
-                        <p:cond evt="onBegin" delay="0">
-                          <p:tn val="2"/>
-                        </p:cond>
                       </p:stCondLst>
                       <p:childTnLst>
                         <p:par>
@@ -20749,7 +22121,7 @@
                             </p:stCondLst>
                             <p:childTnLst>
                               <p:par>
-                                <p:cTn id="5" presetID="9" presetClass="entr" presetSubtype="0" fill="hold" grpId="0" nodeType="afterEffect">
+                                <p:cTn id="5" presetID="9" presetClass="entr" presetSubtype="0" fill="hold" grpId="0" nodeType="clickEffect">
                                   <p:stCondLst>
                                     <p:cond delay="0"/>
                                   </p:stCondLst>
@@ -20950,1250 +22322,6 @@
     <p:bldLst>
       <p:bldP spid="7" grpId="0"/>
       <p:bldP spid="8" grpId="0"/>
-    </p:bldLst>
-  </p:timing>
-</p:sld>
-</file>
-
-<file path=ppt/slides/slide32.xml><?xml version="1.0" encoding="utf-8"?>
-<p:sld xmlns:a="http://schemas.openxmlformats.org/drawingml/2006/main" xmlns:r="http://schemas.openxmlformats.org/officeDocument/2006/relationships" xmlns:p="http://schemas.openxmlformats.org/presentationml/2006/main">
-  <p:cSld>
-    <p:spTree>
-      <p:nvGrpSpPr>
-        <p:cNvPr id="1" name=""/>
-        <p:cNvGrpSpPr/>
-        <p:nvPr/>
-      </p:nvGrpSpPr>
-      <p:grpSpPr>
-        <a:xfrm>
-          <a:off x="0" y="0"/>
-          <a:ext cx="0" cy="0"/>
-          <a:chOff x="0" y="0"/>
-          <a:chExt cx="0" cy="0"/>
-        </a:xfrm>
-      </p:grpSpPr>
-      <p:sp>
-        <p:nvSpPr>
-          <p:cNvPr id="30722" name="Rectangle 2"/>
-          <p:cNvSpPr>
-            <a:spLocks noGrp="1" noChangeArrowheads="1"/>
-          </p:cNvSpPr>
-          <p:nvPr>
-            <p:ph type="title"/>
-          </p:nvPr>
-        </p:nvSpPr>
-        <p:spPr/>
-        <p:txBody>
-          <a:bodyPr/>
-          <a:lstStyle/>
-          <a:p>
-            <a:pPr eaLnBrk="1" hangingPunct="1"/>
-            <a:r>
-              <a:rPr lang="en-US" dirty="0" smtClean="0"/>
-              <a:t>Finding </a:t>
-            </a:r>
-            <a:r>
-              <a:rPr lang="en-US" dirty="0" smtClean="0">
-                <a:solidFill>
-                  <a:srgbClr val="0000CC"/>
-                </a:solidFill>
-              </a:rPr>
-              <a:t>s</a:t>
-            </a:r>
-            <a:r>
-              <a:rPr lang="en-US" dirty="0" smtClean="0"/>
-              <a:t> and </a:t>
-            </a:r>
-            <a:r>
-              <a:rPr lang="en-US" dirty="0" smtClean="0">
-                <a:solidFill>
-                  <a:srgbClr val="0000CC"/>
-                </a:solidFill>
-              </a:rPr>
-              <a:t>t</a:t>
-            </a:r>
-          </a:p>
-        </p:txBody>
-      </p:sp>
-      <p:sp>
-        <p:nvSpPr>
-          <p:cNvPr id="30724" name="Slide Number Placeholder 3"/>
-          <p:cNvSpPr>
-            <a:spLocks noGrp="1"/>
-          </p:cNvSpPr>
-          <p:nvPr>
-            <p:ph type="sldNum" sz="quarter" idx="10"/>
-          </p:nvPr>
-        </p:nvSpPr>
-        <p:spPr>
-          <a:noFill/>
-        </p:spPr>
-        <p:txBody>
-          <a:bodyPr/>
-          <a:lstStyle/>
-          <a:p>
-            <a:r>
-              <a:rPr lang="en-US" dirty="0" err="1" smtClean="0">
-                <a:latin typeface="Comic Sans MS" pitchFamily="8" charset="0"/>
-              </a:rPr>
-              <a:t>lec</a:t>
-            </a:r>
-            <a:r>
-              <a:rPr lang="en-US" dirty="0" smtClean="0">
-                <a:latin typeface="Comic Sans MS" pitchFamily="8" charset="0"/>
-              </a:rPr>
-              <a:t> 5M.</a:t>
-            </a:r>
-            <a:fld id="{C0A36D86-A96B-4FB7-B793-96DB8299F076}" type="slidenum">
-              <a:rPr lang="en-US" sz="1200" smtClean="0">
-                <a:latin typeface="Comic Sans MS" pitchFamily="8" charset="0"/>
-              </a:rPr>
-              <a:pPr/>
-              <a:t>32</a:t>
-            </a:fld>
-            <a:endParaRPr lang="en-US" sz="1200" dirty="0" smtClean="0">
-              <a:latin typeface="Comic Sans MS" pitchFamily="8" charset="0"/>
-            </a:endParaRPr>
-          </a:p>
-        </p:txBody>
-      </p:sp>
-      <p:sp>
-        <p:nvSpPr>
-          <p:cNvPr id="7" name="Text Box 4"/>
-          <p:cNvSpPr txBox="1">
-            <a:spLocks noChangeArrowheads="1"/>
-          </p:cNvSpPr>
-          <p:nvPr/>
-        </p:nvSpPr>
-        <p:spPr bwMode="auto">
-          <a:xfrm>
-            <a:off x="92625" y="5410200"/>
-            <a:ext cx="4860375" cy="923330"/>
-          </a:xfrm>
-          <a:prstGeom prst="rect">
-            <a:avLst/>
-          </a:prstGeom>
-          <a:noFill/>
-          <a:ln w="38100">
-            <a:noFill/>
-            <a:miter lim="800000"/>
-            <a:headEnd/>
-            <a:tailEnd type="none" w="lg" len="lg"/>
-          </a:ln>
-        </p:spPr>
-        <p:txBody>
-          <a:bodyPr wrap="none">
-            <a:spAutoFit/>
-          </a:bodyPr>
-          <a:lstStyle/>
-          <a:p>
-            <a:r>
-              <a:rPr lang="en-US" sz="5400" b="1" dirty="0">
-                <a:solidFill>
-                  <a:srgbClr val="008000"/>
-                </a:solidFill>
-              </a:rPr>
-              <a:t>the </a:t>
-            </a:r>
-            <a:r>
-              <a:rPr lang="en-US" sz="5400" b="1" dirty="0" err="1">
-                <a:solidFill>
-                  <a:srgbClr val="008000"/>
-                </a:solidFill>
-              </a:rPr>
-              <a:t>Pulverizer</a:t>
-            </a:r>
-            <a:endParaRPr lang="en-US" sz="5400" b="1" dirty="0">
-              <a:solidFill>
-                <a:srgbClr val="008000"/>
-              </a:solidFill>
-            </a:endParaRPr>
-          </a:p>
-        </p:txBody>
-      </p:sp>
-      <p:sp>
-        <p:nvSpPr>
-          <p:cNvPr id="8" name="TextBox 7"/>
-          <p:cNvSpPr txBox="1"/>
-          <p:nvPr/>
-        </p:nvSpPr>
-        <p:spPr>
-          <a:xfrm>
-            <a:off x="5029200" y="5638800"/>
-            <a:ext cx="3385863" cy="769441"/>
-          </a:xfrm>
-          <a:prstGeom prst="rect">
-            <a:avLst/>
-          </a:prstGeom>
-          <a:noFill/>
-        </p:spPr>
-        <p:txBody>
-          <a:bodyPr wrap="none" rtlCol="0">
-            <a:spAutoFit/>
-          </a:bodyPr>
-          <a:lstStyle/>
-          <a:p>
-            <a:r>
-              <a:rPr lang="en-US" sz="4400" dirty="0" smtClean="0">
-                <a:solidFill>
-                  <a:schemeClr val="accent1">
-                    <a:lumMod val="50000"/>
-                  </a:schemeClr>
-                </a:solidFill>
-              </a:rPr>
-              <a:t>s</a:t>
-            </a:r>
-            <a:r>
-              <a:rPr lang="en-US" sz="4400" dirty="0" smtClean="0"/>
-              <a:t> = </a:t>
-            </a:r>
-            <a:r>
-              <a:rPr lang="en-US" sz="4400" dirty="0" smtClean="0">
-                <a:solidFill>
-                  <a:srgbClr val="FF00FF"/>
-                </a:solidFill>
-              </a:rPr>
-              <a:t>-6</a:t>
-            </a:r>
-            <a:r>
-              <a:rPr lang="en-US" sz="4400" dirty="0" smtClean="0"/>
-              <a:t>, </a:t>
-            </a:r>
-            <a:r>
-              <a:rPr lang="en-US" sz="4400" dirty="0" smtClean="0">
-                <a:solidFill>
-                  <a:schemeClr val="accent1">
-                    <a:lumMod val="50000"/>
-                  </a:schemeClr>
-                </a:solidFill>
-              </a:rPr>
-              <a:t>t</a:t>
-            </a:r>
-            <a:r>
-              <a:rPr lang="en-US" sz="4400" dirty="0" smtClean="0"/>
-              <a:t> = </a:t>
-            </a:r>
-            <a:r>
-              <a:rPr lang="en-US" sz="4400" dirty="0" smtClean="0">
-                <a:solidFill>
-                  <a:srgbClr val="FF00FF"/>
-                </a:solidFill>
-              </a:rPr>
-              <a:t>11</a:t>
-            </a:r>
-          </a:p>
-        </p:txBody>
-      </p:sp>
-      <p:sp>
-        <p:nvSpPr>
-          <p:cNvPr id="10" name="Text Box 3"/>
-          <p:cNvSpPr txBox="1">
-            <a:spLocks noChangeArrowheads="1"/>
-          </p:cNvSpPr>
-          <p:nvPr/>
-        </p:nvSpPr>
-        <p:spPr bwMode="auto">
-          <a:xfrm>
-            <a:off x="152400" y="1166842"/>
-            <a:ext cx="8915400" cy="4524315"/>
-          </a:xfrm>
-          <a:prstGeom prst="rect">
-            <a:avLst/>
-          </a:prstGeom>
-          <a:noFill/>
-          <a:ln w="38100">
-            <a:noFill/>
-            <a:miter lim="800000"/>
-            <a:headEnd/>
-            <a:tailEnd type="none" w="lg" len="lg"/>
-          </a:ln>
-        </p:spPr>
-        <p:txBody>
-          <a:bodyPr>
-            <a:spAutoFit/>
-          </a:bodyPr>
-          <a:lstStyle/>
-          <a:p>
-            <a:r>
-              <a:rPr lang="en-US" sz="3200" dirty="0"/>
-              <a:t>Example: </a:t>
-            </a:r>
-            <a:r>
-              <a:rPr lang="en-US" sz="3200" dirty="0">
-                <a:solidFill>
-                  <a:srgbClr val="0000CC"/>
-                </a:solidFill>
-              </a:rPr>
-              <a:t>a</a:t>
-            </a:r>
-            <a:r>
-              <a:rPr lang="en-US" sz="3200" dirty="0"/>
-              <a:t> = 899, </a:t>
-            </a:r>
-            <a:r>
-              <a:rPr lang="en-US" sz="3200" dirty="0">
-                <a:solidFill>
-                  <a:srgbClr val="0000CC"/>
-                </a:solidFill>
-              </a:rPr>
-              <a:t>b</a:t>
-            </a:r>
-            <a:r>
-              <a:rPr lang="en-US" sz="3200" dirty="0"/>
-              <a:t>=493</a:t>
-            </a:r>
-          </a:p>
-          <a:p>
-            <a:r>
-              <a:rPr lang="en-US" sz="3200" dirty="0"/>
-              <a:t>899 = 1·493 + 406    </a:t>
-            </a:r>
-            <a:r>
-              <a:rPr lang="en-US" sz="3200" dirty="0" smtClean="0"/>
-              <a:t>  so </a:t>
-            </a:r>
-            <a:r>
-              <a:rPr lang="en-US" sz="3200" dirty="0"/>
-              <a:t>406 = 1·899 + -1·493</a:t>
-            </a:r>
-          </a:p>
-          <a:p>
-            <a:r>
-              <a:rPr lang="en-US" sz="3200" dirty="0"/>
-              <a:t>493 = 1·406 + 87        so </a:t>
-            </a:r>
-            <a:r>
-              <a:rPr lang="en-US" sz="3200" dirty="0" smtClean="0"/>
-              <a:t>  87 </a:t>
-            </a:r>
-            <a:r>
-              <a:rPr lang="en-US" sz="3200" dirty="0"/>
-              <a:t>= 493 –</a:t>
-            </a:r>
-            <a:r>
-              <a:rPr lang="en-US" sz="2400" dirty="0"/>
-              <a:t> </a:t>
-            </a:r>
-            <a:r>
-              <a:rPr lang="en-US" sz="3200" dirty="0"/>
-              <a:t>1·406</a:t>
-            </a:r>
-            <a:endParaRPr lang="en-US" sz="2400" dirty="0"/>
-          </a:p>
-          <a:p>
-            <a:r>
-              <a:rPr lang="en-US" sz="3200" dirty="0"/>
-              <a:t>                                        </a:t>
-            </a:r>
-            <a:r>
-              <a:rPr lang="en-US" sz="3200" dirty="0" smtClean="0"/>
-              <a:t>     </a:t>
-            </a:r>
-            <a:r>
-              <a:rPr lang="en-US" sz="3200" dirty="0"/>
-              <a:t>= -1·899 + 2∙493</a:t>
-            </a:r>
-          </a:p>
-          <a:p>
-            <a:r>
-              <a:rPr lang="en-US" sz="3200" dirty="0"/>
-              <a:t>406 = 4·87 + 58         </a:t>
-            </a:r>
-            <a:r>
-              <a:rPr lang="en-US" sz="3200" dirty="0" smtClean="0"/>
-              <a:t>so   </a:t>
-            </a:r>
-            <a:r>
-              <a:rPr lang="en-US" sz="3200" dirty="0"/>
-              <a:t>58 = 406 - 4·87</a:t>
-            </a:r>
-          </a:p>
-          <a:p>
-            <a:r>
-              <a:rPr lang="en-US" sz="3200" dirty="0"/>
-              <a:t>                                        </a:t>
-            </a:r>
-            <a:r>
-              <a:rPr lang="en-US" sz="3200" dirty="0" smtClean="0"/>
-              <a:t>     </a:t>
-            </a:r>
-            <a:r>
-              <a:rPr lang="en-US" sz="3200" dirty="0"/>
-              <a:t>= 5·899 + -9·493</a:t>
-            </a:r>
-          </a:p>
-          <a:p>
-            <a:r>
-              <a:rPr lang="en-US" sz="3200" dirty="0"/>
-              <a:t>87   = 1·58 + 29          </a:t>
-            </a:r>
-            <a:r>
-              <a:rPr lang="en-US" sz="3200" dirty="0" smtClean="0"/>
-              <a:t>so  </a:t>
-            </a:r>
-            <a:r>
-              <a:rPr lang="en-US" sz="3200" dirty="0"/>
-              <a:t>29 = 87 – 1·58</a:t>
-            </a:r>
-          </a:p>
-          <a:p>
-            <a:r>
-              <a:rPr lang="en-US" sz="3200" dirty="0"/>
-              <a:t>                                       </a:t>
-            </a:r>
-            <a:r>
-              <a:rPr lang="en-US" sz="3200" dirty="0" smtClean="0"/>
-              <a:t>     </a:t>
-            </a:r>
-            <a:r>
-              <a:rPr lang="en-US" sz="3200" dirty="0"/>
-              <a:t>= </a:t>
-            </a:r>
-            <a:r>
-              <a:rPr lang="en-US" sz="3200" dirty="0">
-                <a:solidFill>
-                  <a:srgbClr val="FF00FF"/>
-                </a:solidFill>
-              </a:rPr>
-              <a:t>-6</a:t>
-            </a:r>
-            <a:r>
-              <a:rPr lang="en-US" sz="3200" dirty="0"/>
-              <a:t>·899 +</a:t>
-            </a:r>
-            <a:r>
-              <a:rPr lang="en-US" sz="3200" dirty="0">
-                <a:solidFill>
-                  <a:srgbClr val="FF00FF"/>
-                </a:solidFill>
-              </a:rPr>
-              <a:t> 11</a:t>
-            </a:r>
-            <a:r>
-              <a:rPr lang="en-US" sz="3200" dirty="0"/>
-              <a:t>∙493</a:t>
-            </a:r>
-          </a:p>
-          <a:p>
-            <a:r>
-              <a:rPr lang="en-US" sz="3200" dirty="0"/>
-              <a:t>58   = 2·29 + 0           </a:t>
-            </a:r>
-            <a:r>
-              <a:rPr lang="en-US" sz="3200" dirty="0" smtClean="0"/>
-              <a:t>    done</a:t>
-            </a:r>
-            <a:r>
-              <a:rPr lang="en-US" sz="3200" dirty="0"/>
-              <a:t>, </a:t>
-            </a:r>
-            <a:r>
-              <a:rPr lang="en-US" sz="3200" dirty="0" err="1"/>
-              <a:t>gcd</a:t>
-            </a:r>
-            <a:r>
-              <a:rPr lang="en-US" sz="3200" dirty="0"/>
-              <a:t> = 29</a:t>
-            </a:r>
-          </a:p>
-        </p:txBody>
-      </p:sp>
-    </p:spTree>
-    <p:extLst>
-      <p:ext uri="{BB962C8B-B14F-4D97-AF65-F5344CB8AC3E}">
-        <p14:creationId xmlns:p14="http://schemas.microsoft.com/office/powerpoint/2010/main" val="2717345087"/>
-      </p:ext>
-    </p:extLst>
-  </p:cSld>
-  <p:clrMapOvr>
-    <a:masterClrMapping/>
-  </p:clrMapOvr>
-  <p:transition xmlns:p14="http://schemas.microsoft.com/office/powerpoint/2010/main">
-    <p:fade/>
-  </p:transition>
-  <p:timing>
-    <p:tnLst>
-      <p:par>
-        <p:cTn xmlns:p14="http://schemas.microsoft.com/office/powerpoint/2010/main" id="1" dur="indefinite" restart="never" nodeType="tmRoot">
-          <p:childTnLst>
-            <p:seq concurrent="1" nextAc="seek">
-              <p:cTn id="2" dur="indefinite" nodeType="mainSeq">
-                <p:childTnLst>
-                  <p:par>
-                    <p:cTn id="3" fill="hold">
-                      <p:stCondLst>
-                        <p:cond delay="indefinite"/>
-                        <p:cond evt="onBegin" delay="0">
-                          <p:tn val="2"/>
-                        </p:cond>
-                      </p:stCondLst>
-                      <p:childTnLst>
-                        <p:par>
-                          <p:cTn id="4" fill="hold">
-                            <p:stCondLst>
-                              <p:cond delay="0"/>
-                            </p:stCondLst>
-                            <p:childTnLst>
-                              <p:par>
-                                <p:cTn id="5" presetID="9" presetClass="entr" presetSubtype="0" fill="hold" grpId="0" nodeType="afterEffect">
-                                  <p:stCondLst>
-                                    <p:cond delay="0"/>
-                                  </p:stCondLst>
-                                  <p:childTnLst>
-                                    <p:set>
-                                      <p:cBhvr>
-                                        <p:cTn id="6" dur="1" fill="hold">
-                                          <p:stCondLst>
-                                            <p:cond delay="0"/>
-                                          </p:stCondLst>
-                                        </p:cTn>
-                                        <p:tgtEl>
-                                          <p:spTgt spid="8"/>
-                                        </p:tgtEl>
-                                        <p:attrNameLst>
-                                          <p:attrName>style.visibility</p:attrName>
-                                        </p:attrNameLst>
-                                      </p:cBhvr>
-                                      <p:to>
-                                        <p:strVal val="visible"/>
-                                      </p:to>
-                                    </p:set>
-                                    <p:animEffect transition="in" filter="dissolve">
-                                      <p:cBhvr>
-                                        <p:cTn id="7" dur="1000"/>
-                                        <p:tgtEl>
-                                          <p:spTgt spid="8"/>
-                                        </p:tgtEl>
-                                      </p:cBhvr>
-                                    </p:animEffect>
-                                  </p:childTnLst>
-                                </p:cTn>
-                              </p:par>
-                            </p:childTnLst>
-                          </p:cTn>
-                        </p:par>
-                      </p:childTnLst>
-                    </p:cTn>
-                  </p:par>
-                  <p:par>
-                    <p:cTn id="8" fill="hold">
-                      <p:stCondLst>
-                        <p:cond delay="indefinite"/>
-                      </p:stCondLst>
-                      <p:childTnLst>
-                        <p:par>
-                          <p:cTn id="9" fill="hold">
-                            <p:stCondLst>
-                              <p:cond delay="0"/>
-                            </p:stCondLst>
-                            <p:childTnLst>
-                              <p:par>
-                                <p:cTn id="10" presetID="15" presetClass="entr" presetSubtype="0" fill="hold" grpId="0" nodeType="clickEffect">
-                                  <p:stCondLst>
-                                    <p:cond delay="0"/>
-                                  </p:stCondLst>
-                                  <p:childTnLst>
-                                    <p:set>
-                                      <p:cBhvr>
-                                        <p:cTn id="11" dur="1" fill="hold">
-                                          <p:stCondLst>
-                                            <p:cond delay="0"/>
-                                          </p:stCondLst>
-                                        </p:cTn>
-                                        <p:tgtEl>
-                                          <p:spTgt spid="7"/>
-                                        </p:tgtEl>
-                                        <p:attrNameLst>
-                                          <p:attrName>style.visibility</p:attrName>
-                                        </p:attrNameLst>
-                                      </p:cBhvr>
-                                      <p:to>
-                                        <p:strVal val="visible"/>
-                                      </p:to>
-                                    </p:set>
-                                    <p:anim calcmode="lin" valueType="num">
-                                      <p:cBhvr>
-                                        <p:cTn id="12" dur="1000" fill="hold"/>
-                                        <p:tgtEl>
-                                          <p:spTgt spid="7"/>
-                                        </p:tgtEl>
-                                        <p:attrNameLst>
-                                          <p:attrName>ppt_w</p:attrName>
-                                        </p:attrNameLst>
-                                      </p:cBhvr>
-                                      <p:tavLst>
-                                        <p:tav tm="0">
-                                          <p:val>
-                                            <p:fltVal val="0"/>
-                                          </p:val>
-                                        </p:tav>
-                                        <p:tav tm="100000">
-                                          <p:val>
-                                            <p:strVal val="#ppt_w"/>
-                                          </p:val>
-                                        </p:tav>
-                                      </p:tavLst>
-                                    </p:anim>
-                                    <p:anim calcmode="lin" valueType="num">
-                                      <p:cBhvr>
-                                        <p:cTn id="13" dur="1000" fill="hold"/>
-                                        <p:tgtEl>
-                                          <p:spTgt spid="7"/>
-                                        </p:tgtEl>
-                                        <p:attrNameLst>
-                                          <p:attrName>ppt_h</p:attrName>
-                                        </p:attrNameLst>
-                                      </p:cBhvr>
-                                      <p:tavLst>
-                                        <p:tav tm="0">
-                                          <p:val>
-                                            <p:fltVal val="0"/>
-                                          </p:val>
-                                        </p:tav>
-                                        <p:tav tm="100000">
-                                          <p:val>
-                                            <p:strVal val="#ppt_h"/>
-                                          </p:val>
-                                        </p:tav>
-                                      </p:tavLst>
-                                    </p:anim>
-                                    <p:anim calcmode="lin" valueType="num">
-                                      <p:cBhvr>
-                                        <p:cTn id="14" dur="1000" fill="hold"/>
-                                        <p:tgtEl>
-                                          <p:spTgt spid="7"/>
-                                        </p:tgtEl>
-                                        <p:attrNameLst>
-                                          <p:attrName>ppt_x</p:attrName>
-                                        </p:attrNameLst>
-                                      </p:cBhvr>
-                                      <p:tavLst>
-                                        <p:tav tm="0" fmla="#ppt_x+(cos(-2*pi*(1-$))*-#ppt_x-sin(-2*pi*(1-$))*(1-#ppt_y))*(1-$)">
-                                          <p:val>
-                                            <p:fltVal val="0"/>
-                                          </p:val>
-                                        </p:tav>
-                                        <p:tav tm="100000">
-                                          <p:val>
-                                            <p:fltVal val="1"/>
-                                          </p:val>
-                                        </p:tav>
-                                      </p:tavLst>
-                                    </p:anim>
-                                    <p:anim calcmode="lin" valueType="num">
-                                      <p:cBhvr>
-                                        <p:cTn id="15" dur="1000" fill="hold"/>
-                                        <p:tgtEl>
-                                          <p:spTgt spid="7"/>
-                                        </p:tgtEl>
-                                        <p:attrNameLst>
-                                          <p:attrName>ppt_y</p:attrName>
-                                        </p:attrNameLst>
-                                      </p:cBhvr>
-                                      <p:tavLst>
-                                        <p:tav tm="0" fmla="#ppt_y+(sin(-2*pi*(1-$))*-#ppt_x+cos(-2*pi*(1-$))*(1-#ppt_y))*(1-$)">
-                                          <p:val>
-                                            <p:fltVal val="0"/>
-                                          </p:val>
-                                        </p:tav>
-                                        <p:tav tm="100000">
-                                          <p:val>
-                                            <p:fltVal val="1"/>
-                                          </p:val>
-                                        </p:tav>
-                                      </p:tavLst>
-                                    </p:anim>
-                                  </p:childTnLst>
-                                </p:cTn>
-                              </p:par>
-                            </p:childTnLst>
-                          </p:cTn>
-                        </p:par>
-                      </p:childTnLst>
-                    </p:cTn>
-                  </p:par>
-                </p:childTnLst>
-              </p:cTn>
-              <p:prevCondLst>
-                <p:cond evt="onPrev" delay="0">
-                  <p:tgtEl>
-                    <p:sldTgt/>
-                  </p:tgtEl>
-                </p:cond>
-              </p:prevCondLst>
-              <p:nextCondLst>
-                <p:cond evt="onNext" delay="0">
-                  <p:tgtEl>
-                    <p:sldTgt/>
-                  </p:tgtEl>
-                </p:cond>
-              </p:nextCondLst>
-            </p:seq>
-          </p:childTnLst>
-        </p:cTn>
-      </p:par>
-    </p:tnLst>
-    <p:bldLst>
-      <p:bldP spid="7" grpId="0"/>
-      <p:bldP spid="8" grpId="0"/>
-    </p:bldLst>
-  </p:timing>
-</p:sld>
-</file>
-
-<file path=ppt/slides/slide33.xml><?xml version="1.0" encoding="utf-8"?>
-<p:sld xmlns:a="http://schemas.openxmlformats.org/drawingml/2006/main" xmlns:r="http://schemas.openxmlformats.org/officeDocument/2006/relationships" xmlns:p="http://schemas.openxmlformats.org/presentationml/2006/main" show="0">
-  <p:cSld>
-    <p:spTree>
-      <p:nvGrpSpPr>
-        <p:cNvPr id="1" name=""/>
-        <p:cNvGrpSpPr/>
-        <p:nvPr/>
-      </p:nvGrpSpPr>
-      <p:grpSpPr>
-        <a:xfrm>
-          <a:off x="0" y="0"/>
-          <a:ext cx="0" cy="0"/>
-          <a:chOff x="0" y="0"/>
-          <a:chExt cx="0" cy="0"/>
-        </a:xfrm>
-      </p:grpSpPr>
-      <p:sp>
-        <p:nvSpPr>
-          <p:cNvPr id="30722" name="Rectangle 2"/>
-          <p:cNvSpPr>
-            <a:spLocks noGrp="1" noChangeArrowheads="1"/>
-          </p:cNvSpPr>
-          <p:nvPr>
-            <p:ph type="title"/>
-          </p:nvPr>
-        </p:nvSpPr>
-        <p:spPr/>
-        <p:txBody>
-          <a:bodyPr/>
-          <a:lstStyle/>
-          <a:p>
-            <a:pPr eaLnBrk="1" hangingPunct="1"/>
-            <a:r>
-              <a:rPr lang="en-US" smtClean="0"/>
-              <a:t>Finding </a:t>
-            </a:r>
-            <a:r>
-              <a:rPr lang="en-US" smtClean="0">
-                <a:solidFill>
-                  <a:srgbClr val="0000CC"/>
-                </a:solidFill>
-              </a:rPr>
-              <a:t>s</a:t>
-            </a:r>
-            <a:r>
-              <a:rPr lang="en-US" smtClean="0"/>
-              <a:t> and </a:t>
-            </a:r>
-            <a:r>
-              <a:rPr lang="en-US" smtClean="0">
-                <a:solidFill>
-                  <a:srgbClr val="0000CC"/>
-                </a:solidFill>
-              </a:rPr>
-              <a:t>t</a:t>
-            </a:r>
-          </a:p>
-        </p:txBody>
-      </p:sp>
-      <p:sp>
-        <p:nvSpPr>
-          <p:cNvPr id="782342" name="Text Box 6"/>
-          <p:cNvSpPr txBox="1">
-            <a:spLocks noChangeArrowheads="1"/>
-          </p:cNvSpPr>
-          <p:nvPr/>
-        </p:nvSpPr>
-        <p:spPr bwMode="auto">
-          <a:xfrm>
-            <a:off x="76200" y="1160463"/>
-            <a:ext cx="8915400" cy="4478337"/>
-          </a:xfrm>
-          <a:prstGeom prst="rect">
-            <a:avLst/>
-          </a:prstGeom>
-          <a:noFill/>
-          <a:ln w="38100">
-            <a:noFill/>
-            <a:miter lim="800000"/>
-            <a:headEnd/>
-            <a:tailEnd type="none" w="lg" len="lg"/>
-          </a:ln>
-        </p:spPr>
-        <p:txBody>
-          <a:bodyPr>
-            <a:spAutoFit/>
-          </a:bodyPr>
-          <a:lstStyle/>
-          <a:p>
-            <a:r>
-              <a:rPr lang="en-US" sz="3200"/>
-              <a:t>Example: </a:t>
-            </a:r>
-            <a:r>
-              <a:rPr lang="en-US" sz="3200">
-                <a:solidFill>
-                  <a:srgbClr val="0000CC"/>
-                </a:solidFill>
-              </a:rPr>
-              <a:t>a</a:t>
-            </a:r>
-            <a:r>
-              <a:rPr lang="en-US" sz="3200"/>
-              <a:t> = 899, </a:t>
-            </a:r>
-            <a:r>
-              <a:rPr lang="en-US" sz="3200">
-                <a:solidFill>
-                  <a:srgbClr val="0000CC"/>
-                </a:solidFill>
-              </a:rPr>
-              <a:t>b</a:t>
-            </a:r>
-            <a:r>
-              <a:rPr lang="en-US" sz="3200"/>
-              <a:t>=493</a:t>
-            </a:r>
-          </a:p>
-          <a:p>
-            <a:r>
-              <a:rPr lang="en-US" sz="3200"/>
-              <a:t>899 = 1·493 + 406   </a:t>
-            </a:r>
-          </a:p>
-          <a:p>
-            <a:r>
-              <a:rPr lang="en-US" sz="3200"/>
-              <a:t>493 = 1·406 + 87        </a:t>
-            </a:r>
-          </a:p>
-          <a:p>
-            <a:r>
-              <a:rPr lang="en-US" sz="3200"/>
-              <a:t>                                         </a:t>
-            </a:r>
-          </a:p>
-          <a:p>
-            <a:r>
-              <a:rPr lang="en-US" sz="3200"/>
-              <a:t>406 = 4·87 + 58        </a:t>
-            </a:r>
-          </a:p>
-          <a:p>
-            <a:r>
-              <a:rPr lang="en-US" sz="3200"/>
-              <a:t>                                        </a:t>
-            </a:r>
-          </a:p>
-          <a:p>
-            <a:r>
-              <a:rPr lang="en-US" sz="3200"/>
-              <a:t>87   = 1·58 + 29          </a:t>
-            </a:r>
-          </a:p>
-          <a:p>
-            <a:r>
-              <a:rPr lang="en-US" sz="3200"/>
-              <a:t>                                           </a:t>
-            </a:r>
-          </a:p>
-          <a:p>
-            <a:r>
-              <a:rPr lang="en-US" sz="3200"/>
-              <a:t>58   = 2·29 + 0               done, gcd = 29</a:t>
-            </a:r>
-          </a:p>
-        </p:txBody>
-      </p:sp>
-      <p:sp>
-        <p:nvSpPr>
-          <p:cNvPr id="30724" name="Slide Number Placeholder 3"/>
-          <p:cNvSpPr>
-            <a:spLocks noGrp="1"/>
-          </p:cNvSpPr>
-          <p:nvPr>
-            <p:ph type="sldNum" sz="quarter" idx="10"/>
-          </p:nvPr>
-        </p:nvSpPr>
-        <p:spPr>
-          <a:noFill/>
-        </p:spPr>
-        <p:txBody>
-          <a:bodyPr/>
-          <a:lstStyle/>
-          <a:p>
-            <a:r>
-              <a:rPr lang="en-US" dirty="0" err="1" smtClean="0">
-                <a:latin typeface="Comic Sans MS" pitchFamily="8" charset="0"/>
-              </a:rPr>
-              <a:t>lec</a:t>
-            </a:r>
-            <a:r>
-              <a:rPr lang="en-US" dirty="0" smtClean="0">
-                <a:latin typeface="Comic Sans MS" pitchFamily="8" charset="0"/>
-              </a:rPr>
-              <a:t> 5M.</a:t>
-            </a:r>
-            <a:fld id="{C0A36D86-A96B-4FB7-B793-96DB8299F076}" type="slidenum">
-              <a:rPr lang="en-US" sz="1200" smtClean="0">
-                <a:latin typeface="Comic Sans MS" pitchFamily="8" charset="0"/>
-              </a:rPr>
-              <a:pPr/>
-              <a:t>33</a:t>
-            </a:fld>
-            <a:endParaRPr lang="en-US" sz="1200" dirty="0" smtClean="0">
-              <a:latin typeface="Comic Sans MS" pitchFamily="8" charset="0"/>
-            </a:endParaRPr>
-          </a:p>
-        </p:txBody>
-      </p:sp>
-    </p:spTree>
-  </p:cSld>
-  <p:clrMapOvr>
-    <a:masterClrMapping/>
-  </p:clrMapOvr>
-  <p:transition xmlns:p14="http://schemas.microsoft.com/office/powerpoint/2010/main"/>
-  <p:timing>
-    <p:tnLst>
-      <p:par>
-        <p:cTn xmlns:p14="http://schemas.microsoft.com/office/powerpoint/2010/main" id="1" dur="indefinite" restart="never" nodeType="tmRoot">
-          <p:childTnLst>
-            <p:seq concurrent="1" nextAc="seek">
-              <p:cTn id="2" dur="indefinite" nodeType="mainSeq">
-                <p:childTnLst>
-                  <p:par>
-                    <p:cTn id="3" fill="hold">
-                      <p:stCondLst>
-                        <p:cond delay="indefinite"/>
-                      </p:stCondLst>
-                      <p:childTnLst>
-                        <p:par>
-                          <p:cTn id="4" fill="hold">
-                            <p:stCondLst>
-                              <p:cond delay="0"/>
-                            </p:stCondLst>
-                            <p:childTnLst>
-                              <p:par>
-                                <p:cTn id="5" presetID="22" presetClass="entr" presetSubtype="8" fill="hold" grpId="0" nodeType="clickEffect">
-                                  <p:stCondLst>
-                                    <p:cond delay="0"/>
-                                  </p:stCondLst>
-                                  <p:childTnLst>
-                                    <p:set>
-                                      <p:cBhvr>
-                                        <p:cTn id="6" dur="1" fill="hold">
-                                          <p:stCondLst>
-                                            <p:cond delay="0"/>
-                                          </p:stCondLst>
-                                        </p:cTn>
-                                        <p:tgtEl>
-                                          <p:spTgt spid="782342">
-                                            <p:txEl>
-                                              <p:pRg st="1" end="1"/>
-                                            </p:txEl>
-                                          </p:spTgt>
-                                        </p:tgtEl>
-                                        <p:attrNameLst>
-                                          <p:attrName>style.visibility</p:attrName>
-                                        </p:attrNameLst>
-                                      </p:cBhvr>
-                                      <p:to>
-                                        <p:strVal val="visible"/>
-                                      </p:to>
-                                    </p:set>
-                                    <p:animEffect transition="in" filter="wipe(left)">
-                                      <p:cBhvr>
-                                        <p:cTn id="7" dur="500"/>
-                                        <p:tgtEl>
-                                          <p:spTgt spid="782342">
-                                            <p:txEl>
-                                              <p:pRg st="1" end="1"/>
-                                            </p:txEl>
-                                          </p:spTgt>
-                                        </p:tgtEl>
-                                      </p:cBhvr>
-                                    </p:animEffect>
-                                  </p:childTnLst>
-                                </p:cTn>
-                              </p:par>
-                            </p:childTnLst>
-                          </p:cTn>
-                        </p:par>
-                      </p:childTnLst>
-                    </p:cTn>
-                  </p:par>
-                  <p:par>
-                    <p:cTn id="8" fill="hold">
-                      <p:stCondLst>
-                        <p:cond delay="indefinite"/>
-                      </p:stCondLst>
-                      <p:childTnLst>
-                        <p:par>
-                          <p:cTn id="9" fill="hold">
-                            <p:stCondLst>
-                              <p:cond delay="0"/>
-                            </p:stCondLst>
-                            <p:childTnLst>
-                              <p:par>
-                                <p:cTn id="10" presetID="22" presetClass="entr" presetSubtype="8" fill="hold" grpId="0" nodeType="clickEffect">
-                                  <p:stCondLst>
-                                    <p:cond delay="0"/>
-                                  </p:stCondLst>
-                                  <p:childTnLst>
-                                    <p:set>
-                                      <p:cBhvr>
-                                        <p:cTn id="11" dur="1" fill="hold">
-                                          <p:stCondLst>
-                                            <p:cond delay="0"/>
-                                          </p:stCondLst>
-                                        </p:cTn>
-                                        <p:tgtEl>
-                                          <p:spTgt spid="782342">
-                                            <p:txEl>
-                                              <p:pRg st="2" end="2"/>
-                                            </p:txEl>
-                                          </p:spTgt>
-                                        </p:tgtEl>
-                                        <p:attrNameLst>
-                                          <p:attrName>style.visibility</p:attrName>
-                                        </p:attrNameLst>
-                                      </p:cBhvr>
-                                      <p:to>
-                                        <p:strVal val="visible"/>
-                                      </p:to>
-                                    </p:set>
-                                    <p:animEffect transition="in" filter="wipe(left)">
-                                      <p:cBhvr>
-                                        <p:cTn id="12" dur="500"/>
-                                        <p:tgtEl>
-                                          <p:spTgt spid="782342">
-                                            <p:txEl>
-                                              <p:pRg st="2" end="2"/>
-                                            </p:txEl>
-                                          </p:spTgt>
-                                        </p:tgtEl>
-                                      </p:cBhvr>
-                                    </p:animEffect>
-                                  </p:childTnLst>
-                                </p:cTn>
-                              </p:par>
-                            </p:childTnLst>
-                          </p:cTn>
-                        </p:par>
-                      </p:childTnLst>
-                    </p:cTn>
-                  </p:par>
-                  <p:par>
-                    <p:cTn id="13" fill="hold">
-                      <p:stCondLst>
-                        <p:cond delay="indefinite"/>
-                      </p:stCondLst>
-                      <p:childTnLst>
-                        <p:par>
-                          <p:cTn id="14" fill="hold">
-                            <p:stCondLst>
-                              <p:cond delay="0"/>
-                            </p:stCondLst>
-                            <p:childTnLst>
-                              <p:par>
-                                <p:cTn id="15" presetID="22" presetClass="entr" presetSubtype="8" fill="hold" grpId="0" nodeType="clickEffect">
-                                  <p:stCondLst>
-                                    <p:cond delay="0"/>
-                                  </p:stCondLst>
-                                  <p:childTnLst>
-                                    <p:set>
-                                      <p:cBhvr>
-                                        <p:cTn id="16" dur="1" fill="hold">
-                                          <p:stCondLst>
-                                            <p:cond delay="0"/>
-                                          </p:stCondLst>
-                                        </p:cTn>
-                                        <p:tgtEl>
-                                          <p:spTgt spid="782342">
-                                            <p:txEl>
-                                              <p:pRg st="4" end="4"/>
-                                            </p:txEl>
-                                          </p:spTgt>
-                                        </p:tgtEl>
-                                        <p:attrNameLst>
-                                          <p:attrName>style.visibility</p:attrName>
-                                        </p:attrNameLst>
-                                      </p:cBhvr>
-                                      <p:to>
-                                        <p:strVal val="visible"/>
-                                      </p:to>
-                                    </p:set>
-                                    <p:animEffect transition="in" filter="wipe(left)">
-                                      <p:cBhvr>
-                                        <p:cTn id="17" dur="500"/>
-                                        <p:tgtEl>
-                                          <p:spTgt spid="782342">
-                                            <p:txEl>
-                                              <p:pRg st="4" end="4"/>
-                                            </p:txEl>
-                                          </p:spTgt>
-                                        </p:tgtEl>
-                                      </p:cBhvr>
-                                    </p:animEffect>
-                                  </p:childTnLst>
-                                </p:cTn>
-                              </p:par>
-                            </p:childTnLst>
-                          </p:cTn>
-                        </p:par>
-                      </p:childTnLst>
-                    </p:cTn>
-                  </p:par>
-                  <p:par>
-                    <p:cTn id="18" fill="hold">
-                      <p:stCondLst>
-                        <p:cond delay="indefinite"/>
-                      </p:stCondLst>
-                      <p:childTnLst>
-                        <p:par>
-                          <p:cTn id="19" fill="hold">
-                            <p:stCondLst>
-                              <p:cond delay="0"/>
-                            </p:stCondLst>
-                            <p:childTnLst>
-                              <p:par>
-                                <p:cTn id="20" presetID="22" presetClass="entr" presetSubtype="8" fill="hold" grpId="0" nodeType="clickEffect">
-                                  <p:stCondLst>
-                                    <p:cond delay="0"/>
-                                  </p:stCondLst>
-                                  <p:childTnLst>
-                                    <p:set>
-                                      <p:cBhvr>
-                                        <p:cTn id="21" dur="1" fill="hold">
-                                          <p:stCondLst>
-                                            <p:cond delay="0"/>
-                                          </p:stCondLst>
-                                        </p:cTn>
-                                        <p:tgtEl>
-                                          <p:spTgt spid="782342">
-                                            <p:txEl>
-                                              <p:pRg st="6" end="6"/>
-                                            </p:txEl>
-                                          </p:spTgt>
-                                        </p:tgtEl>
-                                        <p:attrNameLst>
-                                          <p:attrName>style.visibility</p:attrName>
-                                        </p:attrNameLst>
-                                      </p:cBhvr>
-                                      <p:to>
-                                        <p:strVal val="visible"/>
-                                      </p:to>
-                                    </p:set>
-                                    <p:animEffect transition="in" filter="wipe(left)">
-                                      <p:cBhvr>
-                                        <p:cTn id="22" dur="500"/>
-                                        <p:tgtEl>
-                                          <p:spTgt spid="782342">
-                                            <p:txEl>
-                                              <p:pRg st="6" end="6"/>
-                                            </p:txEl>
-                                          </p:spTgt>
-                                        </p:tgtEl>
-                                      </p:cBhvr>
-                                    </p:animEffect>
-                                  </p:childTnLst>
-                                </p:cTn>
-                              </p:par>
-                            </p:childTnLst>
-                          </p:cTn>
-                        </p:par>
-                      </p:childTnLst>
-                    </p:cTn>
-                  </p:par>
-                  <p:par>
-                    <p:cTn id="23" fill="hold">
-                      <p:stCondLst>
-                        <p:cond delay="indefinite"/>
-                      </p:stCondLst>
-                      <p:childTnLst>
-                        <p:par>
-                          <p:cTn id="24" fill="hold">
-                            <p:stCondLst>
-                              <p:cond delay="0"/>
-                            </p:stCondLst>
-                            <p:childTnLst>
-                              <p:par>
-                                <p:cTn id="25" presetID="22" presetClass="entr" presetSubtype="8" fill="hold" grpId="0" nodeType="clickEffect">
-                                  <p:stCondLst>
-                                    <p:cond delay="0"/>
-                                  </p:stCondLst>
-                                  <p:childTnLst>
-                                    <p:set>
-                                      <p:cBhvr>
-                                        <p:cTn id="26" dur="1" fill="hold">
-                                          <p:stCondLst>
-                                            <p:cond delay="0"/>
-                                          </p:stCondLst>
-                                        </p:cTn>
-                                        <p:tgtEl>
-                                          <p:spTgt spid="782342">
-                                            <p:txEl>
-                                              <p:pRg st="8" end="8"/>
-                                            </p:txEl>
-                                          </p:spTgt>
-                                        </p:tgtEl>
-                                        <p:attrNameLst>
-                                          <p:attrName>style.visibility</p:attrName>
-                                        </p:attrNameLst>
-                                      </p:cBhvr>
-                                      <p:to>
-                                        <p:strVal val="visible"/>
-                                      </p:to>
-                                    </p:set>
-                                    <p:animEffect transition="in" filter="wipe(left)">
-                                      <p:cBhvr>
-                                        <p:cTn id="27" dur="500"/>
-                                        <p:tgtEl>
-                                          <p:spTgt spid="782342">
-                                            <p:txEl>
-                                              <p:pRg st="8" end="8"/>
-                                            </p:txEl>
-                                          </p:spTgt>
-                                        </p:tgtEl>
-                                      </p:cBhvr>
-                                    </p:animEffect>
-                                  </p:childTnLst>
-                                </p:cTn>
-                              </p:par>
-                            </p:childTnLst>
-                          </p:cTn>
-                        </p:par>
-                      </p:childTnLst>
-                    </p:cTn>
-                  </p:par>
-                </p:childTnLst>
-              </p:cTn>
-              <p:prevCondLst>
-                <p:cond evt="onPrev" delay="0">
-                  <p:tgtEl>
-                    <p:sldTgt/>
-                  </p:tgtEl>
-                </p:cond>
-              </p:prevCondLst>
-              <p:nextCondLst>
-                <p:cond evt="onNext" delay="0">
-                  <p:tgtEl>
-                    <p:sldTgt/>
-                  </p:tgtEl>
-                </p:cond>
-              </p:nextCondLst>
-            </p:seq>
-          </p:childTnLst>
-        </p:cTn>
-      </p:par>
-    </p:tnLst>
-    <p:bldLst>
-      <p:bldP spid="782342" grpId="0" build="p"/>
     </p:bldLst>
   </p:timing>
 </p:sld>
